--- a/ISE-Proposal.pptx
+++ b/ISE-Proposal.pptx
@@ -216,7 +216,7 @@
           <a:p>
             <a:fld id="{E754A336-C69E-4714-9C77-EDF27533E981}" type="datetimeFigureOut">
               <a:rPr lang="zh-CN" altLang="en-US" smtClean="0"/>
-              <a:t>2023/11/7</a:t>
+              <a:t>2023/11/8</a:t>
             </a:fld>
             <a:endParaRPr lang="zh-CN" altLang="en-US"/>
           </a:p>
@@ -854,7 +854,7 @@
           <a:p>
             <a:fld id="{2E8C10CD-CE84-4E2B-BABD-39448864A424}" type="datetimeFigureOut">
               <a:rPr lang="zh-CN" altLang="en-US" smtClean="0"/>
-              <a:t>2023/11/7</a:t>
+              <a:t>2023/11/8</a:t>
             </a:fld>
             <a:endParaRPr lang="zh-CN" altLang="en-US"/>
           </a:p>
@@ -1022,7 +1022,7 @@
           <a:p>
             <a:fld id="{2E8C10CD-CE84-4E2B-BABD-39448864A424}" type="datetimeFigureOut">
               <a:rPr lang="zh-CN" altLang="en-US" smtClean="0"/>
-              <a:t>2023/11/7</a:t>
+              <a:t>2023/11/8</a:t>
             </a:fld>
             <a:endParaRPr lang="zh-CN" altLang="en-US"/>
           </a:p>
@@ -1200,7 +1200,7 @@
           <a:p>
             <a:fld id="{2E8C10CD-CE84-4E2B-BABD-39448864A424}" type="datetimeFigureOut">
               <a:rPr lang="zh-CN" altLang="en-US" smtClean="0"/>
-              <a:t>2023/11/7</a:t>
+              <a:t>2023/11/8</a:t>
             </a:fld>
             <a:endParaRPr lang="zh-CN" altLang="en-US"/>
           </a:p>
@@ -1363,7 +1363,7 @@
             <a:fld id="{B80C25AB-01CB-44EF-B684-5AB310DE0BC5}" type="datetimeFigureOut">
               <a:rPr lang="zh-CN" altLang="en-US" smtClean="0"/>
               <a:pPr/>
-              <a:t>2023/11/7</a:t>
+              <a:t>2023/11/8</a:t>
             </a:fld>
             <a:endParaRPr lang="zh-CN" altLang="en-US"/>
           </a:p>
@@ -1553,7 +1553,7 @@
           <a:p>
             <a:fld id="{2E8C10CD-CE84-4E2B-BABD-39448864A424}" type="datetimeFigureOut">
               <a:rPr lang="zh-CN" altLang="en-US" smtClean="0"/>
-              <a:t>2023/11/7</a:t>
+              <a:t>2023/11/8</a:t>
             </a:fld>
             <a:endParaRPr lang="zh-CN" altLang="en-US"/>
           </a:p>
@@ -1787,7 +1787,7 @@
           <a:p>
             <a:fld id="{2E8C10CD-CE84-4E2B-BABD-39448864A424}" type="datetimeFigureOut">
               <a:rPr lang="zh-CN" altLang="en-US" smtClean="0"/>
-              <a:t>2023/11/7</a:t>
+              <a:t>2023/11/8</a:t>
             </a:fld>
             <a:endParaRPr lang="zh-CN" altLang="en-US"/>
           </a:p>
@@ -2144,7 +2144,7 @@
           <a:p>
             <a:fld id="{2E8C10CD-CE84-4E2B-BABD-39448864A424}" type="datetimeFigureOut">
               <a:rPr lang="zh-CN" altLang="en-US" smtClean="0"/>
-              <a:t>2023/11/7</a:t>
+              <a:t>2023/11/8</a:t>
             </a:fld>
             <a:endParaRPr lang="zh-CN" altLang="en-US"/>
           </a:p>
@@ -2373,7 +2373,7 @@
           <a:p>
             <a:fld id="{2E8C10CD-CE84-4E2B-BABD-39448864A424}" type="datetimeFigureOut">
               <a:rPr lang="zh-CN" altLang="en-US" smtClean="0"/>
-              <a:t>2023/11/7</a:t>
+              <a:t>2023/11/8</a:t>
             </a:fld>
             <a:endParaRPr lang="zh-CN" altLang="en-US"/>
           </a:p>
@@ -2737,7 +2737,7 @@
           <a:p>
             <a:fld id="{2E8C10CD-CE84-4E2B-BABD-39448864A424}" type="datetimeFigureOut">
               <a:rPr lang="zh-CN" altLang="en-US" smtClean="0"/>
-              <a:t>2023/11/7</a:t>
+              <a:t>2023/11/8</a:t>
             </a:fld>
             <a:endParaRPr lang="zh-CN" altLang="en-US"/>
           </a:p>
@@ -2832,7 +2832,7 @@
           <a:p>
             <a:fld id="{2E8C10CD-CE84-4E2B-BABD-39448864A424}" type="datetimeFigureOut">
               <a:rPr lang="zh-CN" altLang="en-US" smtClean="0"/>
-              <a:t>2023/11/7</a:t>
+              <a:t>2023/11/8</a:t>
             </a:fld>
             <a:endParaRPr lang="zh-CN" altLang="en-US"/>
           </a:p>
@@ -3107,7 +3107,7 @@
           <a:p>
             <a:fld id="{2E8C10CD-CE84-4E2B-BABD-39448864A424}" type="datetimeFigureOut">
               <a:rPr lang="zh-CN" altLang="en-US" smtClean="0"/>
-              <a:t>2023/11/7</a:t>
+              <a:t>2023/11/8</a:t>
             </a:fld>
             <a:endParaRPr lang="zh-CN" altLang="en-US"/>
           </a:p>
@@ -3359,7 +3359,7 @@
           <a:p>
             <a:fld id="{2E8C10CD-CE84-4E2B-BABD-39448864A424}" type="datetimeFigureOut">
               <a:rPr lang="zh-CN" altLang="en-US" smtClean="0"/>
-              <a:t>2023/11/7</a:t>
+              <a:t>2023/11/8</a:t>
             </a:fld>
             <a:endParaRPr lang="zh-CN" altLang="en-US"/>
           </a:p>
@@ -3570,7 +3570,7 @@
           <a:p>
             <a:fld id="{2E8C10CD-CE84-4E2B-BABD-39448864A424}" type="datetimeFigureOut">
               <a:rPr lang="zh-CN" altLang="en-US" smtClean="0"/>
-              <a:t>2023/11/7</a:t>
+              <a:t>2023/11/8</a:t>
             </a:fld>
             <a:endParaRPr lang="zh-CN" altLang="en-US"/>
           </a:p>
@@ -7667,6 +7667,30 @@
             <a:endParaRPr lang="en-US" altLang="zh-CN" dirty="0"/>
           </a:p>
           <a:p>
+            <a:pPr lvl="1"/>
+            <a:r>
+              <a:rPr lang="zh-CN" altLang="en-US" dirty="0"/>
+              <a:t>参数量：</a:t>
+            </a:r>
+            <a:r>
+              <a:rPr lang="en-US" altLang="zh-CN" dirty="0" err="1"/>
+              <a:t>ViT</a:t>
+            </a:r>
+            <a:r>
+              <a:rPr lang="en-US" altLang="zh-CN" dirty="0"/>
+              <a:t>-B</a:t>
+            </a:r>
+            <a:r>
+              <a:rPr lang="zh-CN" altLang="en-US"/>
+              <a:t>基座</a:t>
+            </a:r>
+            <a:r>
+              <a:rPr lang="en-US" altLang="zh-CN"/>
+              <a:t>——400M</a:t>
+            </a:r>
+            <a:endParaRPr lang="en-US" altLang="zh-CN" dirty="0"/>
+          </a:p>
+          <a:p>
             <a:r>
               <a:rPr lang="zh-CN" altLang="en-US" dirty="0"/>
               <a:t>框架：在线应用</a:t>

--- a/ISE-Proposal.pptx
+++ b/ISE-Proposal.pptx
@@ -1,22 +1,21 @@
 
 <file path=ppt/presentation.xml><?xml version="1.0" encoding="utf-8"?>
-<p:presentation xmlns:a="http://schemas.openxmlformats.org/drawingml/2006/main" xmlns:r="http://schemas.openxmlformats.org/officeDocument/2006/relationships" xmlns:p="http://schemas.openxmlformats.org/presentationml/2006/main" saveSubsetFonts="1">
+<p:presentation xmlns:a="http://schemas.openxmlformats.org/drawingml/2006/main" xmlns:r="http://schemas.openxmlformats.org/officeDocument/2006/relationships" xmlns:p="http://schemas.openxmlformats.org/presentationml/2006/main">
   <p:sldMasterIdLst>
     <p:sldMasterId id="2147483648" r:id="rId1"/>
   </p:sldMasterIdLst>
   <p:notesMasterIdLst>
-    <p:notesMasterId r:id="rId11"/>
+    <p:notesMasterId r:id="rId3"/>
   </p:notesMasterIdLst>
   <p:sldIdLst>
-    <p:sldId id="257" r:id="rId2"/>
-    <p:sldId id="261" r:id="rId3"/>
-    <p:sldId id="262" r:id="rId4"/>
-    <p:sldId id="265" r:id="rId5"/>
-    <p:sldId id="263" r:id="rId6"/>
-    <p:sldId id="264" r:id="rId7"/>
-    <p:sldId id="267" r:id="rId8"/>
-    <p:sldId id="266" r:id="rId9"/>
-    <p:sldId id="259" r:id="rId10"/>
+    <p:sldId id="256" r:id="rId4"/>
+    <p:sldId id="257" r:id="rId5"/>
+    <p:sldId id="258" r:id="rId6"/>
+    <p:sldId id="259" r:id="rId7"/>
+    <p:sldId id="260" r:id="rId8"/>
+    <p:sldId id="261" r:id="rId9"/>
+    <p:sldId id="262" r:id="rId10"/>
+    <p:sldId id="263" r:id="rId11"/>
   </p:sldIdLst>
   <p:sldSz cx="12192000" cy="6858000"/>
   <p:notesSz cx="6858000" cy="9144000"/>
@@ -118,12 +117,12 @@
   <p:extLst>
     <p:ext uri="{EFAFB233-063F-42B5-8137-9DF3F51BA10A}">
       <p15:sldGuideLst xmlns:p15="http://schemas.microsoft.com/office/powerpoint/2012/main">
-        <p15:guide id="1" orient="horz" pos="2160" userDrawn="1">
+        <p15:guide id="0" orient="horz" pos="2160">
           <p15:clr>
             <a:srgbClr val="A4A3A4"/>
           </p15:clr>
         </p15:guide>
-        <p15:guide id="2" pos="3840" userDrawn="1">
+        <p15:guide id="1" orient="vert" pos="3840">
           <p15:clr>
             <a:srgbClr val="A4A3A4"/>
           </p15:clr>
@@ -216,7 +215,7 @@
           <a:p>
             <a:fld id="{E754A336-C69E-4714-9C77-EDF27533E981}" type="datetimeFigureOut">
               <a:rPr lang="zh-CN" altLang="en-US" smtClean="0"/>
-              <a:t>2023/11/8</a:t>
+              <a:t>2023/11/28</a:t>
             </a:fld>
             <a:endParaRPr lang="zh-CN" altLang="en-US"/>
           </a:p>
@@ -484,7 +483,7 @@
 </file>
 
 <file path=ppt/notesSlides/notesSlide1.xml><?xml version="1.0" encoding="utf-8"?>
-<p:notes xmlns:a="http://schemas.openxmlformats.org/drawingml/2006/main" xmlns:r="http://schemas.openxmlformats.org/officeDocument/2006/relationships" xmlns:p="http://schemas.openxmlformats.org/presentationml/2006/main">
+<p:notes xmlns:p="http://schemas.openxmlformats.org/presentationml/2006/main">
   <p:cSld>
     <p:spTree>
       <p:nvGrpSpPr>
@@ -493,82 +492,37 @@
         <p:nvPr/>
       </p:nvGrpSpPr>
       <p:grpSpPr>
-        <a:xfrm>
-          <a:off x="0" y="0"/>
-          <a:ext cx="0" cy="0"/>
-          <a:chOff x="0" y="0"/>
-          <a:chExt cx="0" cy="0"/>
-        </a:xfrm>
+        <a:xfrm xmlns:a="http://schemas.openxmlformats.org/drawingml/2006/main"/>
       </p:grpSpPr>
       <p:sp>
         <p:nvSpPr>
-          <p:cNvPr id="2" name="幻灯片图像占位符 1"/>
-          <p:cNvSpPr>
-            <a:spLocks noGrp="1" noRot="1" noChangeAspect="1"/>
-          </p:cNvSpPr>
-          <p:nvPr>
-            <p:ph type="sldImg"/>
+          <p:cNvPr id="2" name=""/>
+          <p:cNvSpPr>
+            <a:spLocks xmlns:a="http://schemas.openxmlformats.org/drawingml/2006/main" noGrp="1"/>
+          </p:cNvSpPr>
+          <p:nvPr>
+            <p:ph type="body" idx="1"/>
           </p:nvPr>
         </p:nvSpPr>
         <p:spPr/>
-      </p:sp>
-      <p:sp>
-        <p:nvSpPr>
-          <p:cNvPr id="3" name="备注占位符 2"/>
-          <p:cNvSpPr>
-            <a:spLocks noGrp="1"/>
-          </p:cNvSpPr>
-          <p:nvPr>
-            <p:ph type="body" idx="1"/>
-          </p:nvPr>
-        </p:nvSpPr>
-        <p:spPr/>
-        <p:txBody>
-          <a:bodyPr/>
-          <a:lstStyle/>
-          <a:p>
-            <a:endParaRPr lang="zh-CN" altLang="en-US" dirty="0"/>
-          </a:p>
-        </p:txBody>
-      </p:sp>
-      <p:sp>
-        <p:nvSpPr>
-          <p:cNvPr id="4" name="灯片编号占位符 3"/>
-          <p:cNvSpPr>
-            <a:spLocks noGrp="1"/>
-          </p:cNvSpPr>
-          <p:nvPr>
-            <p:ph type="sldNum" sz="quarter" idx="10"/>
-          </p:nvPr>
-        </p:nvSpPr>
-        <p:spPr/>
-        <p:txBody>
-          <a:bodyPr/>
-          <a:lstStyle/>
-          <a:p>
-            <a:fld id="{BE814085-1836-4067-BF05-EE1CEA907A8D}" type="slidenum">
-              <a:rPr lang="zh-CN" altLang="en-US" smtClean="0"/>
-              <a:t>1</a:t>
-            </a:fld>
+        <p:txBody>
+          <a:bodyPr xmlns:a="http://schemas.openxmlformats.org/drawingml/2006/main"/>
+          <a:lstStyle xmlns:a="http://schemas.openxmlformats.org/drawingml/2006/main"/>
+          <a:p xmlns:a="http://schemas.openxmlformats.org/drawingml/2006/main">
             <a:endParaRPr lang="zh-CN" altLang="en-US"/>
           </a:p>
         </p:txBody>
       </p:sp>
     </p:spTree>
-    <p:extLst>
-      <p:ext uri="{BB962C8B-B14F-4D97-AF65-F5344CB8AC3E}">
-        <p14:creationId xmlns:p14="http://schemas.microsoft.com/office/powerpoint/2010/main" val="276054552"/>
-      </p:ext>
-    </p:extLst>
   </p:cSld>
   <p:clrMapOvr>
-    <a:masterClrMapping/>
+    <a:masterClrMapping xmlns:a="http://schemas.openxmlformats.org/drawingml/2006/main"/>
   </p:clrMapOvr>
 </p:notes>
 </file>
 
 <file path=ppt/notesSlides/notesSlide2.xml><?xml version="1.0" encoding="utf-8"?>
-<p:notes xmlns:a="http://schemas.openxmlformats.org/drawingml/2006/main" xmlns:r="http://schemas.openxmlformats.org/officeDocument/2006/relationships" xmlns:p="http://schemas.openxmlformats.org/presentationml/2006/main">
+<p:notes xmlns:p="http://schemas.openxmlformats.org/presentationml/2006/main">
   <p:cSld>
     <p:spTree>
       <p:nvGrpSpPr>
@@ -577,146 +531,41 @@
         <p:nvPr/>
       </p:nvGrpSpPr>
       <p:grpSpPr>
-        <a:xfrm>
-          <a:off x="0" y="0"/>
-          <a:ext cx="0" cy="0"/>
-          <a:chOff x="0" y="0"/>
-          <a:chExt cx="0" cy="0"/>
-        </a:xfrm>
+        <a:xfrm xmlns:a="http://schemas.openxmlformats.org/drawingml/2006/main"/>
       </p:grpSpPr>
       <p:sp>
         <p:nvSpPr>
-          <p:cNvPr id="2" name="幻灯片图像占位符 1"/>
-          <p:cNvSpPr>
-            <a:spLocks noGrp="1" noRot="1" noChangeAspect="1"/>
-          </p:cNvSpPr>
-          <p:nvPr>
-            <p:ph type="sldImg"/>
+          <p:cNvPr id="2" name=""/>
+          <p:cNvSpPr>
+            <a:spLocks xmlns:a="http://schemas.openxmlformats.org/drawingml/2006/main" noGrp="1"/>
+          </p:cNvSpPr>
+          <p:nvPr>
+            <p:ph type="body" idx="1"/>
           </p:nvPr>
         </p:nvSpPr>
         <p:spPr/>
-      </p:sp>
-      <p:sp>
-        <p:nvSpPr>
-          <p:cNvPr id="3" name="备注占位符 2"/>
-          <p:cNvSpPr>
-            <a:spLocks noGrp="1"/>
-          </p:cNvSpPr>
-          <p:nvPr>
-            <p:ph type="body" idx="1"/>
-          </p:nvPr>
-        </p:nvSpPr>
-        <p:spPr/>
-        <p:txBody>
-          <a:bodyPr/>
-          <a:lstStyle/>
-          <a:p>
+        <p:txBody>
+          <a:bodyPr xmlns:a="http://schemas.openxmlformats.org/drawingml/2006/main"/>
+          <a:lstStyle xmlns:a="http://schemas.openxmlformats.org/drawingml/2006/main"/>
+          <a:p xmlns:a="http://schemas.openxmlformats.org/drawingml/2006/main">
             <a:endParaRPr lang="zh-CN" altLang="en-US"/>
           </a:p>
         </p:txBody>
       </p:sp>
-      <p:sp>
-        <p:nvSpPr>
-          <p:cNvPr id="4" name="灯片编号占位符 3"/>
-          <p:cNvSpPr>
-            <a:spLocks noGrp="1"/>
-          </p:cNvSpPr>
-          <p:nvPr>
-            <p:ph type="sldNum" sz="quarter" idx="10"/>
-          </p:nvPr>
-        </p:nvSpPr>
-        <p:spPr/>
-        <p:txBody>
-          <a:bodyPr/>
-          <a:lstStyle/>
-          <a:p>
-            <a:pPr marL="0" marR="0" lvl="0" indent="0" algn="r" defTabSz="914400" rtl="0" eaLnBrk="1" fontAlgn="base" latinLnBrk="0" hangingPunct="1">
-              <a:lnSpc>
-                <a:spcPct val="100000"/>
-              </a:lnSpc>
-              <a:spcBef>
-                <a:spcPct val="0"/>
-              </a:spcBef>
-              <a:spcAft>
-                <a:spcPct val="0"/>
-              </a:spcAft>
-              <a:buClrTx/>
-              <a:buSzTx/>
-              <a:buFontTx/>
-              <a:buNone/>
-              <a:tabLst/>
-              <a:defRPr/>
-            </a:pPr>
-            <a:fld id="{8927DC7C-EA85-41EA-BE8E-3BC04B9579CE}" type="slidenum">
-              <a:rPr kumimoji="0" lang="zh-CN" altLang="en-US" sz="1200" b="0" i="0" u="none" strike="noStrike" kern="1200" cap="none" spc="0" normalizeH="0" baseline="0" noProof="0" smtClean="0">
-                <a:ln>
-                  <a:noFill/>
-                </a:ln>
-                <a:solidFill>
-                  <a:prstClr val="black"/>
-                </a:solidFill>
-                <a:effectLst/>
-                <a:uLnTx/>
-                <a:uFillTx/>
-                <a:latin typeface="Calibri" panose="020F0502020204030204" pitchFamily="34" charset="0"/>
-                <a:ea typeface="宋体" panose="02010600030101010101" pitchFamily="2" charset="-122"/>
-                <a:cs typeface="+mn-cs"/>
-              </a:rPr>
-              <a:pPr marL="0" marR="0" lvl="0" indent="0" algn="r" defTabSz="914400" rtl="0" eaLnBrk="1" fontAlgn="base" latinLnBrk="0" hangingPunct="1">
-                <a:lnSpc>
-                  <a:spcPct val="100000"/>
-                </a:lnSpc>
-                <a:spcBef>
-                  <a:spcPct val="0"/>
-                </a:spcBef>
-                <a:spcAft>
-                  <a:spcPct val="0"/>
-                </a:spcAft>
-                <a:buClrTx/>
-                <a:buSzTx/>
-                <a:buFontTx/>
-                <a:buNone/>
-                <a:tabLst/>
-                <a:defRPr/>
-              </a:pPr>
-              <a:t>2</a:t>
-            </a:fld>
-            <a:endParaRPr kumimoji="0" lang="zh-CN" altLang="en-US" sz="1200" b="0" i="0" u="none" strike="noStrike" kern="1200" cap="none" spc="0" normalizeH="0" baseline="0" noProof="0">
-              <a:ln>
-                <a:noFill/>
-              </a:ln>
-              <a:solidFill>
-                <a:prstClr val="black"/>
-              </a:solidFill>
-              <a:effectLst/>
-              <a:uLnTx/>
-              <a:uFillTx/>
-              <a:latin typeface="Calibri" panose="020F0502020204030204" pitchFamily="34" charset="0"/>
-              <a:ea typeface="宋体" panose="02010600030101010101" pitchFamily="2" charset="-122"/>
-              <a:cs typeface="+mn-cs"/>
-            </a:endParaRPr>
-          </a:p>
-        </p:txBody>
-      </p:sp>
     </p:spTree>
-    <p:extLst>
-      <p:ext uri="{BB962C8B-B14F-4D97-AF65-F5344CB8AC3E}">
-        <p14:creationId xmlns:p14="http://schemas.microsoft.com/office/powerpoint/2010/main" val="3236238869"/>
-      </p:ext>
-    </p:extLst>
   </p:cSld>
   <p:clrMapOvr>
-    <a:masterClrMapping/>
+    <a:masterClrMapping xmlns:a="http://schemas.openxmlformats.org/drawingml/2006/main"/>
   </p:clrMapOvr>
 </p:notes>
 </file>
 
 <file path=ppt/slideLayouts/slideLayout1.xml><?xml version="1.0" encoding="utf-8"?>
-<p:sldLayout xmlns:a="http://schemas.openxmlformats.org/drawingml/2006/main" xmlns:r="http://schemas.openxmlformats.org/officeDocument/2006/relationships" xmlns:p="http://schemas.openxmlformats.org/presentationml/2006/main" type="title" preserve="1">
+<p:sldLayout xmlns:p14="http://schemas.microsoft.com/office/powerpoint/2010/main" xmlns:a="http://schemas.openxmlformats.org/drawingml/2006/main" xmlns:r="http://schemas.openxmlformats.org/officeDocument/2006/relationships" xmlns:p="http://schemas.openxmlformats.org/presentationml/2006/main">
   <p:cSld name="标题幻灯片">
     <p:bg>
       <p:bgPr>
-        <a:blipFill dpi="0" rotWithShape="1">
+        <a:blipFill rotWithShape="1">
           <a:blip r:embed="rId2">
             <a:lum/>
           </a:blip>
@@ -757,11 +606,14 @@
             <a:off x="1524000" y="1122363"/>
             <a:ext cx="9144000" cy="2387600"/>
           </a:xfrm>
+          <a:prstGeom prst="rect">
+            <a:avLst/>
+          </a:prstGeom>
         </p:spPr>
         <p:txBody>
           <a:bodyPr anchor="b"/>
           <a:lstStyle>
-            <a:lvl1pPr algn="ctr">
+            <a:lvl1pPr lvl="0" algn="ctr">
               <a:defRPr sz="6000"/>
             </a:lvl1pPr>
           </a:lstStyle>
@@ -788,43 +640,46 @@
             <a:off x="1524000" y="3602038"/>
             <a:ext cx="9144000" cy="1655762"/>
           </a:xfrm>
+          <a:prstGeom prst="rect">
+            <a:avLst/>
+          </a:prstGeom>
         </p:spPr>
         <p:txBody>
           <a:bodyPr/>
           <a:lstStyle>
-            <a:lvl1pPr marL="0" indent="0" algn="ctr">
+            <a:lvl1pPr marL="0" lvl="0" indent="0" algn="ctr">
               <a:buNone/>
               <a:defRPr sz="2400"/>
             </a:lvl1pPr>
-            <a:lvl2pPr marL="457200" indent="0" algn="ctr">
+            <a:lvl2pPr marL="457200" lvl="1" indent="0" algn="ctr">
               <a:buNone/>
               <a:defRPr sz="2000"/>
             </a:lvl2pPr>
-            <a:lvl3pPr marL="914400" indent="0" algn="ctr">
+            <a:lvl3pPr marL="914400" lvl="2" indent="0" algn="ctr">
               <a:buNone/>
               <a:defRPr sz="1800"/>
             </a:lvl3pPr>
-            <a:lvl4pPr marL="1371600" indent="0" algn="ctr">
+            <a:lvl4pPr marL="1371600" lvl="3" indent="0" algn="ctr">
               <a:buNone/>
               <a:defRPr sz="1600"/>
             </a:lvl4pPr>
-            <a:lvl5pPr marL="1828800" indent="0" algn="ctr">
+            <a:lvl5pPr marL="1828800" lvl="4" indent="0" algn="ctr">
               <a:buNone/>
               <a:defRPr sz="1600"/>
             </a:lvl5pPr>
-            <a:lvl6pPr marL="2286000" indent="0" algn="ctr">
+            <a:lvl6pPr marL="2286000" lvl="5" indent="0" algn="ctr">
               <a:buNone/>
               <a:defRPr sz="1600"/>
             </a:lvl6pPr>
-            <a:lvl7pPr marL="2743200" indent="0" algn="ctr">
+            <a:lvl7pPr marL="2743200" lvl="6" indent="0" algn="ctr">
               <a:buNone/>
               <a:defRPr sz="1600"/>
             </a:lvl7pPr>
-            <a:lvl8pPr marL="3200400" indent="0" algn="ctr">
+            <a:lvl8pPr marL="3200400" lvl="7" indent="0" algn="ctr">
               <a:buNone/>
               <a:defRPr sz="1600"/>
             </a:lvl8pPr>
-            <a:lvl9pPr marL="3657600" indent="0" algn="ctr">
+            <a:lvl9pPr marL="3657600" lvl="8" indent="0" algn="ctr">
               <a:buNone/>
               <a:defRPr sz="1600"/>
             </a:lvl9pPr>
@@ -844,17 +699,21 @@
             <a:spLocks noGrp="1"/>
           </p:cNvSpPr>
           <p:nvPr>
-            <p:ph type="dt" sz="half" idx="10"/>
-          </p:nvPr>
-        </p:nvSpPr>
-        <p:spPr/>
+            <p:ph type="dt" idx="10"/>
+          </p:nvPr>
+        </p:nvSpPr>
+        <p:spPr>
+          <a:prstGeom prst="rect">
+            <a:avLst/>
+          </a:prstGeom>
+        </p:spPr>
         <p:txBody>
           <a:bodyPr/>
           <a:lstStyle/>
           <a:p>
-            <a:fld id="{2E8C10CD-CE84-4E2B-BABD-39448864A424}" type="datetimeFigureOut">
-              <a:rPr lang="zh-CN" altLang="en-US" smtClean="0"/>
-              <a:t>2023/11/8</a:t>
+            <a:fld id="{807695BB-79F3-40E0-8D80-A22EED867880}" type="datetimeFigureOut">
+              <a:rPr lang="zh-CN" altLang="en-US"/>
+              <a:t>2023/11/28</a:t>
             </a:fld>
             <a:endParaRPr lang="zh-CN" altLang="en-US"/>
           </a:p>
@@ -867,10 +726,14 @@
             <a:spLocks noGrp="1"/>
           </p:cNvSpPr>
           <p:nvPr>
-            <p:ph type="ftr" sz="quarter" idx="11"/>
-          </p:nvPr>
-        </p:nvSpPr>
-        <p:spPr/>
+            <p:ph type="ftr" idx="11"/>
+          </p:nvPr>
+        </p:nvSpPr>
+        <p:spPr>
+          <a:prstGeom prst="rect">
+            <a:avLst/>
+          </a:prstGeom>
+        </p:spPr>
         <p:txBody>
           <a:bodyPr/>
           <a:lstStyle/>
@@ -886,16 +749,20 @@
             <a:spLocks noGrp="1"/>
           </p:cNvSpPr>
           <p:nvPr>
-            <p:ph type="sldNum" sz="quarter" idx="12"/>
-          </p:nvPr>
-        </p:nvSpPr>
-        <p:spPr/>
+            <p:ph type="sldNum" idx="12"/>
+          </p:nvPr>
+        </p:nvSpPr>
+        <p:spPr>
+          <a:prstGeom prst="rect">
+            <a:avLst/>
+          </a:prstGeom>
+        </p:spPr>
         <p:txBody>
           <a:bodyPr/>
           <a:lstStyle/>
           <a:p>
-            <a:fld id="{BEB70648-4C7E-4A21-B8DD-2D1324099071}" type="slidenum">
-              <a:rPr lang="zh-CN" altLang="en-US" smtClean="0"/>
+            <a:fld id="{A92D7C62-1FA2-42E7-8D65-6FB0AC35ABF7}" type="slidenum">
+              <a:rPr lang="zh-CN" altLang="en-US"/>
               <a:t>‹#›</a:t>
             </a:fld>
             <a:endParaRPr lang="zh-CN" altLang="en-US"/>
@@ -912,11 +779,16 @@
   <p:clrMapOvr>
     <a:masterClrMapping/>
   </p:clrMapOvr>
+  <p:extLst>
+    <p:ext uri="{DCECCB84-F9BA-43D5-87BE-67443E8EF086}">
+      <p15:sldGuideLst xmlns:p15="http://schemas.microsoft.com/office/powerpoint/2012/main"/>
+    </p:ext>
+  </p:extLst>
 </p:sldLayout>
 </file>
 
 <file path=ppt/slideLayouts/slideLayout10.xml><?xml version="1.0" encoding="utf-8"?>
-<p:sldLayout xmlns:a="http://schemas.openxmlformats.org/drawingml/2006/main" xmlns:r="http://schemas.openxmlformats.org/officeDocument/2006/relationships" xmlns:p="http://schemas.openxmlformats.org/presentationml/2006/main" type="vertTx" preserve="1">
+<p:sldLayout xmlns:p14="http://schemas.microsoft.com/office/powerpoint/2010/main" xmlns:a="http://schemas.openxmlformats.org/drawingml/2006/main" xmlns:r="http://schemas.openxmlformats.org/officeDocument/2006/relationships" xmlns:p="http://schemas.openxmlformats.org/presentationml/2006/main">
   <p:cSld name="标题和竖排文字">
     <p:spTree>
       <p:nvGrpSpPr>
@@ -942,7 +814,11 @@
             <p:ph type="title"/>
           </p:nvPr>
         </p:nvSpPr>
-        <p:spPr/>
+        <p:spPr>
+          <a:prstGeom prst="rect">
+            <a:avLst/>
+          </a:prstGeom>
+        </p:spPr>
         <p:txBody>
           <a:bodyPr/>
           <a:lstStyle/>
@@ -961,10 +837,14 @@
             <a:spLocks noGrp="1"/>
           </p:cNvSpPr>
           <p:nvPr>
-            <p:ph type="body" orient="vert" idx="1"/>
-          </p:nvPr>
-        </p:nvSpPr>
-        <p:spPr/>
+            <p:ph type="body" idx="1"/>
+          </p:nvPr>
+        </p:nvSpPr>
+        <p:spPr>
+          <a:prstGeom prst="rect">
+            <a:avLst/>
+          </a:prstGeom>
+        </p:spPr>
         <p:txBody>
           <a:bodyPr vert="eaVert"/>
           <a:lstStyle/>
@@ -1012,17 +892,21 @@
             <a:spLocks noGrp="1"/>
           </p:cNvSpPr>
           <p:nvPr>
-            <p:ph type="dt" sz="half" idx="10"/>
-          </p:nvPr>
-        </p:nvSpPr>
-        <p:spPr/>
+            <p:ph type="dt" idx="10"/>
+          </p:nvPr>
+        </p:nvSpPr>
+        <p:spPr>
+          <a:prstGeom prst="rect">
+            <a:avLst/>
+          </a:prstGeom>
+        </p:spPr>
         <p:txBody>
           <a:bodyPr/>
           <a:lstStyle/>
           <a:p>
-            <a:fld id="{2E8C10CD-CE84-4E2B-BABD-39448864A424}" type="datetimeFigureOut">
-              <a:rPr lang="zh-CN" altLang="en-US" smtClean="0"/>
-              <a:t>2023/11/8</a:t>
+            <a:fld id="{F15FF99E-AAAE-480C-AA6D-16BE688B475C}" type="datetimeFigureOut">
+              <a:rPr lang="zh-CN" altLang="en-US"/>
+              <a:t>2023/11/28</a:t>
             </a:fld>
             <a:endParaRPr lang="zh-CN" altLang="en-US"/>
           </a:p>
@@ -1035,10 +919,14 @@
             <a:spLocks noGrp="1"/>
           </p:cNvSpPr>
           <p:nvPr>
-            <p:ph type="ftr" sz="quarter" idx="11"/>
-          </p:nvPr>
-        </p:nvSpPr>
-        <p:spPr/>
+            <p:ph type="ftr" idx="11"/>
+          </p:nvPr>
+        </p:nvSpPr>
+        <p:spPr>
+          <a:prstGeom prst="rect">
+            <a:avLst/>
+          </a:prstGeom>
+        </p:spPr>
         <p:txBody>
           <a:bodyPr/>
           <a:lstStyle/>
@@ -1054,16 +942,20 @@
             <a:spLocks noGrp="1"/>
           </p:cNvSpPr>
           <p:nvPr>
-            <p:ph type="sldNum" sz="quarter" idx="12"/>
-          </p:nvPr>
-        </p:nvSpPr>
-        <p:spPr/>
+            <p:ph type="sldNum" idx="12"/>
+          </p:nvPr>
+        </p:nvSpPr>
+        <p:spPr>
+          <a:prstGeom prst="rect">
+            <a:avLst/>
+          </a:prstGeom>
+        </p:spPr>
         <p:txBody>
           <a:bodyPr/>
           <a:lstStyle/>
           <a:p>
-            <a:fld id="{BEB70648-4C7E-4A21-B8DD-2D1324099071}" type="slidenum">
-              <a:rPr lang="zh-CN" altLang="en-US" smtClean="0"/>
+            <a:fld id="{25A297C5-C8E3-455F-B037-341AF539FEAD}" type="slidenum">
+              <a:rPr lang="zh-CN" altLang="en-US"/>
               <a:t>‹#›</a:t>
             </a:fld>
             <a:endParaRPr lang="zh-CN" altLang="en-US"/>
@@ -1080,11 +972,16 @@
   <p:clrMapOvr>
     <a:masterClrMapping/>
   </p:clrMapOvr>
+  <p:extLst>
+    <p:ext uri="{DCECCB84-F9BA-43D5-87BE-67443E8EF086}">
+      <p15:sldGuideLst xmlns:p15="http://schemas.microsoft.com/office/powerpoint/2012/main"/>
+    </p:ext>
+  </p:extLst>
 </p:sldLayout>
 </file>
 
 <file path=ppt/slideLayouts/slideLayout11.xml><?xml version="1.0" encoding="utf-8"?>
-<p:sldLayout xmlns:a="http://schemas.openxmlformats.org/drawingml/2006/main" xmlns:r="http://schemas.openxmlformats.org/officeDocument/2006/relationships" xmlns:p="http://schemas.openxmlformats.org/presentationml/2006/main" type="vertTitleAndTx" preserve="1">
+<p:sldLayout xmlns:p14="http://schemas.microsoft.com/office/powerpoint/2010/main" xmlns:a="http://schemas.openxmlformats.org/drawingml/2006/main" xmlns:r="http://schemas.openxmlformats.org/officeDocument/2006/relationships" xmlns:p="http://schemas.openxmlformats.org/presentationml/2006/main">
   <p:cSld name="竖排标题与文本">
     <p:spTree>
       <p:nvGrpSpPr>
@@ -1107,7 +1004,7 @@
             <a:spLocks noGrp="1"/>
           </p:cNvSpPr>
           <p:nvPr>
-            <p:ph type="title" orient="vert"/>
+            <p:ph type="title"/>
           </p:nvPr>
         </p:nvSpPr>
         <p:spPr>
@@ -1115,6 +1012,9 @@
             <a:off x="8724900" y="365125"/>
             <a:ext cx="2628900" cy="5811838"/>
           </a:xfrm>
+          <a:prstGeom prst="rect">
+            <a:avLst/>
+          </a:prstGeom>
         </p:spPr>
         <p:txBody>
           <a:bodyPr vert="eaVert"/>
@@ -1134,7 +1034,7 @@
             <a:spLocks noGrp="1"/>
           </p:cNvSpPr>
           <p:nvPr>
-            <p:ph type="body" orient="vert" idx="1"/>
+            <p:ph type="body" idx="1"/>
           </p:nvPr>
         </p:nvSpPr>
         <p:spPr>
@@ -1142,6 +1042,9 @@
             <a:off x="838200" y="365125"/>
             <a:ext cx="7734300" cy="5811838"/>
           </a:xfrm>
+          <a:prstGeom prst="rect">
+            <a:avLst/>
+          </a:prstGeom>
         </p:spPr>
         <p:txBody>
           <a:bodyPr vert="eaVert"/>
@@ -1190,17 +1093,21 @@
             <a:spLocks noGrp="1"/>
           </p:cNvSpPr>
           <p:nvPr>
-            <p:ph type="dt" sz="half" idx="10"/>
-          </p:nvPr>
-        </p:nvSpPr>
-        <p:spPr/>
+            <p:ph type="dt" idx="10"/>
+          </p:nvPr>
+        </p:nvSpPr>
+        <p:spPr>
+          <a:prstGeom prst="rect">
+            <a:avLst/>
+          </a:prstGeom>
+        </p:spPr>
         <p:txBody>
           <a:bodyPr/>
           <a:lstStyle/>
           <a:p>
-            <a:fld id="{2E8C10CD-CE84-4E2B-BABD-39448864A424}" type="datetimeFigureOut">
-              <a:rPr lang="zh-CN" altLang="en-US" smtClean="0"/>
-              <a:t>2023/11/8</a:t>
+            <a:fld id="{7897D47E-4EE7-4116-B52A-42332832548C}" type="datetimeFigureOut">
+              <a:rPr lang="zh-CN" altLang="en-US"/>
+              <a:t>2023/11/28</a:t>
             </a:fld>
             <a:endParaRPr lang="zh-CN" altLang="en-US"/>
           </a:p>
@@ -1213,10 +1120,14 @@
             <a:spLocks noGrp="1"/>
           </p:cNvSpPr>
           <p:nvPr>
-            <p:ph type="ftr" sz="quarter" idx="11"/>
-          </p:nvPr>
-        </p:nvSpPr>
-        <p:spPr/>
+            <p:ph type="ftr" idx="11"/>
+          </p:nvPr>
+        </p:nvSpPr>
+        <p:spPr>
+          <a:prstGeom prst="rect">
+            <a:avLst/>
+          </a:prstGeom>
+        </p:spPr>
         <p:txBody>
           <a:bodyPr/>
           <a:lstStyle/>
@@ -1232,16 +1143,20 @@
             <a:spLocks noGrp="1"/>
           </p:cNvSpPr>
           <p:nvPr>
-            <p:ph type="sldNum" sz="quarter" idx="12"/>
-          </p:nvPr>
-        </p:nvSpPr>
-        <p:spPr/>
+            <p:ph type="sldNum" idx="12"/>
+          </p:nvPr>
+        </p:nvSpPr>
+        <p:spPr>
+          <a:prstGeom prst="rect">
+            <a:avLst/>
+          </a:prstGeom>
+        </p:spPr>
         <p:txBody>
           <a:bodyPr/>
           <a:lstStyle/>
           <a:p>
-            <a:fld id="{BEB70648-4C7E-4A21-B8DD-2D1324099071}" type="slidenum">
-              <a:rPr lang="zh-CN" altLang="en-US" smtClean="0"/>
+            <a:fld id="{B9A40210-5CD6-42F0-8D94-F0D14BFBC23D}" type="slidenum">
+              <a:rPr lang="zh-CN" altLang="en-US"/>
               <a:t>‹#›</a:t>
             </a:fld>
             <a:endParaRPr lang="zh-CN" altLang="en-US"/>
@@ -1258,11 +1173,16 @@
   <p:clrMapOvr>
     <a:masterClrMapping/>
   </p:clrMapOvr>
+  <p:extLst>
+    <p:ext uri="{DCECCB84-F9BA-43D5-87BE-67443E8EF086}">
+      <p15:sldGuideLst xmlns:p15="http://schemas.microsoft.com/office/powerpoint/2012/main"/>
+    </p:ext>
+  </p:extLst>
 </p:sldLayout>
 </file>
 
 <file path=ppt/slideLayouts/slideLayout12.xml><?xml version="1.0" encoding="utf-8"?>
-<p:sldLayout xmlns:a="http://schemas.openxmlformats.org/drawingml/2006/main" xmlns:r="http://schemas.openxmlformats.org/officeDocument/2006/relationships" xmlns:p="http://schemas.openxmlformats.org/presentationml/2006/main" userDrawn="1">
+<p:sldLayout xmlns:p14="http://schemas.microsoft.com/office/powerpoint/2010/main" xmlns:a="http://schemas.openxmlformats.org/drawingml/2006/main" xmlns:r="http://schemas.openxmlformats.org/officeDocument/2006/relationships" xmlns:p="http://schemas.openxmlformats.org/presentationml/2006/main">
   <p:cSld name="1_标题和内容">
     <p:spTree>
       <p:nvGrpSpPr>
@@ -1344,7 +1264,7 @@
             <a:spLocks noGrp="1"/>
           </p:cNvSpPr>
           <p:nvPr>
-            <p:ph type="dt" sz="half" idx="10"/>
+            <p:ph type="dt" idx="10"/>
           </p:nvPr>
         </p:nvSpPr>
         <p:spPr>
@@ -1360,10 +1280,9 @@
           <a:bodyPr/>
           <a:lstStyle/>
           <a:p>
-            <a:fld id="{B80C25AB-01CB-44EF-B684-5AB310DE0BC5}" type="datetimeFigureOut">
-              <a:rPr lang="zh-CN" altLang="en-US" smtClean="0"/>
-              <a:pPr/>
-              <a:t>2023/11/8</a:t>
+            <a:fld id="{346E9E53-AAB3-4A51-ACD8-9B18CCECB456}" type="datetimeFigureOut">
+              <a:rPr lang="zh-CN" altLang="en-US"/>
+              <a:t>2023/11/28</a:t>
             </a:fld>
             <a:endParaRPr lang="zh-CN" altLang="en-US"/>
           </a:p>
@@ -1376,7 +1295,7 @@
             <a:spLocks noGrp="1"/>
           </p:cNvSpPr>
           <p:nvPr>
-            <p:ph type="ftr" sz="quarter" idx="11"/>
+            <p:ph type="ftr" idx="11"/>
           </p:nvPr>
         </p:nvSpPr>
         <p:spPr>
@@ -1403,7 +1322,7 @@
             <a:spLocks noGrp="1"/>
           </p:cNvSpPr>
           <p:nvPr>
-            <p:ph type="sldNum" sz="quarter" idx="12"/>
+            <p:ph type="sldNum" idx="12"/>
           </p:nvPr>
         </p:nvSpPr>
         <p:spPr>
@@ -1419,9 +1338,8 @@
           <a:bodyPr/>
           <a:lstStyle/>
           <a:p>
-            <a:fld id="{0B0403A9-6F57-44BB-8D80-D390D4D80500}" type="slidenum">
-              <a:rPr lang="zh-CN" altLang="en-US" smtClean="0"/>
-              <a:pPr/>
+            <a:fld id="{0642983E-AFAB-445E-8A49-853B07DA39E7}" type="slidenum">
+              <a:rPr lang="zh-CN" altLang="en-US"/>
               <a:t>‹#›</a:t>
             </a:fld>
             <a:endParaRPr lang="zh-CN" altLang="en-US"/>
@@ -1438,11 +1356,16 @@
   <p:clrMapOvr>
     <a:masterClrMapping/>
   </p:clrMapOvr>
+  <p:extLst>
+    <p:ext uri="{DCECCB84-F9BA-43D5-87BE-67443E8EF086}">
+      <p15:sldGuideLst xmlns:p15="http://schemas.microsoft.com/office/powerpoint/2012/main"/>
+    </p:ext>
+  </p:extLst>
 </p:sldLayout>
 </file>
 
 <file path=ppt/slideLayouts/slideLayout2.xml><?xml version="1.0" encoding="utf-8"?>
-<p:sldLayout xmlns:a="http://schemas.openxmlformats.org/drawingml/2006/main" xmlns:r="http://schemas.openxmlformats.org/officeDocument/2006/relationships" xmlns:p="http://schemas.openxmlformats.org/presentationml/2006/main" type="obj" preserve="1">
+<p:sldLayout xmlns:a14="http://schemas.microsoft.com/office/drawing/2010/main" xmlns:p14="http://schemas.microsoft.com/office/powerpoint/2010/main" xmlns:a="http://schemas.openxmlformats.org/drawingml/2006/main" xmlns:r="http://schemas.openxmlformats.org/officeDocument/2006/relationships" xmlns:p="http://schemas.openxmlformats.org/presentationml/2006/main">
   <p:cSld name="标题和内容">
     <p:spTree>
       <p:nvGrpSpPr>
@@ -1473,6 +1396,9 @@
             <a:off x="838200" y="365126"/>
             <a:ext cx="10515600" cy="1258888"/>
           </a:xfrm>
+          <a:prstGeom prst="rect">
+            <a:avLst/>
+          </a:prstGeom>
         </p:spPr>
         <p:txBody>
           <a:bodyPr/>
@@ -1495,7 +1421,11 @@
             <p:ph idx="1"/>
           </p:nvPr>
         </p:nvSpPr>
-        <p:spPr/>
+        <p:spPr>
+          <a:prstGeom prst="rect">
+            <a:avLst/>
+          </a:prstGeom>
+        </p:spPr>
         <p:txBody>
           <a:bodyPr/>
           <a:lstStyle/>
@@ -1543,17 +1473,21 @@
             <a:spLocks noGrp="1"/>
           </p:cNvSpPr>
           <p:nvPr>
-            <p:ph type="dt" sz="half" idx="10"/>
-          </p:nvPr>
-        </p:nvSpPr>
-        <p:spPr/>
+            <p:ph type="dt" idx="10"/>
+          </p:nvPr>
+        </p:nvSpPr>
+        <p:spPr>
+          <a:prstGeom prst="rect">
+            <a:avLst/>
+          </a:prstGeom>
+        </p:spPr>
         <p:txBody>
           <a:bodyPr/>
           <a:lstStyle/>
           <a:p>
-            <a:fld id="{2E8C10CD-CE84-4E2B-BABD-39448864A424}" type="datetimeFigureOut">
-              <a:rPr lang="zh-CN" altLang="en-US" smtClean="0"/>
-              <a:t>2023/11/8</a:t>
+            <a:fld id="{33884F5F-70F6-4DE0-BA16-D83AF9BB1FF4}" type="datetimeFigureOut">
+              <a:rPr lang="zh-CN" altLang="en-US"/>
+              <a:t>2023/11/28</a:t>
             </a:fld>
             <a:endParaRPr lang="zh-CN" altLang="en-US"/>
           </a:p>
@@ -1566,10 +1500,14 @@
             <a:spLocks noGrp="1"/>
           </p:cNvSpPr>
           <p:nvPr>
-            <p:ph type="ftr" sz="quarter" idx="11"/>
-          </p:nvPr>
-        </p:nvSpPr>
-        <p:spPr/>
+            <p:ph type="ftr" idx="11"/>
+          </p:nvPr>
+        </p:nvSpPr>
+        <p:spPr>
+          <a:prstGeom prst="rect">
+            <a:avLst/>
+          </a:prstGeom>
+        </p:spPr>
         <p:txBody>
           <a:bodyPr/>
           <a:lstStyle/>
@@ -1585,16 +1523,20 @@
             <a:spLocks noGrp="1"/>
           </p:cNvSpPr>
           <p:nvPr>
-            <p:ph type="sldNum" sz="quarter" idx="12"/>
-          </p:nvPr>
-        </p:nvSpPr>
-        <p:spPr/>
+            <p:ph type="sldNum" idx="12"/>
+          </p:nvPr>
+        </p:nvSpPr>
+        <p:spPr>
+          <a:prstGeom prst="rect">
+            <a:avLst/>
+          </a:prstGeom>
+        </p:spPr>
         <p:txBody>
           <a:bodyPr/>
           <a:lstStyle/>
           <a:p>
-            <a:fld id="{BEB70648-4C7E-4A21-B8DD-2D1324099071}" type="slidenum">
-              <a:rPr lang="zh-CN" altLang="en-US" smtClean="0"/>
+            <a:fld id="{FB6084BF-7E96-49CB-8D4A-5F8C85895BBA}" type="slidenum">
+              <a:rPr lang="zh-CN" altLang="en-US"/>
               <a:t>‹#›</a:t>
             </a:fld>
             <a:endParaRPr lang="zh-CN" altLang="en-US"/>
@@ -1642,22 +1584,10 @@
               </a:path>
               <a:tileRect l="-100000" b="-100000"/>
             </a:gradFill>
+            <a:prstDash val="solid"/>
+            <a:miter/>
           </a:ln>
         </p:spPr>
-        <p:style>
-          <a:lnRef idx="3">
-            <a:schemeClr val="accent2"/>
-          </a:lnRef>
-          <a:fillRef idx="0">
-            <a:schemeClr val="accent2"/>
-          </a:fillRef>
-          <a:effectRef idx="2">
-            <a:schemeClr val="accent2"/>
-          </a:effectRef>
-          <a:fontRef idx="minor">
-            <a:schemeClr val="tx1"/>
-          </a:fontRef>
-        </p:style>
       </p:cxnSp>
       <p:pic>
         <p:nvPicPr>
@@ -1668,19 +1598,13 @@
           <p:nvPr userDrawn="1"/>
         </p:nvPicPr>
         <p:blipFill>
-          <a:blip r:embed="rId2" cstate="screen">
-            <a:extLst>
-              <a:ext uri="{28A0092B-C50C-407E-A947-70E740481C1C}">
-                <a14:useLocalDpi xmlns:a14="http://schemas.microsoft.com/office/drawing/2010/main"/>
-              </a:ext>
-            </a:extLst>
-          </a:blip>
+          <a:blip r:embed="rId2" cstate="screen"/>
           <a:srcRect/>
           <a:stretch>
             <a:fillRect/>
           </a:stretch>
         </p:blipFill>
-        <p:spPr bwMode="auto">
+        <p:spPr>
           <a:xfrm>
             <a:off x="8747855" y="6054574"/>
             <a:ext cx="3086577" cy="648000"/>
@@ -1693,13 +1617,7 @@
             <a:noFill/>
           </a:ln>
           <a:extLst>
-            <a:ext uri="{909E8E84-426E-40DD-AFC4-6F175D3DCCD1}">
-              <a14:hiddenFill xmlns:a14="http://schemas.microsoft.com/office/drawing/2010/main">
-                <a:solidFill>
-                  <a:srgbClr val="FFFFFF"/>
-                </a:solidFill>
-              </a14:hiddenFill>
-            </a:ext>
+            <a:ext uri="{909E8E84-426E-40DD-AFC4-6F175D3DCCD1}"/>
             <a:ext uri="{91240B29-F687-4F45-9708-019B960494DF}">
               <a14:hiddenLine xmlns:a14="http://schemas.microsoft.com/office/drawing/2010/main" w="9525">
                 <a:solidFill>
@@ -1723,11 +1641,16 @@
   <p:clrMapOvr>
     <a:masterClrMapping/>
   </p:clrMapOvr>
+  <p:extLst>
+    <p:ext uri="{DCECCB84-F9BA-43D5-87BE-67443E8EF086}">
+      <p15:sldGuideLst xmlns:p15="http://schemas.microsoft.com/office/powerpoint/2012/main"/>
+    </p:ext>
+  </p:extLst>
 </p:sldLayout>
 </file>
 
 <file path=ppt/slideLayouts/slideLayout3.xml><?xml version="1.0" encoding="utf-8"?>
-<p:sldLayout xmlns:a="http://schemas.openxmlformats.org/drawingml/2006/main" xmlns:r="http://schemas.openxmlformats.org/officeDocument/2006/relationships" xmlns:p="http://schemas.openxmlformats.org/presentationml/2006/main" type="titleOnly" preserve="1">
+<p:sldLayout xmlns:a14="http://schemas.microsoft.com/office/drawing/2010/main" xmlns:p14="http://schemas.microsoft.com/office/powerpoint/2010/main" xmlns:a="http://schemas.openxmlformats.org/drawingml/2006/main" xmlns:r="http://schemas.openxmlformats.org/officeDocument/2006/relationships" xmlns:p="http://schemas.openxmlformats.org/presentationml/2006/main">
   <p:cSld name="仅标题">
     <p:spTree>
       <p:nvGrpSpPr>
@@ -1758,6 +1681,9 @@
             <a:off x="838200" y="365126"/>
             <a:ext cx="10515600" cy="1258888"/>
           </a:xfrm>
+          <a:prstGeom prst="rect">
+            <a:avLst/>
+          </a:prstGeom>
         </p:spPr>
         <p:txBody>
           <a:bodyPr/>
@@ -1777,17 +1703,21 @@
             <a:spLocks noGrp="1"/>
           </p:cNvSpPr>
           <p:nvPr>
-            <p:ph type="dt" sz="half" idx="10"/>
-          </p:nvPr>
-        </p:nvSpPr>
-        <p:spPr/>
+            <p:ph type="dt" idx="10"/>
+          </p:nvPr>
+        </p:nvSpPr>
+        <p:spPr>
+          <a:prstGeom prst="rect">
+            <a:avLst/>
+          </a:prstGeom>
+        </p:spPr>
         <p:txBody>
           <a:bodyPr/>
           <a:lstStyle/>
           <a:p>
-            <a:fld id="{2E8C10CD-CE84-4E2B-BABD-39448864A424}" type="datetimeFigureOut">
-              <a:rPr lang="zh-CN" altLang="en-US" smtClean="0"/>
-              <a:t>2023/11/8</a:t>
+            <a:fld id="{F0D8A0B9-D38C-48AE-A689-3FE9CFAEAFBE}" type="datetimeFigureOut">
+              <a:rPr lang="zh-CN" altLang="en-US"/>
+              <a:t>2023/11/28</a:t>
             </a:fld>
             <a:endParaRPr lang="zh-CN" altLang="en-US"/>
           </a:p>
@@ -1800,10 +1730,14 @@
             <a:spLocks noGrp="1"/>
           </p:cNvSpPr>
           <p:nvPr>
-            <p:ph type="ftr" sz="quarter" idx="11"/>
-          </p:nvPr>
-        </p:nvSpPr>
-        <p:spPr/>
+            <p:ph type="ftr" idx="11"/>
+          </p:nvPr>
+        </p:nvSpPr>
+        <p:spPr>
+          <a:prstGeom prst="rect">
+            <a:avLst/>
+          </a:prstGeom>
+        </p:spPr>
         <p:txBody>
           <a:bodyPr/>
           <a:lstStyle/>
@@ -1819,16 +1753,20 @@
             <a:spLocks noGrp="1"/>
           </p:cNvSpPr>
           <p:nvPr>
-            <p:ph type="sldNum" sz="quarter" idx="12"/>
-          </p:nvPr>
-        </p:nvSpPr>
-        <p:spPr/>
+            <p:ph type="sldNum" idx="12"/>
+          </p:nvPr>
+        </p:nvSpPr>
+        <p:spPr>
+          <a:prstGeom prst="rect">
+            <a:avLst/>
+          </a:prstGeom>
+        </p:spPr>
         <p:txBody>
           <a:bodyPr/>
           <a:lstStyle/>
           <a:p>
-            <a:fld id="{BEB70648-4C7E-4A21-B8DD-2D1324099071}" type="slidenum">
-              <a:rPr lang="zh-CN" altLang="en-US" smtClean="0"/>
+            <a:fld id="{1902FE34-65B0-4620-B153-FD2738214913}" type="slidenum">
+              <a:rPr lang="zh-CN" altLang="en-US"/>
               <a:t>‹#›</a:t>
             </a:fld>
             <a:endParaRPr lang="zh-CN" altLang="en-US"/>
@@ -1876,22 +1814,10 @@
               </a:path>
               <a:tileRect l="-100000" b="-100000"/>
             </a:gradFill>
+            <a:prstDash val="solid"/>
+            <a:miter/>
           </a:ln>
         </p:spPr>
-        <p:style>
-          <a:lnRef idx="3">
-            <a:schemeClr val="accent2"/>
-          </a:lnRef>
-          <a:fillRef idx="0">
-            <a:schemeClr val="accent2"/>
-          </a:fillRef>
-          <a:effectRef idx="2">
-            <a:schemeClr val="accent2"/>
-          </a:effectRef>
-          <a:fontRef idx="minor">
-            <a:schemeClr val="tx1"/>
-          </a:fontRef>
-        </p:style>
       </p:cxnSp>
       <p:pic>
         <p:nvPicPr>
@@ -1902,19 +1828,13 @@
           <p:nvPr userDrawn="1"/>
         </p:nvPicPr>
         <p:blipFill>
-          <a:blip r:embed="rId2" cstate="screen">
-            <a:extLst>
-              <a:ext uri="{28A0092B-C50C-407E-A947-70E740481C1C}">
-                <a14:useLocalDpi xmlns:a14="http://schemas.microsoft.com/office/drawing/2010/main"/>
-              </a:ext>
-            </a:extLst>
-          </a:blip>
+          <a:blip r:embed="rId2" cstate="screen"/>
           <a:srcRect/>
           <a:stretch>
             <a:fillRect/>
           </a:stretch>
         </p:blipFill>
-        <p:spPr bwMode="auto">
+        <p:spPr>
           <a:xfrm>
             <a:off x="8747855" y="6054574"/>
             <a:ext cx="3086577" cy="648000"/>
@@ -1927,13 +1847,7 @@
             <a:noFill/>
           </a:ln>
           <a:extLst>
-            <a:ext uri="{909E8E84-426E-40DD-AFC4-6F175D3DCCD1}">
-              <a14:hiddenFill xmlns:a14="http://schemas.microsoft.com/office/drawing/2010/main">
-                <a:solidFill>
-                  <a:srgbClr val="FFFFFF"/>
-                </a:solidFill>
-              </a14:hiddenFill>
-            </a:ext>
+            <a:ext uri="{909E8E84-426E-40DD-AFC4-6F175D3DCCD1}"/>
             <a:ext uri="{91240B29-F687-4F45-9708-019B960494DF}">
               <a14:hiddenLine xmlns:a14="http://schemas.microsoft.com/office/drawing/2010/main" w="9525">
                 <a:solidFill>
@@ -1957,11 +1871,16 @@
   <p:clrMapOvr>
     <a:masterClrMapping/>
   </p:clrMapOvr>
+  <p:extLst>
+    <p:ext uri="{DCECCB84-F9BA-43D5-87BE-67443E8EF086}">
+      <p15:sldGuideLst xmlns:p15="http://schemas.microsoft.com/office/powerpoint/2012/main"/>
+    </p:ext>
+  </p:extLst>
 </p:sldLayout>
 </file>
 
 <file path=ppt/slideLayouts/slideLayout4.xml><?xml version="1.0" encoding="utf-8"?>
-<p:sldLayout xmlns:a="http://schemas.openxmlformats.org/drawingml/2006/main" xmlns:r="http://schemas.openxmlformats.org/officeDocument/2006/relationships" xmlns:p="http://schemas.openxmlformats.org/presentationml/2006/main" type="secHead" preserve="1">
+<p:sldLayout xmlns:p14="http://schemas.microsoft.com/office/powerpoint/2010/main" xmlns:a="http://schemas.openxmlformats.org/drawingml/2006/main" xmlns:r="http://schemas.openxmlformats.org/officeDocument/2006/relationships" xmlns:p="http://schemas.openxmlformats.org/presentationml/2006/main">
   <p:cSld name="节标题">
     <p:spTree>
       <p:nvGrpSpPr>
@@ -1992,11 +1911,14 @@
             <a:off x="831850" y="1709738"/>
             <a:ext cx="10515600" cy="2852737"/>
           </a:xfrm>
+          <a:prstGeom prst="rect">
+            <a:avLst/>
+          </a:prstGeom>
         </p:spPr>
         <p:txBody>
           <a:bodyPr anchor="b"/>
           <a:lstStyle>
-            <a:lvl1pPr>
+            <a:lvl1pPr lvl="0">
               <a:defRPr sz="6000"/>
             </a:lvl1pPr>
           </a:lstStyle>
@@ -2023,11 +1945,14 @@
             <a:off x="831850" y="4589463"/>
             <a:ext cx="10515600" cy="1500187"/>
           </a:xfrm>
+          <a:prstGeom prst="rect">
+            <a:avLst/>
+          </a:prstGeom>
         </p:spPr>
         <p:txBody>
           <a:bodyPr/>
           <a:lstStyle>
-            <a:lvl1pPr marL="0" indent="0">
+            <a:lvl1pPr marL="0" lvl="0" indent="0">
               <a:buNone/>
               <a:defRPr sz="2400">
                 <a:solidFill>
@@ -2037,7 +1962,7 @@
                 </a:solidFill>
               </a:defRPr>
             </a:lvl1pPr>
-            <a:lvl2pPr marL="457200" indent="0">
+            <a:lvl2pPr marL="457200" lvl="1" indent="0">
               <a:buNone/>
               <a:defRPr sz="2000">
                 <a:solidFill>
@@ -2047,7 +1972,7 @@
                 </a:solidFill>
               </a:defRPr>
             </a:lvl2pPr>
-            <a:lvl3pPr marL="914400" indent="0">
+            <a:lvl3pPr marL="914400" lvl="2" indent="0">
               <a:buNone/>
               <a:defRPr sz="1800">
                 <a:solidFill>
@@ -2057,7 +1982,7 @@
                 </a:solidFill>
               </a:defRPr>
             </a:lvl3pPr>
-            <a:lvl4pPr marL="1371600" indent="0">
+            <a:lvl4pPr marL="1371600" lvl="3" indent="0">
               <a:buNone/>
               <a:defRPr sz="1600">
                 <a:solidFill>
@@ -2067,7 +1992,7 @@
                 </a:solidFill>
               </a:defRPr>
             </a:lvl4pPr>
-            <a:lvl5pPr marL="1828800" indent="0">
+            <a:lvl5pPr marL="1828800" lvl="4" indent="0">
               <a:buNone/>
               <a:defRPr sz="1600">
                 <a:solidFill>
@@ -2077,7 +2002,7 @@
                 </a:solidFill>
               </a:defRPr>
             </a:lvl5pPr>
-            <a:lvl6pPr marL="2286000" indent="0">
+            <a:lvl6pPr marL="2286000" lvl="5" indent="0">
               <a:buNone/>
               <a:defRPr sz="1600">
                 <a:solidFill>
@@ -2087,7 +2012,7 @@
                 </a:solidFill>
               </a:defRPr>
             </a:lvl6pPr>
-            <a:lvl7pPr marL="2743200" indent="0">
+            <a:lvl7pPr marL="2743200" lvl="6" indent="0">
               <a:buNone/>
               <a:defRPr sz="1600">
                 <a:solidFill>
@@ -2097,7 +2022,7 @@
                 </a:solidFill>
               </a:defRPr>
             </a:lvl7pPr>
-            <a:lvl8pPr marL="3200400" indent="0">
+            <a:lvl8pPr marL="3200400" lvl="7" indent="0">
               <a:buNone/>
               <a:defRPr sz="1600">
                 <a:solidFill>
@@ -2107,7 +2032,7 @@
                 </a:solidFill>
               </a:defRPr>
             </a:lvl8pPr>
-            <a:lvl9pPr marL="3657600" indent="0">
+            <a:lvl9pPr marL="3657600" lvl="8" indent="0">
               <a:buNone/>
               <a:defRPr sz="1600">
                 <a:solidFill>
@@ -2134,17 +2059,21 @@
             <a:spLocks noGrp="1"/>
           </p:cNvSpPr>
           <p:nvPr>
-            <p:ph type="dt" sz="half" idx="10"/>
-          </p:nvPr>
-        </p:nvSpPr>
-        <p:spPr/>
+            <p:ph type="dt" idx="10"/>
+          </p:nvPr>
+        </p:nvSpPr>
+        <p:spPr>
+          <a:prstGeom prst="rect">
+            <a:avLst/>
+          </a:prstGeom>
+        </p:spPr>
         <p:txBody>
           <a:bodyPr/>
           <a:lstStyle/>
           <a:p>
-            <a:fld id="{2E8C10CD-CE84-4E2B-BABD-39448864A424}" type="datetimeFigureOut">
-              <a:rPr lang="zh-CN" altLang="en-US" smtClean="0"/>
-              <a:t>2023/11/8</a:t>
+            <a:fld id="{266594CD-56A5-412E-BC3A-3E851BFC340D}" type="datetimeFigureOut">
+              <a:rPr lang="zh-CN" altLang="en-US"/>
+              <a:t>2023/11/28</a:t>
             </a:fld>
             <a:endParaRPr lang="zh-CN" altLang="en-US"/>
           </a:p>
@@ -2157,10 +2086,14 @@
             <a:spLocks noGrp="1"/>
           </p:cNvSpPr>
           <p:nvPr>
-            <p:ph type="ftr" sz="quarter" idx="11"/>
-          </p:nvPr>
-        </p:nvSpPr>
-        <p:spPr/>
+            <p:ph type="ftr" idx="11"/>
+          </p:nvPr>
+        </p:nvSpPr>
+        <p:spPr>
+          <a:prstGeom prst="rect">
+            <a:avLst/>
+          </a:prstGeom>
+        </p:spPr>
         <p:txBody>
           <a:bodyPr/>
           <a:lstStyle/>
@@ -2176,16 +2109,20 @@
             <a:spLocks noGrp="1"/>
           </p:cNvSpPr>
           <p:nvPr>
-            <p:ph type="sldNum" sz="quarter" idx="12"/>
-          </p:nvPr>
-        </p:nvSpPr>
-        <p:spPr/>
+            <p:ph type="sldNum" idx="12"/>
+          </p:nvPr>
+        </p:nvSpPr>
+        <p:spPr>
+          <a:prstGeom prst="rect">
+            <a:avLst/>
+          </a:prstGeom>
+        </p:spPr>
         <p:txBody>
           <a:bodyPr/>
           <a:lstStyle/>
           <a:p>
-            <a:fld id="{BEB70648-4C7E-4A21-B8DD-2D1324099071}" type="slidenum">
-              <a:rPr lang="zh-CN" altLang="en-US" smtClean="0"/>
+            <a:fld id="{BE94D8E5-B6F1-4171-90CF-ECAE04B73B1B}" type="slidenum">
+              <a:rPr lang="zh-CN" altLang="en-US"/>
               <a:t>‹#›</a:t>
             </a:fld>
             <a:endParaRPr lang="zh-CN" altLang="en-US"/>
@@ -2202,11 +2139,16 @@
   <p:clrMapOvr>
     <a:masterClrMapping/>
   </p:clrMapOvr>
+  <p:extLst>
+    <p:ext uri="{DCECCB84-F9BA-43D5-87BE-67443E8EF086}">
+      <p15:sldGuideLst xmlns:p15="http://schemas.microsoft.com/office/powerpoint/2012/main"/>
+    </p:ext>
+  </p:extLst>
 </p:sldLayout>
 </file>
 
 <file path=ppt/slideLayouts/slideLayout5.xml><?xml version="1.0" encoding="utf-8"?>
-<p:sldLayout xmlns:a="http://schemas.openxmlformats.org/drawingml/2006/main" xmlns:r="http://schemas.openxmlformats.org/officeDocument/2006/relationships" xmlns:p="http://schemas.openxmlformats.org/presentationml/2006/main" type="twoObj" preserve="1">
+<p:sldLayout xmlns:p14="http://schemas.microsoft.com/office/powerpoint/2010/main" xmlns:a="http://schemas.openxmlformats.org/drawingml/2006/main" xmlns:r="http://schemas.openxmlformats.org/officeDocument/2006/relationships" xmlns:p="http://schemas.openxmlformats.org/presentationml/2006/main">
   <p:cSld name="两栏内容">
     <p:spTree>
       <p:nvGrpSpPr>
@@ -2232,7 +2174,11 @@
             <p:ph type="title"/>
           </p:nvPr>
         </p:nvSpPr>
-        <p:spPr/>
+        <p:spPr>
+          <a:prstGeom prst="rect">
+            <a:avLst/>
+          </a:prstGeom>
+        </p:spPr>
         <p:txBody>
           <a:bodyPr/>
           <a:lstStyle/>
@@ -2251,7 +2197,7 @@
             <a:spLocks noGrp="1"/>
           </p:cNvSpPr>
           <p:nvPr>
-            <p:ph sz="half" idx="1"/>
+            <p:ph idx="1"/>
           </p:nvPr>
         </p:nvSpPr>
         <p:spPr>
@@ -2259,6 +2205,9 @@
             <a:off x="838200" y="1825625"/>
             <a:ext cx="5181600" cy="4351338"/>
           </a:xfrm>
+          <a:prstGeom prst="rect">
+            <a:avLst/>
+          </a:prstGeom>
         </p:spPr>
         <p:txBody>
           <a:bodyPr/>
@@ -2307,7 +2256,7 @@
             <a:spLocks noGrp="1"/>
           </p:cNvSpPr>
           <p:nvPr>
-            <p:ph sz="half" idx="2"/>
+            <p:ph idx="2"/>
           </p:nvPr>
         </p:nvSpPr>
         <p:spPr>
@@ -2315,6 +2264,9 @@
             <a:off x="6172200" y="1825625"/>
             <a:ext cx="5181600" cy="4351338"/>
           </a:xfrm>
+          <a:prstGeom prst="rect">
+            <a:avLst/>
+          </a:prstGeom>
         </p:spPr>
         <p:txBody>
           <a:bodyPr/>
@@ -2363,17 +2315,21 @@
             <a:spLocks noGrp="1"/>
           </p:cNvSpPr>
           <p:nvPr>
-            <p:ph type="dt" sz="half" idx="10"/>
-          </p:nvPr>
-        </p:nvSpPr>
-        <p:spPr/>
+            <p:ph type="dt" idx="10"/>
+          </p:nvPr>
+        </p:nvSpPr>
+        <p:spPr>
+          <a:prstGeom prst="rect">
+            <a:avLst/>
+          </a:prstGeom>
+        </p:spPr>
         <p:txBody>
           <a:bodyPr/>
           <a:lstStyle/>
           <a:p>
-            <a:fld id="{2E8C10CD-CE84-4E2B-BABD-39448864A424}" type="datetimeFigureOut">
-              <a:rPr lang="zh-CN" altLang="en-US" smtClean="0"/>
-              <a:t>2023/11/8</a:t>
+            <a:fld id="{E27E4761-21F4-4958-9692-794201499CFE}" type="datetimeFigureOut">
+              <a:rPr lang="zh-CN" altLang="en-US"/>
+              <a:t>2023/11/28</a:t>
             </a:fld>
             <a:endParaRPr lang="zh-CN" altLang="en-US"/>
           </a:p>
@@ -2386,10 +2342,14 @@
             <a:spLocks noGrp="1"/>
           </p:cNvSpPr>
           <p:nvPr>
-            <p:ph type="ftr" sz="quarter" idx="11"/>
-          </p:nvPr>
-        </p:nvSpPr>
-        <p:spPr/>
+            <p:ph type="ftr" idx="11"/>
+          </p:nvPr>
+        </p:nvSpPr>
+        <p:spPr>
+          <a:prstGeom prst="rect">
+            <a:avLst/>
+          </a:prstGeom>
+        </p:spPr>
         <p:txBody>
           <a:bodyPr/>
           <a:lstStyle/>
@@ -2405,16 +2365,20 @@
             <a:spLocks noGrp="1"/>
           </p:cNvSpPr>
           <p:nvPr>
-            <p:ph type="sldNum" sz="quarter" idx="12"/>
-          </p:nvPr>
-        </p:nvSpPr>
-        <p:spPr/>
+            <p:ph type="sldNum" idx="12"/>
+          </p:nvPr>
+        </p:nvSpPr>
+        <p:spPr>
+          <a:prstGeom prst="rect">
+            <a:avLst/>
+          </a:prstGeom>
+        </p:spPr>
         <p:txBody>
           <a:bodyPr/>
           <a:lstStyle/>
           <a:p>
-            <a:fld id="{BEB70648-4C7E-4A21-B8DD-2D1324099071}" type="slidenum">
-              <a:rPr lang="zh-CN" altLang="en-US" smtClean="0"/>
+            <a:fld id="{2692468B-4F6B-4796-807B-531B69333D4D}" type="slidenum">
+              <a:rPr lang="zh-CN" altLang="en-US"/>
               <a:t>‹#›</a:t>
             </a:fld>
             <a:endParaRPr lang="zh-CN" altLang="en-US"/>
@@ -2431,11 +2395,16 @@
   <p:clrMapOvr>
     <a:masterClrMapping/>
   </p:clrMapOvr>
+  <p:extLst>
+    <p:ext uri="{DCECCB84-F9BA-43D5-87BE-67443E8EF086}">
+      <p15:sldGuideLst xmlns:p15="http://schemas.microsoft.com/office/powerpoint/2012/main"/>
+    </p:ext>
+  </p:extLst>
 </p:sldLayout>
 </file>
 
 <file path=ppt/slideLayouts/slideLayout6.xml><?xml version="1.0" encoding="utf-8"?>
-<p:sldLayout xmlns:a="http://schemas.openxmlformats.org/drawingml/2006/main" xmlns:r="http://schemas.openxmlformats.org/officeDocument/2006/relationships" xmlns:p="http://schemas.openxmlformats.org/presentationml/2006/main" type="twoTxTwoObj" preserve="1">
+<p:sldLayout xmlns:p14="http://schemas.microsoft.com/office/powerpoint/2010/main" xmlns:a="http://schemas.openxmlformats.org/drawingml/2006/main" xmlns:r="http://schemas.openxmlformats.org/officeDocument/2006/relationships" xmlns:p="http://schemas.openxmlformats.org/presentationml/2006/main">
   <p:cSld name="比较">
     <p:spTree>
       <p:nvGrpSpPr>
@@ -2466,6 +2435,9 @@
             <a:off x="839788" y="365125"/>
             <a:ext cx="10515600" cy="1325563"/>
           </a:xfrm>
+          <a:prstGeom prst="rect">
+            <a:avLst/>
+          </a:prstGeom>
         </p:spPr>
         <p:txBody>
           <a:bodyPr/>
@@ -2493,43 +2465,46 @@
             <a:off x="839788" y="1681163"/>
             <a:ext cx="5157787" cy="823912"/>
           </a:xfrm>
+          <a:prstGeom prst="rect">
+            <a:avLst/>
+          </a:prstGeom>
         </p:spPr>
         <p:txBody>
           <a:bodyPr anchor="b"/>
           <a:lstStyle>
-            <a:lvl1pPr marL="0" indent="0">
+            <a:lvl1pPr marL="0" lvl="0" indent="0">
               <a:buNone/>
               <a:defRPr sz="2400" b="1"/>
             </a:lvl1pPr>
-            <a:lvl2pPr marL="457200" indent="0">
+            <a:lvl2pPr marL="457200" lvl="1" indent="0">
               <a:buNone/>
               <a:defRPr sz="2000" b="1"/>
             </a:lvl2pPr>
-            <a:lvl3pPr marL="914400" indent="0">
+            <a:lvl3pPr marL="914400" lvl="2" indent="0">
               <a:buNone/>
               <a:defRPr sz="1800" b="1"/>
             </a:lvl3pPr>
-            <a:lvl4pPr marL="1371600" indent="0">
+            <a:lvl4pPr marL="1371600" lvl="3" indent="0">
               <a:buNone/>
               <a:defRPr sz="1600" b="1"/>
             </a:lvl4pPr>
-            <a:lvl5pPr marL="1828800" indent="0">
+            <a:lvl5pPr marL="1828800" lvl="4" indent="0">
               <a:buNone/>
               <a:defRPr sz="1600" b="1"/>
             </a:lvl5pPr>
-            <a:lvl6pPr marL="2286000" indent="0">
+            <a:lvl6pPr marL="2286000" lvl="5" indent="0">
               <a:buNone/>
               <a:defRPr sz="1600" b="1"/>
             </a:lvl6pPr>
-            <a:lvl7pPr marL="2743200" indent="0">
+            <a:lvl7pPr marL="2743200" lvl="6" indent="0">
               <a:buNone/>
               <a:defRPr sz="1600" b="1"/>
             </a:lvl7pPr>
-            <a:lvl8pPr marL="3200400" indent="0">
+            <a:lvl8pPr marL="3200400" lvl="7" indent="0">
               <a:buNone/>
               <a:defRPr sz="1600" b="1"/>
             </a:lvl8pPr>
-            <a:lvl9pPr marL="3657600" indent="0">
+            <a:lvl9pPr marL="3657600" lvl="8" indent="0">
               <a:buNone/>
               <a:defRPr sz="1600" b="1"/>
             </a:lvl9pPr>
@@ -2550,7 +2525,7 @@
             <a:spLocks noGrp="1"/>
           </p:cNvSpPr>
           <p:nvPr>
-            <p:ph sz="half" idx="2"/>
+            <p:ph idx="2"/>
           </p:nvPr>
         </p:nvSpPr>
         <p:spPr>
@@ -2558,6 +2533,9 @@
             <a:off x="839788" y="2505075"/>
             <a:ext cx="5157787" cy="3684588"/>
           </a:xfrm>
+          <a:prstGeom prst="rect">
+            <a:avLst/>
+          </a:prstGeom>
         </p:spPr>
         <p:txBody>
           <a:bodyPr/>
@@ -2606,7 +2584,7 @@
             <a:spLocks noGrp="1"/>
           </p:cNvSpPr>
           <p:nvPr>
-            <p:ph type="body" sz="quarter" idx="3"/>
+            <p:ph type="body" idx="3"/>
           </p:nvPr>
         </p:nvSpPr>
         <p:spPr>
@@ -2614,43 +2592,46 @@
             <a:off x="6172200" y="1681163"/>
             <a:ext cx="5183188" cy="823912"/>
           </a:xfrm>
+          <a:prstGeom prst="rect">
+            <a:avLst/>
+          </a:prstGeom>
         </p:spPr>
         <p:txBody>
           <a:bodyPr anchor="b"/>
           <a:lstStyle>
-            <a:lvl1pPr marL="0" indent="0">
+            <a:lvl1pPr marL="0" lvl="0" indent="0">
               <a:buNone/>
               <a:defRPr sz="2400" b="1"/>
             </a:lvl1pPr>
-            <a:lvl2pPr marL="457200" indent="0">
+            <a:lvl2pPr marL="457200" lvl="1" indent="0">
               <a:buNone/>
               <a:defRPr sz="2000" b="1"/>
             </a:lvl2pPr>
-            <a:lvl3pPr marL="914400" indent="0">
+            <a:lvl3pPr marL="914400" lvl="2" indent="0">
               <a:buNone/>
               <a:defRPr sz="1800" b="1"/>
             </a:lvl3pPr>
-            <a:lvl4pPr marL="1371600" indent="0">
+            <a:lvl4pPr marL="1371600" lvl="3" indent="0">
               <a:buNone/>
               <a:defRPr sz="1600" b="1"/>
             </a:lvl4pPr>
-            <a:lvl5pPr marL="1828800" indent="0">
+            <a:lvl5pPr marL="1828800" lvl="4" indent="0">
               <a:buNone/>
               <a:defRPr sz="1600" b="1"/>
             </a:lvl5pPr>
-            <a:lvl6pPr marL="2286000" indent="0">
+            <a:lvl6pPr marL="2286000" lvl="5" indent="0">
               <a:buNone/>
               <a:defRPr sz="1600" b="1"/>
             </a:lvl6pPr>
-            <a:lvl7pPr marL="2743200" indent="0">
+            <a:lvl7pPr marL="2743200" lvl="6" indent="0">
               <a:buNone/>
               <a:defRPr sz="1600" b="1"/>
             </a:lvl7pPr>
-            <a:lvl8pPr marL="3200400" indent="0">
+            <a:lvl8pPr marL="3200400" lvl="7" indent="0">
               <a:buNone/>
               <a:defRPr sz="1600" b="1"/>
             </a:lvl8pPr>
-            <a:lvl9pPr marL="3657600" indent="0">
+            <a:lvl9pPr marL="3657600" lvl="8" indent="0">
               <a:buNone/>
               <a:defRPr sz="1600" b="1"/>
             </a:lvl9pPr>
@@ -2671,7 +2652,7 @@
             <a:spLocks noGrp="1"/>
           </p:cNvSpPr>
           <p:nvPr>
-            <p:ph sz="quarter" idx="4"/>
+            <p:ph idx="4"/>
           </p:nvPr>
         </p:nvSpPr>
         <p:spPr>
@@ -2679,6 +2660,9 @@
             <a:off x="6172200" y="2505075"/>
             <a:ext cx="5183188" cy="3684588"/>
           </a:xfrm>
+          <a:prstGeom prst="rect">
+            <a:avLst/>
+          </a:prstGeom>
         </p:spPr>
         <p:txBody>
           <a:bodyPr/>
@@ -2727,17 +2711,21 @@
             <a:spLocks noGrp="1"/>
           </p:cNvSpPr>
           <p:nvPr>
-            <p:ph type="dt" sz="half" idx="10"/>
-          </p:nvPr>
-        </p:nvSpPr>
-        <p:spPr/>
+            <p:ph type="dt" idx="10"/>
+          </p:nvPr>
+        </p:nvSpPr>
+        <p:spPr>
+          <a:prstGeom prst="rect">
+            <a:avLst/>
+          </a:prstGeom>
+        </p:spPr>
         <p:txBody>
           <a:bodyPr/>
           <a:lstStyle/>
           <a:p>
-            <a:fld id="{2E8C10CD-CE84-4E2B-BABD-39448864A424}" type="datetimeFigureOut">
-              <a:rPr lang="zh-CN" altLang="en-US" smtClean="0"/>
-              <a:t>2023/11/8</a:t>
+            <a:fld id="{D1D00E3C-CF22-4AF0-ADAD-5CA5E3096065}" type="datetimeFigureOut">
+              <a:rPr lang="zh-CN" altLang="en-US"/>
+              <a:t>2023/11/28</a:t>
             </a:fld>
             <a:endParaRPr lang="zh-CN" altLang="en-US"/>
           </a:p>
@@ -2750,10 +2738,14 @@
             <a:spLocks noGrp="1"/>
           </p:cNvSpPr>
           <p:nvPr>
-            <p:ph type="ftr" sz="quarter" idx="11"/>
-          </p:nvPr>
-        </p:nvSpPr>
-        <p:spPr/>
+            <p:ph type="ftr" idx="11"/>
+          </p:nvPr>
+        </p:nvSpPr>
+        <p:spPr>
+          <a:prstGeom prst="rect">
+            <a:avLst/>
+          </a:prstGeom>
+        </p:spPr>
         <p:txBody>
           <a:bodyPr/>
           <a:lstStyle/>
@@ -2769,16 +2761,20 @@
             <a:spLocks noGrp="1"/>
           </p:cNvSpPr>
           <p:nvPr>
-            <p:ph type="sldNum" sz="quarter" idx="12"/>
-          </p:nvPr>
-        </p:nvSpPr>
-        <p:spPr/>
+            <p:ph type="sldNum" idx="12"/>
+          </p:nvPr>
+        </p:nvSpPr>
+        <p:spPr>
+          <a:prstGeom prst="rect">
+            <a:avLst/>
+          </a:prstGeom>
+        </p:spPr>
         <p:txBody>
           <a:bodyPr/>
           <a:lstStyle/>
           <a:p>
-            <a:fld id="{BEB70648-4C7E-4A21-B8DD-2D1324099071}" type="slidenum">
-              <a:rPr lang="zh-CN" altLang="en-US" smtClean="0"/>
+            <a:fld id="{072D064A-D591-4E91-85EC-0DEFFD19E046}" type="slidenum">
+              <a:rPr lang="zh-CN" altLang="en-US"/>
               <a:t>‹#›</a:t>
             </a:fld>
             <a:endParaRPr lang="zh-CN" altLang="en-US"/>
@@ -2795,11 +2791,16 @@
   <p:clrMapOvr>
     <a:masterClrMapping/>
   </p:clrMapOvr>
+  <p:extLst>
+    <p:ext uri="{DCECCB84-F9BA-43D5-87BE-67443E8EF086}">
+      <p15:sldGuideLst xmlns:p15="http://schemas.microsoft.com/office/powerpoint/2012/main"/>
+    </p:ext>
+  </p:extLst>
 </p:sldLayout>
 </file>
 
 <file path=ppt/slideLayouts/slideLayout7.xml><?xml version="1.0" encoding="utf-8"?>
-<p:sldLayout xmlns:a="http://schemas.openxmlformats.org/drawingml/2006/main" xmlns:r="http://schemas.openxmlformats.org/officeDocument/2006/relationships" xmlns:p="http://schemas.openxmlformats.org/presentationml/2006/main" type="blank" preserve="1">
+<p:sldLayout xmlns:p14="http://schemas.microsoft.com/office/powerpoint/2010/main" xmlns:a="http://schemas.openxmlformats.org/drawingml/2006/main" xmlns:r="http://schemas.openxmlformats.org/officeDocument/2006/relationships" xmlns:p="http://schemas.openxmlformats.org/presentationml/2006/main">
   <p:cSld name="空白">
     <p:spTree>
       <p:nvGrpSpPr>
@@ -2822,17 +2823,21 @@
             <a:spLocks noGrp="1"/>
           </p:cNvSpPr>
           <p:nvPr>
-            <p:ph type="dt" sz="half" idx="10"/>
-          </p:nvPr>
-        </p:nvSpPr>
-        <p:spPr/>
+            <p:ph type="dt" idx="10"/>
+          </p:nvPr>
+        </p:nvSpPr>
+        <p:spPr>
+          <a:prstGeom prst="rect">
+            <a:avLst/>
+          </a:prstGeom>
+        </p:spPr>
         <p:txBody>
           <a:bodyPr/>
           <a:lstStyle/>
           <a:p>
-            <a:fld id="{2E8C10CD-CE84-4E2B-BABD-39448864A424}" type="datetimeFigureOut">
-              <a:rPr lang="zh-CN" altLang="en-US" smtClean="0"/>
-              <a:t>2023/11/8</a:t>
+            <a:fld id="{6605364E-C5FE-4619-A8BD-EAC310070EDD}" type="datetimeFigureOut">
+              <a:rPr lang="zh-CN" altLang="en-US"/>
+              <a:t>2023/11/28</a:t>
             </a:fld>
             <a:endParaRPr lang="zh-CN" altLang="en-US"/>
           </a:p>
@@ -2845,10 +2850,14 @@
             <a:spLocks noGrp="1"/>
           </p:cNvSpPr>
           <p:nvPr>
-            <p:ph type="ftr" sz="quarter" idx="11"/>
-          </p:nvPr>
-        </p:nvSpPr>
-        <p:spPr/>
+            <p:ph type="ftr" idx="11"/>
+          </p:nvPr>
+        </p:nvSpPr>
+        <p:spPr>
+          <a:prstGeom prst="rect">
+            <a:avLst/>
+          </a:prstGeom>
+        </p:spPr>
         <p:txBody>
           <a:bodyPr/>
           <a:lstStyle/>
@@ -2864,16 +2873,20 @@
             <a:spLocks noGrp="1"/>
           </p:cNvSpPr>
           <p:nvPr>
-            <p:ph type="sldNum" sz="quarter" idx="12"/>
-          </p:nvPr>
-        </p:nvSpPr>
-        <p:spPr/>
+            <p:ph type="sldNum" idx="12"/>
+          </p:nvPr>
+        </p:nvSpPr>
+        <p:spPr>
+          <a:prstGeom prst="rect">
+            <a:avLst/>
+          </a:prstGeom>
+        </p:spPr>
         <p:txBody>
           <a:bodyPr/>
           <a:lstStyle/>
           <a:p>
-            <a:fld id="{BEB70648-4C7E-4A21-B8DD-2D1324099071}" type="slidenum">
-              <a:rPr lang="zh-CN" altLang="en-US" smtClean="0"/>
+            <a:fld id="{3806130A-D9F3-4DAC-AE8F-91AF961B9E5F}" type="slidenum">
+              <a:rPr lang="zh-CN" altLang="en-US"/>
               <a:t>‹#›</a:t>
             </a:fld>
             <a:endParaRPr lang="zh-CN" altLang="en-US"/>
@@ -2890,11 +2903,16 @@
   <p:clrMapOvr>
     <a:masterClrMapping/>
   </p:clrMapOvr>
+  <p:extLst>
+    <p:ext uri="{DCECCB84-F9BA-43D5-87BE-67443E8EF086}">
+      <p15:sldGuideLst xmlns:p15="http://schemas.microsoft.com/office/powerpoint/2012/main"/>
+    </p:ext>
+  </p:extLst>
 </p:sldLayout>
 </file>
 
 <file path=ppt/slideLayouts/slideLayout8.xml><?xml version="1.0" encoding="utf-8"?>
-<p:sldLayout xmlns:a="http://schemas.openxmlformats.org/drawingml/2006/main" xmlns:r="http://schemas.openxmlformats.org/officeDocument/2006/relationships" xmlns:p="http://schemas.openxmlformats.org/presentationml/2006/main" type="objTx" preserve="1">
+<p:sldLayout xmlns:p14="http://schemas.microsoft.com/office/powerpoint/2010/main" xmlns:a="http://schemas.openxmlformats.org/drawingml/2006/main" xmlns:r="http://schemas.openxmlformats.org/officeDocument/2006/relationships" xmlns:p="http://schemas.openxmlformats.org/presentationml/2006/main">
   <p:cSld name="内容与标题">
     <p:spTree>
       <p:nvGrpSpPr>
@@ -2925,11 +2943,14 @@
             <a:off x="839788" y="457200"/>
             <a:ext cx="3932237" cy="1600200"/>
           </a:xfrm>
+          <a:prstGeom prst="rect">
+            <a:avLst/>
+          </a:prstGeom>
         </p:spPr>
         <p:txBody>
           <a:bodyPr anchor="b"/>
           <a:lstStyle>
-            <a:lvl1pPr>
+            <a:lvl1pPr lvl="0">
               <a:defRPr sz="3200"/>
             </a:lvl1pPr>
           </a:lstStyle>
@@ -2956,35 +2977,38 @@
             <a:off x="5183188" y="987425"/>
             <a:ext cx="6172200" cy="4873625"/>
           </a:xfrm>
+          <a:prstGeom prst="rect">
+            <a:avLst/>
+          </a:prstGeom>
         </p:spPr>
         <p:txBody>
           <a:bodyPr/>
           <a:lstStyle>
-            <a:lvl1pPr>
+            <a:lvl1pPr lvl="0">
               <a:defRPr sz="3200"/>
             </a:lvl1pPr>
-            <a:lvl2pPr>
+            <a:lvl2pPr lvl="1">
               <a:defRPr sz="2800"/>
             </a:lvl2pPr>
-            <a:lvl3pPr>
+            <a:lvl3pPr lvl="2">
               <a:defRPr sz="2400"/>
             </a:lvl3pPr>
-            <a:lvl4pPr>
+            <a:lvl4pPr lvl="3">
               <a:defRPr sz="2000"/>
             </a:lvl4pPr>
-            <a:lvl5pPr>
+            <a:lvl5pPr lvl="4">
               <a:defRPr sz="2000"/>
             </a:lvl5pPr>
-            <a:lvl6pPr>
+            <a:lvl6pPr lvl="5">
               <a:defRPr sz="2000"/>
             </a:lvl6pPr>
-            <a:lvl7pPr>
+            <a:lvl7pPr lvl="6">
               <a:defRPr sz="2000"/>
             </a:lvl7pPr>
-            <a:lvl8pPr>
+            <a:lvl8pPr lvl="7">
               <a:defRPr sz="2000"/>
             </a:lvl8pPr>
-            <a:lvl9pPr>
+            <a:lvl9pPr lvl="8">
               <a:defRPr sz="2000"/>
             </a:lvl9pPr>
           </a:lstStyle>
@@ -3032,7 +3056,7 @@
             <a:spLocks noGrp="1"/>
           </p:cNvSpPr>
           <p:nvPr>
-            <p:ph type="body" sz="half" idx="2"/>
+            <p:ph type="body" idx="2"/>
           </p:nvPr>
         </p:nvSpPr>
         <p:spPr>
@@ -3040,43 +3064,46 @@
             <a:off x="839788" y="2057400"/>
             <a:ext cx="3932237" cy="3811588"/>
           </a:xfrm>
+          <a:prstGeom prst="rect">
+            <a:avLst/>
+          </a:prstGeom>
         </p:spPr>
         <p:txBody>
           <a:bodyPr/>
           <a:lstStyle>
-            <a:lvl1pPr marL="0" indent="0">
+            <a:lvl1pPr marL="0" lvl="0" indent="0">
               <a:buNone/>
               <a:defRPr sz="1600"/>
             </a:lvl1pPr>
-            <a:lvl2pPr marL="457200" indent="0">
+            <a:lvl2pPr marL="457200" lvl="1" indent="0">
               <a:buNone/>
               <a:defRPr sz="1400"/>
             </a:lvl2pPr>
-            <a:lvl3pPr marL="914400" indent="0">
+            <a:lvl3pPr marL="914400" lvl="2" indent="0">
               <a:buNone/>
               <a:defRPr sz="1200"/>
             </a:lvl3pPr>
-            <a:lvl4pPr marL="1371600" indent="0">
+            <a:lvl4pPr marL="1371600" lvl="3" indent="0">
               <a:buNone/>
               <a:defRPr sz="1000"/>
             </a:lvl4pPr>
-            <a:lvl5pPr marL="1828800" indent="0">
+            <a:lvl5pPr marL="1828800" lvl="4" indent="0">
               <a:buNone/>
               <a:defRPr sz="1000"/>
             </a:lvl5pPr>
-            <a:lvl6pPr marL="2286000" indent="0">
+            <a:lvl6pPr marL="2286000" lvl="5" indent="0">
               <a:buNone/>
               <a:defRPr sz="1000"/>
             </a:lvl6pPr>
-            <a:lvl7pPr marL="2743200" indent="0">
+            <a:lvl7pPr marL="2743200" lvl="6" indent="0">
               <a:buNone/>
               <a:defRPr sz="1000"/>
             </a:lvl7pPr>
-            <a:lvl8pPr marL="3200400" indent="0">
+            <a:lvl8pPr marL="3200400" lvl="7" indent="0">
               <a:buNone/>
               <a:defRPr sz="1000"/>
             </a:lvl8pPr>
-            <a:lvl9pPr marL="3657600" indent="0">
+            <a:lvl9pPr marL="3657600" lvl="8" indent="0">
               <a:buNone/>
               <a:defRPr sz="1000"/>
             </a:lvl9pPr>
@@ -3097,17 +3124,21 @@
             <a:spLocks noGrp="1"/>
           </p:cNvSpPr>
           <p:nvPr>
-            <p:ph type="dt" sz="half" idx="10"/>
-          </p:nvPr>
-        </p:nvSpPr>
-        <p:spPr/>
+            <p:ph type="dt" idx="10"/>
+          </p:nvPr>
+        </p:nvSpPr>
+        <p:spPr>
+          <a:prstGeom prst="rect">
+            <a:avLst/>
+          </a:prstGeom>
+        </p:spPr>
         <p:txBody>
           <a:bodyPr/>
           <a:lstStyle/>
           <a:p>
-            <a:fld id="{2E8C10CD-CE84-4E2B-BABD-39448864A424}" type="datetimeFigureOut">
-              <a:rPr lang="zh-CN" altLang="en-US" smtClean="0"/>
-              <a:t>2023/11/8</a:t>
+            <a:fld id="{D07E5055-9966-42B8-BE13-4399700515BB}" type="datetimeFigureOut">
+              <a:rPr lang="zh-CN" altLang="en-US"/>
+              <a:t>2023/11/28</a:t>
             </a:fld>
             <a:endParaRPr lang="zh-CN" altLang="en-US"/>
           </a:p>
@@ -3120,10 +3151,14 @@
             <a:spLocks noGrp="1"/>
           </p:cNvSpPr>
           <p:nvPr>
-            <p:ph type="ftr" sz="quarter" idx="11"/>
-          </p:nvPr>
-        </p:nvSpPr>
-        <p:spPr/>
+            <p:ph type="ftr" idx="11"/>
+          </p:nvPr>
+        </p:nvSpPr>
+        <p:spPr>
+          <a:prstGeom prst="rect">
+            <a:avLst/>
+          </a:prstGeom>
+        </p:spPr>
         <p:txBody>
           <a:bodyPr/>
           <a:lstStyle/>
@@ -3139,16 +3174,20 @@
             <a:spLocks noGrp="1"/>
           </p:cNvSpPr>
           <p:nvPr>
-            <p:ph type="sldNum" sz="quarter" idx="12"/>
-          </p:nvPr>
-        </p:nvSpPr>
-        <p:spPr/>
+            <p:ph type="sldNum" idx="12"/>
+          </p:nvPr>
+        </p:nvSpPr>
+        <p:spPr>
+          <a:prstGeom prst="rect">
+            <a:avLst/>
+          </a:prstGeom>
+        </p:spPr>
         <p:txBody>
           <a:bodyPr/>
           <a:lstStyle/>
           <a:p>
-            <a:fld id="{BEB70648-4C7E-4A21-B8DD-2D1324099071}" type="slidenum">
-              <a:rPr lang="zh-CN" altLang="en-US" smtClean="0"/>
+            <a:fld id="{4090C1A3-8864-4EE3-8C1E-58A4BDA353AA}" type="slidenum">
+              <a:rPr lang="zh-CN" altLang="en-US"/>
               <a:t>‹#›</a:t>
             </a:fld>
             <a:endParaRPr lang="zh-CN" altLang="en-US"/>
@@ -3165,11 +3204,16 @@
   <p:clrMapOvr>
     <a:masterClrMapping/>
   </p:clrMapOvr>
+  <p:extLst>
+    <p:ext uri="{DCECCB84-F9BA-43D5-87BE-67443E8EF086}">
+      <p15:sldGuideLst xmlns:p15="http://schemas.microsoft.com/office/powerpoint/2012/main"/>
+    </p:ext>
+  </p:extLst>
 </p:sldLayout>
 </file>
 
 <file path=ppt/slideLayouts/slideLayout9.xml><?xml version="1.0" encoding="utf-8"?>
-<p:sldLayout xmlns:a="http://schemas.openxmlformats.org/drawingml/2006/main" xmlns:r="http://schemas.openxmlformats.org/officeDocument/2006/relationships" xmlns:p="http://schemas.openxmlformats.org/presentationml/2006/main" type="picTx" preserve="1">
+<p:sldLayout xmlns:p14="http://schemas.microsoft.com/office/powerpoint/2010/main" xmlns:a="http://schemas.openxmlformats.org/drawingml/2006/main" xmlns:r="http://schemas.openxmlformats.org/officeDocument/2006/relationships" xmlns:p="http://schemas.openxmlformats.org/presentationml/2006/main">
   <p:cSld name="图片与标题">
     <p:spTree>
       <p:nvGrpSpPr>
@@ -3200,11 +3244,14 @@
             <a:off x="839788" y="457200"/>
             <a:ext cx="3932237" cy="1600200"/>
           </a:xfrm>
+          <a:prstGeom prst="rect">
+            <a:avLst/>
+          </a:prstGeom>
         </p:spPr>
         <p:txBody>
           <a:bodyPr anchor="b"/>
           <a:lstStyle>
-            <a:lvl1pPr>
+            <a:lvl1pPr lvl="0">
               <a:defRPr sz="3200"/>
             </a:lvl1pPr>
           </a:lstStyle>
@@ -3231,43 +3278,46 @@
             <a:off x="5183188" y="987425"/>
             <a:ext cx="6172200" cy="4873625"/>
           </a:xfrm>
+          <a:prstGeom prst="rect">
+            <a:avLst/>
+          </a:prstGeom>
         </p:spPr>
         <p:txBody>
           <a:bodyPr/>
           <a:lstStyle>
-            <a:lvl1pPr marL="0" indent="0">
+            <a:lvl1pPr marL="0" lvl="0" indent="0">
               <a:buNone/>
               <a:defRPr sz="3200"/>
             </a:lvl1pPr>
-            <a:lvl2pPr marL="457200" indent="0">
+            <a:lvl2pPr marL="457200" lvl="1" indent="0">
               <a:buNone/>
               <a:defRPr sz="2800"/>
             </a:lvl2pPr>
-            <a:lvl3pPr marL="914400" indent="0">
+            <a:lvl3pPr marL="914400" lvl="2" indent="0">
               <a:buNone/>
               <a:defRPr sz="2400"/>
             </a:lvl3pPr>
-            <a:lvl4pPr marL="1371600" indent="0">
+            <a:lvl4pPr marL="1371600" lvl="3" indent="0">
               <a:buNone/>
               <a:defRPr sz="2000"/>
             </a:lvl4pPr>
-            <a:lvl5pPr marL="1828800" indent="0">
+            <a:lvl5pPr marL="1828800" lvl="4" indent="0">
               <a:buNone/>
               <a:defRPr sz="2000"/>
             </a:lvl5pPr>
-            <a:lvl6pPr marL="2286000" indent="0">
+            <a:lvl6pPr marL="2286000" lvl="5" indent="0">
               <a:buNone/>
               <a:defRPr sz="2000"/>
             </a:lvl6pPr>
-            <a:lvl7pPr marL="2743200" indent="0">
+            <a:lvl7pPr marL="2743200" lvl="6" indent="0">
               <a:buNone/>
               <a:defRPr sz="2000"/>
             </a:lvl7pPr>
-            <a:lvl8pPr marL="3200400" indent="0">
+            <a:lvl8pPr marL="3200400" lvl="7" indent="0">
               <a:buNone/>
               <a:defRPr sz="2000"/>
             </a:lvl8pPr>
-            <a:lvl9pPr marL="3657600" indent="0">
+            <a:lvl9pPr marL="3657600" lvl="8" indent="0">
               <a:buNone/>
               <a:defRPr sz="2000"/>
             </a:lvl9pPr>
@@ -3284,7 +3334,7 @@
             <a:spLocks noGrp="1"/>
           </p:cNvSpPr>
           <p:nvPr>
-            <p:ph type="body" sz="half" idx="2"/>
+            <p:ph type="body" idx="2"/>
           </p:nvPr>
         </p:nvSpPr>
         <p:spPr>
@@ -3292,43 +3342,46 @@
             <a:off x="839788" y="2057400"/>
             <a:ext cx="3932237" cy="3811588"/>
           </a:xfrm>
+          <a:prstGeom prst="rect">
+            <a:avLst/>
+          </a:prstGeom>
         </p:spPr>
         <p:txBody>
           <a:bodyPr/>
           <a:lstStyle>
-            <a:lvl1pPr marL="0" indent="0">
+            <a:lvl1pPr marL="0" lvl="0" indent="0">
               <a:buNone/>
               <a:defRPr sz="1600"/>
             </a:lvl1pPr>
-            <a:lvl2pPr marL="457200" indent="0">
+            <a:lvl2pPr marL="457200" lvl="1" indent="0">
               <a:buNone/>
               <a:defRPr sz="1400"/>
             </a:lvl2pPr>
-            <a:lvl3pPr marL="914400" indent="0">
+            <a:lvl3pPr marL="914400" lvl="2" indent="0">
               <a:buNone/>
               <a:defRPr sz="1200"/>
             </a:lvl3pPr>
-            <a:lvl4pPr marL="1371600" indent="0">
+            <a:lvl4pPr marL="1371600" lvl="3" indent="0">
               <a:buNone/>
               <a:defRPr sz="1000"/>
             </a:lvl4pPr>
-            <a:lvl5pPr marL="1828800" indent="0">
+            <a:lvl5pPr marL="1828800" lvl="4" indent="0">
               <a:buNone/>
               <a:defRPr sz="1000"/>
             </a:lvl5pPr>
-            <a:lvl6pPr marL="2286000" indent="0">
+            <a:lvl6pPr marL="2286000" lvl="5" indent="0">
               <a:buNone/>
               <a:defRPr sz="1000"/>
             </a:lvl6pPr>
-            <a:lvl7pPr marL="2743200" indent="0">
+            <a:lvl7pPr marL="2743200" lvl="6" indent="0">
               <a:buNone/>
               <a:defRPr sz="1000"/>
             </a:lvl7pPr>
-            <a:lvl8pPr marL="3200400" indent="0">
+            <a:lvl8pPr marL="3200400" lvl="7" indent="0">
               <a:buNone/>
               <a:defRPr sz="1000"/>
             </a:lvl8pPr>
-            <a:lvl9pPr marL="3657600" indent="0">
+            <a:lvl9pPr marL="3657600" lvl="8" indent="0">
               <a:buNone/>
               <a:defRPr sz="1000"/>
             </a:lvl9pPr>
@@ -3349,17 +3402,21 @@
             <a:spLocks noGrp="1"/>
           </p:cNvSpPr>
           <p:nvPr>
-            <p:ph type="dt" sz="half" idx="10"/>
-          </p:nvPr>
-        </p:nvSpPr>
-        <p:spPr/>
+            <p:ph type="dt" idx="10"/>
+          </p:nvPr>
+        </p:nvSpPr>
+        <p:spPr>
+          <a:prstGeom prst="rect">
+            <a:avLst/>
+          </a:prstGeom>
+        </p:spPr>
         <p:txBody>
           <a:bodyPr/>
           <a:lstStyle/>
           <a:p>
-            <a:fld id="{2E8C10CD-CE84-4E2B-BABD-39448864A424}" type="datetimeFigureOut">
-              <a:rPr lang="zh-CN" altLang="en-US" smtClean="0"/>
-              <a:t>2023/11/8</a:t>
+            <a:fld id="{5504CC0D-EE72-4B57-A1D2-9A14A9ED65DF}" type="datetimeFigureOut">
+              <a:rPr lang="zh-CN" altLang="en-US"/>
+              <a:t>2023/11/28</a:t>
             </a:fld>
             <a:endParaRPr lang="zh-CN" altLang="en-US"/>
           </a:p>
@@ -3372,10 +3429,14 @@
             <a:spLocks noGrp="1"/>
           </p:cNvSpPr>
           <p:nvPr>
-            <p:ph type="ftr" sz="quarter" idx="11"/>
-          </p:nvPr>
-        </p:nvSpPr>
-        <p:spPr/>
+            <p:ph type="ftr" idx="11"/>
+          </p:nvPr>
+        </p:nvSpPr>
+        <p:spPr>
+          <a:prstGeom prst="rect">
+            <a:avLst/>
+          </a:prstGeom>
+        </p:spPr>
         <p:txBody>
           <a:bodyPr/>
           <a:lstStyle/>
@@ -3391,16 +3452,20 @@
             <a:spLocks noGrp="1"/>
           </p:cNvSpPr>
           <p:nvPr>
-            <p:ph type="sldNum" sz="quarter" idx="12"/>
-          </p:nvPr>
-        </p:nvSpPr>
-        <p:spPr/>
+            <p:ph type="sldNum" idx="12"/>
+          </p:nvPr>
+        </p:nvSpPr>
+        <p:spPr>
+          <a:prstGeom prst="rect">
+            <a:avLst/>
+          </a:prstGeom>
+        </p:spPr>
         <p:txBody>
           <a:bodyPr/>
           <a:lstStyle/>
           <a:p>
-            <a:fld id="{BEB70648-4C7E-4A21-B8DD-2D1324099071}" type="slidenum">
-              <a:rPr lang="zh-CN" altLang="en-US" smtClean="0"/>
+            <a:fld id="{C1660375-08AD-4BF6-9E6F-B4791615119C}" type="slidenum">
+              <a:rPr lang="zh-CN" altLang="en-US"/>
               <a:t>‹#›</a:t>
             </a:fld>
             <a:endParaRPr lang="zh-CN" altLang="en-US"/>
@@ -3417,16 +3482,23 @@
   <p:clrMapOvr>
     <a:masterClrMapping/>
   </p:clrMapOvr>
+  <p:extLst>
+    <p:ext uri="{DCECCB84-F9BA-43D5-87BE-67443E8EF086}">
+      <p15:sldGuideLst xmlns:p15="http://schemas.microsoft.com/office/powerpoint/2012/main"/>
+    </p:ext>
+  </p:extLst>
 </p:sldLayout>
 </file>
 
 <file path=ppt/slideMasters/slideMaster1.xml><?xml version="1.0" encoding="utf-8"?>
-<p:sldMaster xmlns:a="http://schemas.openxmlformats.org/drawingml/2006/main" xmlns:r="http://schemas.openxmlformats.org/officeDocument/2006/relationships" xmlns:p="http://schemas.openxmlformats.org/presentationml/2006/main">
+<p:sldMaster xmlns:p14="http://schemas.microsoft.com/office/powerpoint/2010/main" xmlns:a="http://schemas.openxmlformats.org/drawingml/2006/main" xmlns:r="http://schemas.openxmlformats.org/officeDocument/2006/relationships" xmlns:p="http://schemas.openxmlformats.org/presentationml/2006/main">
   <p:cSld>
     <p:bg>
-      <p:bgRef idx="1001">
-        <a:schemeClr val="bg1"/>
-      </p:bgRef>
+      <p:bgPr>
+        <a:solidFill>
+          <a:schemeClr val="bg1"/>
+        </a:solidFill>
+      </p:bgPr>
     </p:bg>
     <p:spTree>
       <p:nvGrpSpPr>
@@ -3462,7 +3534,7 @@
           </a:prstGeom>
         </p:spPr>
         <p:txBody>
-          <a:bodyPr vert="horz" lIns="91440" tIns="45720" rIns="91440" bIns="45720" rtlCol="0" anchor="ctr">
+          <a:bodyPr vert="horz" lIns="91440" tIns="45720" rIns="91440" bIns="45720" anchor="ctr">
             <a:normAutofit/>
           </a:bodyPr>
           <a:lstStyle/>
@@ -3494,7 +3566,7 @@
           </a:prstGeom>
         </p:spPr>
         <p:txBody>
-          <a:bodyPr vert="horz" lIns="91440" tIns="45720" rIns="91440" bIns="45720" rtlCol="0">
+          <a:bodyPr vert="horz" lIns="91440" tIns="45720" rIns="91440" bIns="45720">
             <a:normAutofit/>
           </a:bodyPr>
           <a:lstStyle/>
@@ -3542,7 +3614,7 @@
             <a:spLocks noGrp="1"/>
           </p:cNvSpPr>
           <p:nvPr>
-            <p:ph type="dt" sz="half" idx="2"/>
+            <p:ph type="dt" idx="2"/>
           </p:nvPr>
         </p:nvSpPr>
         <p:spPr>
@@ -3555,9 +3627,9 @@
           </a:prstGeom>
         </p:spPr>
         <p:txBody>
-          <a:bodyPr vert="horz" lIns="91440" tIns="45720" rIns="91440" bIns="45720" rtlCol="0" anchor="ctr"/>
+          <a:bodyPr vert="horz" lIns="91440" tIns="45720" rIns="91440" bIns="45720" anchor="ctr"/>
           <a:lstStyle>
-            <a:lvl1pPr algn="l">
+            <a:lvl1pPr lvl="0" algn="l">
               <a:defRPr sz="1200">
                 <a:solidFill>
                   <a:schemeClr val="tx1">
@@ -3568,9 +3640,9 @@
             </a:lvl1pPr>
           </a:lstStyle>
           <a:p>
-            <a:fld id="{2E8C10CD-CE84-4E2B-BABD-39448864A424}" type="datetimeFigureOut">
-              <a:rPr lang="zh-CN" altLang="en-US" smtClean="0"/>
-              <a:t>2023/11/8</a:t>
+            <a:fld id="{4D1BD5CD-81EA-41ED-8DCD-A4A5B31A2C45}" type="datetimeFigureOut">
+              <a:rPr lang="zh-CN" altLang="en-US"/>
+              <a:t>2023/11/28</a:t>
             </a:fld>
             <a:endParaRPr lang="zh-CN" altLang="en-US"/>
           </a:p>
@@ -3583,7 +3655,7 @@
             <a:spLocks noGrp="1"/>
           </p:cNvSpPr>
           <p:nvPr>
-            <p:ph type="ftr" sz="quarter" idx="3"/>
+            <p:ph type="ftr" idx="3"/>
           </p:nvPr>
         </p:nvSpPr>
         <p:spPr>
@@ -3596,9 +3668,9 @@
           </a:prstGeom>
         </p:spPr>
         <p:txBody>
-          <a:bodyPr vert="horz" lIns="91440" tIns="45720" rIns="91440" bIns="45720" rtlCol="0" anchor="ctr"/>
+          <a:bodyPr vert="horz" lIns="91440" tIns="45720" rIns="91440" bIns="45720" anchor="ctr"/>
           <a:lstStyle>
-            <a:lvl1pPr algn="ctr">
+            <a:lvl1pPr lvl="0" algn="ctr">
               <a:defRPr sz="1200">
                 <a:solidFill>
                   <a:schemeClr val="tx1">
@@ -3620,7 +3692,7 @@
             <a:spLocks noGrp="1"/>
           </p:cNvSpPr>
           <p:nvPr>
-            <p:ph type="sldNum" sz="quarter" idx="4"/>
+            <p:ph type="sldNum" idx="4"/>
           </p:nvPr>
         </p:nvSpPr>
         <p:spPr>
@@ -3633,9 +3705,9 @@
           </a:prstGeom>
         </p:spPr>
         <p:txBody>
-          <a:bodyPr vert="horz" lIns="91440" tIns="45720" rIns="91440" bIns="45720" rtlCol="0" anchor="ctr"/>
+          <a:bodyPr vert="horz" lIns="91440" tIns="45720" rIns="91440" bIns="45720" anchor="ctr"/>
           <a:lstStyle>
-            <a:lvl1pPr algn="r">
+            <a:lvl1pPr lvl="0" algn="r">
               <a:defRPr sz="1200">
                 <a:solidFill>
                   <a:schemeClr val="tx1">
@@ -3646,8 +3718,8 @@
             </a:lvl1pPr>
           </a:lstStyle>
           <a:p>
-            <a:fld id="{BEB70648-4C7E-4A21-B8DD-2D1324099071}" type="slidenum">
-              <a:rPr lang="zh-CN" altLang="en-US" smtClean="0"/>
+            <a:fld id="{BB7D8902-EE2E-41D7-9588-74C40FD261D4}" type="slidenum">
+              <a:rPr lang="zh-CN" altLang="en-US"/>
               <a:t>‹#›</a:t>
             </a:fld>
             <a:endParaRPr lang="zh-CN" altLang="en-US"/>
@@ -3665,10 +3737,10 @@
   <p:sldLayoutIdLst>
     <p:sldLayoutId id="2147483649" r:id="rId1"/>
     <p:sldLayoutId id="2147483650" r:id="rId2"/>
-    <p:sldLayoutId id="2147483654" r:id="rId3"/>
-    <p:sldLayoutId id="2147483651" r:id="rId4"/>
-    <p:sldLayoutId id="2147483652" r:id="rId5"/>
-    <p:sldLayoutId id="2147483653" r:id="rId6"/>
+    <p:sldLayoutId id="2147483651" r:id="rId3"/>
+    <p:sldLayoutId id="2147483652" r:id="rId4"/>
+    <p:sldLayoutId id="2147483653" r:id="rId5"/>
+    <p:sldLayoutId id="2147483654" r:id="rId6"/>
     <p:sldLayoutId id="2147483655" r:id="rId7"/>
     <p:sldLayoutId id="2147483656" r:id="rId8"/>
     <p:sldLayoutId id="2147483657" r:id="rId9"/>
@@ -3678,7 +3750,7 @@
   </p:sldLayoutIdLst>
   <p:txStyles>
     <p:titleStyle>
-      <a:lvl1pPr algn="l" defTabSz="914400" rtl="0" eaLnBrk="1" latinLnBrk="0" hangingPunct="1">
+      <a:lvl1pPr lvl="0" algn="l" defTabSz="914400">
         <a:lnSpc>
           <a:spcPct val="90000"/>
         </a:lnSpc>
@@ -3690,277 +3762,260 @@
           <a:solidFill>
             <a:schemeClr val="tx1"/>
           </a:solidFill>
-          <a:latin typeface="+mj-lt"/>
-          <a:ea typeface="+mj-ea"/>
-          <a:cs typeface="+mj-cs"/>
+          <a:latin typeface="Arial"/>
+          <a:ea typeface="微软雅黑"/>
         </a:defRPr>
       </a:lvl1pPr>
     </p:titleStyle>
     <p:bodyStyle>
-      <a:lvl1pPr marL="228600" indent="-228600" algn="l" defTabSz="914400" rtl="0" eaLnBrk="1" latinLnBrk="0" hangingPunct="1">
+      <a:lvl1pPr marL="228600" lvl="0" indent="-228600" algn="l" defTabSz="914400">
         <a:lnSpc>
           <a:spcPct val="90000"/>
         </a:lnSpc>
         <a:spcBef>
           <a:spcPts val="1000"/>
         </a:spcBef>
-        <a:buFont typeface="Arial" panose="020B0604020202020204" pitchFamily="34" charset="0"/>
+        <a:buFont typeface="Arial" charset="0"/>
         <a:buChar char="•"/>
         <a:defRPr sz="2800" kern="1200">
           <a:solidFill>
             <a:schemeClr val="tx1"/>
           </a:solidFill>
-          <a:latin typeface="+mn-lt"/>
-          <a:ea typeface="+mn-ea"/>
-          <a:cs typeface="+mn-cs"/>
+          <a:latin typeface="Arial"/>
+          <a:ea typeface="微软雅黑"/>
         </a:defRPr>
       </a:lvl1pPr>
-      <a:lvl2pPr marL="685800" indent="-228600" algn="l" defTabSz="914400" rtl="0" eaLnBrk="1" latinLnBrk="0" hangingPunct="1">
+      <a:lvl2pPr marL="685800" lvl="1" indent="-228600" algn="l" defTabSz="914400">
         <a:lnSpc>
           <a:spcPct val="90000"/>
         </a:lnSpc>
         <a:spcBef>
           <a:spcPts val="500"/>
         </a:spcBef>
-        <a:buFont typeface="Arial" panose="020B0604020202020204" pitchFamily="34" charset="0"/>
+        <a:buFont typeface="Arial" charset="0"/>
         <a:buChar char="•"/>
         <a:defRPr sz="2400" kern="1200">
           <a:solidFill>
             <a:schemeClr val="tx1"/>
           </a:solidFill>
-          <a:latin typeface="+mn-lt"/>
-          <a:ea typeface="+mn-ea"/>
-          <a:cs typeface="+mn-cs"/>
+          <a:latin typeface="Arial"/>
+          <a:ea typeface="微软雅黑"/>
         </a:defRPr>
       </a:lvl2pPr>
-      <a:lvl3pPr marL="1143000" indent="-228600" algn="l" defTabSz="914400" rtl="0" eaLnBrk="1" latinLnBrk="0" hangingPunct="1">
+      <a:lvl3pPr marL="1143000" lvl="2" indent="-228600" algn="l" defTabSz="914400">
         <a:lnSpc>
           <a:spcPct val="90000"/>
         </a:lnSpc>
         <a:spcBef>
           <a:spcPts val="500"/>
         </a:spcBef>
-        <a:buFont typeface="Arial" panose="020B0604020202020204" pitchFamily="34" charset="0"/>
+        <a:buFont typeface="Arial" charset="0"/>
         <a:buChar char="•"/>
         <a:defRPr sz="2000" kern="1200">
           <a:solidFill>
             <a:schemeClr val="tx1"/>
           </a:solidFill>
-          <a:latin typeface="+mn-lt"/>
-          <a:ea typeface="+mn-ea"/>
-          <a:cs typeface="+mn-cs"/>
+          <a:latin typeface="Arial"/>
+          <a:ea typeface="微软雅黑"/>
         </a:defRPr>
       </a:lvl3pPr>
-      <a:lvl4pPr marL="1600200" indent="-228600" algn="l" defTabSz="914400" rtl="0" eaLnBrk="1" latinLnBrk="0" hangingPunct="1">
+      <a:lvl4pPr marL="1600200" lvl="3" indent="-228600" algn="l" defTabSz="914400">
         <a:lnSpc>
           <a:spcPct val="90000"/>
         </a:lnSpc>
         <a:spcBef>
           <a:spcPts val="500"/>
         </a:spcBef>
-        <a:buFont typeface="Arial" panose="020B0604020202020204" pitchFamily="34" charset="0"/>
+        <a:buFont typeface="Arial" charset="0"/>
         <a:buChar char="•"/>
         <a:defRPr sz="1800" kern="1200">
           <a:solidFill>
             <a:schemeClr val="tx1"/>
           </a:solidFill>
-          <a:latin typeface="+mn-lt"/>
-          <a:ea typeface="+mn-ea"/>
-          <a:cs typeface="+mn-cs"/>
+          <a:latin typeface="Arial"/>
+          <a:ea typeface="微软雅黑"/>
         </a:defRPr>
       </a:lvl4pPr>
-      <a:lvl5pPr marL="2057400" indent="-228600" algn="l" defTabSz="914400" rtl="0" eaLnBrk="1" latinLnBrk="0" hangingPunct="1">
+      <a:lvl5pPr marL="2057400" lvl="4" indent="-228600" algn="l" defTabSz="914400">
         <a:lnSpc>
           <a:spcPct val="90000"/>
         </a:lnSpc>
         <a:spcBef>
           <a:spcPts val="500"/>
         </a:spcBef>
-        <a:buFont typeface="Arial" panose="020B0604020202020204" pitchFamily="34" charset="0"/>
+        <a:buFont typeface="Arial" charset="0"/>
         <a:buChar char="•"/>
         <a:defRPr sz="1800" kern="1200">
           <a:solidFill>
             <a:schemeClr val="tx1"/>
           </a:solidFill>
-          <a:latin typeface="+mn-lt"/>
-          <a:ea typeface="+mn-ea"/>
-          <a:cs typeface="+mn-cs"/>
+          <a:latin typeface="Arial"/>
+          <a:ea typeface="微软雅黑"/>
         </a:defRPr>
       </a:lvl5pPr>
-      <a:lvl6pPr marL="2514600" indent="-228600" algn="l" defTabSz="914400" rtl="0" eaLnBrk="1" latinLnBrk="0" hangingPunct="1">
+      <a:lvl6pPr marL="2514600" lvl="5" indent="-228600" algn="l" defTabSz="914400">
         <a:lnSpc>
           <a:spcPct val="90000"/>
         </a:lnSpc>
         <a:spcBef>
           <a:spcPts val="500"/>
         </a:spcBef>
-        <a:buFont typeface="Arial" panose="020B0604020202020204" pitchFamily="34" charset="0"/>
+        <a:buFont typeface="Arial" charset="0"/>
         <a:buChar char="•"/>
         <a:defRPr sz="1800" kern="1200">
           <a:solidFill>
             <a:schemeClr val="tx1"/>
           </a:solidFill>
-          <a:latin typeface="+mn-lt"/>
-          <a:ea typeface="+mn-ea"/>
-          <a:cs typeface="+mn-cs"/>
+          <a:latin typeface="Arial"/>
+          <a:ea typeface="微软雅黑"/>
         </a:defRPr>
       </a:lvl6pPr>
-      <a:lvl7pPr marL="2971800" indent="-228600" algn="l" defTabSz="914400" rtl="0" eaLnBrk="1" latinLnBrk="0" hangingPunct="1">
+      <a:lvl7pPr marL="2971800" lvl="6" indent="-228600" algn="l" defTabSz="914400">
         <a:lnSpc>
           <a:spcPct val="90000"/>
         </a:lnSpc>
         <a:spcBef>
           <a:spcPts val="500"/>
         </a:spcBef>
-        <a:buFont typeface="Arial" panose="020B0604020202020204" pitchFamily="34" charset="0"/>
+        <a:buFont typeface="Arial" charset="0"/>
         <a:buChar char="•"/>
         <a:defRPr sz="1800" kern="1200">
           <a:solidFill>
             <a:schemeClr val="tx1"/>
           </a:solidFill>
-          <a:latin typeface="+mn-lt"/>
-          <a:ea typeface="+mn-ea"/>
-          <a:cs typeface="+mn-cs"/>
+          <a:latin typeface="Arial"/>
+          <a:ea typeface="微软雅黑"/>
         </a:defRPr>
       </a:lvl7pPr>
-      <a:lvl8pPr marL="3429000" indent="-228600" algn="l" defTabSz="914400" rtl="0" eaLnBrk="1" latinLnBrk="0" hangingPunct="1">
+      <a:lvl8pPr marL="3429000" lvl="7" indent="-228600" algn="l" defTabSz="914400">
         <a:lnSpc>
           <a:spcPct val="90000"/>
         </a:lnSpc>
         <a:spcBef>
           <a:spcPts val="500"/>
         </a:spcBef>
-        <a:buFont typeface="Arial" panose="020B0604020202020204" pitchFamily="34" charset="0"/>
+        <a:buFont typeface="Arial" charset="0"/>
         <a:buChar char="•"/>
         <a:defRPr sz="1800" kern="1200">
           <a:solidFill>
             <a:schemeClr val="tx1"/>
           </a:solidFill>
-          <a:latin typeface="+mn-lt"/>
-          <a:ea typeface="+mn-ea"/>
-          <a:cs typeface="+mn-cs"/>
+          <a:latin typeface="Arial"/>
+          <a:ea typeface="微软雅黑"/>
         </a:defRPr>
       </a:lvl8pPr>
-      <a:lvl9pPr marL="3886200" indent="-228600" algn="l" defTabSz="914400" rtl="0" eaLnBrk="1" latinLnBrk="0" hangingPunct="1">
+      <a:lvl9pPr marL="3886200" lvl="8" indent="-228600" algn="l" defTabSz="914400">
         <a:lnSpc>
           <a:spcPct val="90000"/>
         </a:lnSpc>
         <a:spcBef>
           <a:spcPts val="500"/>
         </a:spcBef>
-        <a:buFont typeface="Arial" panose="020B0604020202020204" pitchFamily="34" charset="0"/>
+        <a:buFont typeface="Arial" charset="0"/>
         <a:buChar char="•"/>
         <a:defRPr sz="1800" kern="1200">
           <a:solidFill>
             <a:schemeClr val="tx1"/>
           </a:solidFill>
-          <a:latin typeface="+mn-lt"/>
-          <a:ea typeface="+mn-ea"/>
-          <a:cs typeface="+mn-cs"/>
+          <a:latin typeface="Arial"/>
+          <a:ea typeface="微软雅黑"/>
         </a:defRPr>
       </a:lvl9pPr>
     </p:bodyStyle>
     <p:otherStyle>
-      <a:defPPr>
-        <a:defRPr lang="zh-CN"/>
-      </a:defPPr>
-      <a:lvl1pPr marL="0" algn="l" defTabSz="914400" rtl="0" eaLnBrk="1" latinLnBrk="0" hangingPunct="1">
+      <a:lvl1pPr marL="0" lvl="0" algn="l" defTabSz="914400">
         <a:defRPr sz="1800" kern="1200">
           <a:solidFill>
             <a:schemeClr val="tx1"/>
           </a:solidFill>
-          <a:latin typeface="+mn-lt"/>
-          <a:ea typeface="+mn-ea"/>
-          <a:cs typeface="+mn-cs"/>
+          <a:latin typeface="Arial"/>
+          <a:ea typeface="微软雅黑"/>
         </a:defRPr>
       </a:lvl1pPr>
-      <a:lvl2pPr marL="457200" algn="l" defTabSz="914400" rtl="0" eaLnBrk="1" latinLnBrk="0" hangingPunct="1">
+      <a:lvl2pPr marL="457200" lvl="1" algn="l" defTabSz="914400">
         <a:defRPr sz="1800" kern="1200">
           <a:solidFill>
             <a:schemeClr val="tx1"/>
           </a:solidFill>
-          <a:latin typeface="+mn-lt"/>
-          <a:ea typeface="+mn-ea"/>
-          <a:cs typeface="+mn-cs"/>
+          <a:latin typeface="Arial"/>
+          <a:ea typeface="微软雅黑"/>
         </a:defRPr>
       </a:lvl2pPr>
-      <a:lvl3pPr marL="914400" algn="l" defTabSz="914400" rtl="0" eaLnBrk="1" latinLnBrk="0" hangingPunct="1">
+      <a:lvl3pPr marL="914400" lvl="2" algn="l" defTabSz="914400">
         <a:defRPr sz="1800" kern="1200">
           <a:solidFill>
             <a:schemeClr val="tx1"/>
           </a:solidFill>
-          <a:latin typeface="+mn-lt"/>
-          <a:ea typeface="+mn-ea"/>
-          <a:cs typeface="+mn-cs"/>
+          <a:latin typeface="Arial"/>
+          <a:ea typeface="微软雅黑"/>
         </a:defRPr>
       </a:lvl3pPr>
-      <a:lvl4pPr marL="1371600" algn="l" defTabSz="914400" rtl="0" eaLnBrk="1" latinLnBrk="0" hangingPunct="1">
+      <a:lvl4pPr marL="1371600" lvl="3" algn="l" defTabSz="914400">
         <a:defRPr sz="1800" kern="1200">
           <a:solidFill>
             <a:schemeClr val="tx1"/>
           </a:solidFill>
-          <a:latin typeface="+mn-lt"/>
-          <a:ea typeface="+mn-ea"/>
-          <a:cs typeface="+mn-cs"/>
+          <a:latin typeface="Arial"/>
+          <a:ea typeface="微软雅黑"/>
         </a:defRPr>
       </a:lvl4pPr>
-      <a:lvl5pPr marL="1828800" algn="l" defTabSz="914400" rtl="0" eaLnBrk="1" latinLnBrk="0" hangingPunct="1">
+      <a:lvl5pPr marL="1828800" lvl="4" algn="l" defTabSz="914400">
         <a:defRPr sz="1800" kern="1200">
           <a:solidFill>
             <a:schemeClr val="tx1"/>
           </a:solidFill>
-          <a:latin typeface="+mn-lt"/>
-          <a:ea typeface="+mn-ea"/>
-          <a:cs typeface="+mn-cs"/>
+          <a:latin typeface="Arial"/>
+          <a:ea typeface="微软雅黑"/>
         </a:defRPr>
       </a:lvl5pPr>
-      <a:lvl6pPr marL="2286000" algn="l" defTabSz="914400" rtl="0" eaLnBrk="1" latinLnBrk="0" hangingPunct="1">
+      <a:lvl6pPr marL="2286000" lvl="5" algn="l" defTabSz="914400">
         <a:defRPr sz="1800" kern="1200">
           <a:solidFill>
             <a:schemeClr val="tx1"/>
           </a:solidFill>
-          <a:latin typeface="+mn-lt"/>
-          <a:ea typeface="+mn-ea"/>
-          <a:cs typeface="+mn-cs"/>
+          <a:latin typeface="Arial"/>
+          <a:ea typeface="微软雅黑"/>
         </a:defRPr>
       </a:lvl6pPr>
-      <a:lvl7pPr marL="2743200" algn="l" defTabSz="914400" rtl="0" eaLnBrk="1" latinLnBrk="0" hangingPunct="1">
+      <a:lvl7pPr marL="2743200" lvl="6" algn="l" defTabSz="914400">
         <a:defRPr sz="1800" kern="1200">
           <a:solidFill>
             <a:schemeClr val="tx1"/>
           </a:solidFill>
-          <a:latin typeface="+mn-lt"/>
-          <a:ea typeface="+mn-ea"/>
-          <a:cs typeface="+mn-cs"/>
+          <a:latin typeface="Arial"/>
+          <a:ea typeface="微软雅黑"/>
         </a:defRPr>
       </a:lvl7pPr>
-      <a:lvl8pPr marL="3200400" algn="l" defTabSz="914400" rtl="0" eaLnBrk="1" latinLnBrk="0" hangingPunct="1">
+      <a:lvl8pPr marL="3200400" lvl="7" algn="l" defTabSz="914400">
         <a:defRPr sz="1800" kern="1200">
           <a:solidFill>
             <a:schemeClr val="tx1"/>
           </a:solidFill>
-          <a:latin typeface="+mn-lt"/>
-          <a:ea typeface="+mn-ea"/>
-          <a:cs typeface="+mn-cs"/>
+          <a:latin typeface="Arial"/>
+          <a:ea typeface="微软雅黑"/>
         </a:defRPr>
       </a:lvl8pPr>
-      <a:lvl9pPr marL="3657600" algn="l" defTabSz="914400" rtl="0" eaLnBrk="1" latinLnBrk="0" hangingPunct="1">
+      <a:lvl9pPr marL="3657600" lvl="8" algn="l" defTabSz="914400">
         <a:defRPr sz="1800" kern="1200">
           <a:solidFill>
             <a:schemeClr val="tx1"/>
           </a:solidFill>
-          <a:latin typeface="+mn-lt"/>
-          <a:ea typeface="+mn-ea"/>
-          <a:cs typeface="+mn-cs"/>
+          <a:latin typeface="Arial"/>
+          <a:ea typeface="微软雅黑"/>
         </a:defRPr>
       </a:lvl9pPr>
     </p:otherStyle>
   </p:txStyles>
+  <p:extLst>
+    <p:ext uri="{27BBF7A9-308A-43DC-89C8-2F10F3537804}">
+      <p15:sldGuideLst xmlns:p15="http://schemas.microsoft.com/office/powerpoint/2012/main"/>
+    </p:ext>
+  </p:extLst>
 </p:sldMaster>
 </file>
 
 <file path=ppt/slides/slide1.xml><?xml version="1.0" encoding="utf-8"?>
-<p:sld xmlns:a="http://schemas.openxmlformats.org/drawingml/2006/main" xmlns:r="http://schemas.openxmlformats.org/officeDocument/2006/relationships" xmlns:p="http://schemas.openxmlformats.org/presentationml/2006/main">
+<p:sld xmlns:a14="http://schemas.microsoft.com/office/drawing/2010/main" xmlns:p14="http://schemas.microsoft.com/office/powerpoint/2010/main" xmlns:a="http://schemas.openxmlformats.org/drawingml/2006/main" xmlns:r="http://schemas.openxmlformats.org/officeDocument/2006/relationships" xmlns:p="http://schemas.openxmlformats.org/presentationml/2006/main">
   <p:cSld>
     <p:spTree>
       <p:nvGrpSpPr>
@@ -3985,19 +4040,13 @@
           <p:nvPr/>
         </p:nvPicPr>
         <p:blipFill>
-          <a:blip r:embed="rId4" cstate="screen">
-            <a:extLst>
-              <a:ext uri="{28A0092B-C50C-407E-A947-70E740481C1C}">
-                <a14:useLocalDpi xmlns:a14="http://schemas.microsoft.com/office/drawing/2010/main"/>
-              </a:ext>
-            </a:extLst>
-          </a:blip>
+          <a:blip r:embed="rId3" cstate="screen"/>
           <a:srcRect/>
           <a:stretch>
             <a:fillRect/>
           </a:stretch>
         </p:blipFill>
-        <p:spPr bwMode="auto">
+        <p:spPr>
           <a:xfrm>
             <a:off x="551383" y="476672"/>
             <a:ext cx="4286912" cy="900000"/>
@@ -4010,13 +4059,7 @@
             <a:noFill/>
           </a:ln>
           <a:extLst>
-            <a:ext uri="{909E8E84-426E-40DD-AFC4-6F175D3DCCD1}">
-              <a14:hiddenFill xmlns:a14="http://schemas.microsoft.com/office/drawing/2010/main">
-                <a:solidFill>
-                  <a:srgbClr val="FFFFFF"/>
-                </a:solidFill>
-              </a14:hiddenFill>
-            </a:ext>
+            <a:ext uri="{909E8E84-426E-40DD-AFC4-6F175D3DCCD1}"/>
             <a:ext uri="{91240B29-F687-4F45-9708-019B960494DF}">
               <a14:hiddenLine xmlns:a14="http://schemas.microsoft.com/office/drawing/2010/main" w="9525">
                 <a:solidFill>
@@ -4040,34 +4083,38 @@
             <p:ph type="subTitle" idx="1"/>
           </p:nvPr>
         </p:nvSpPr>
-        <p:spPr/>
+        <p:spPr>
+          <a:prstGeom prst="rect">
+            <a:avLst/>
+          </a:prstGeom>
+        </p:spPr>
         <p:txBody>
           <a:bodyPr/>
           <a:lstStyle/>
           <a:p>
             <a:r>
-              <a:rPr lang="en-US" altLang="zh-CN" dirty="0"/>
+              <a:rPr lang="en-US" altLang="zh-CN"/>
               <a:t>Group 2</a:t>
             </a:r>
           </a:p>
           <a:p>
             <a:r>
-              <a:rPr lang="zh-CN" altLang="en-US" dirty="0"/>
+              <a:rPr lang="zh-CN" altLang="en-US"/>
               <a:t>朱美霖 赵云泽 </a:t>
             </a:r>
             <a:r>
-              <a:rPr lang="zh-CN" altLang="en-CN" dirty="0"/>
+              <a:rPr lang="zh-CN" altLang="en-CN"/>
               <a:t>李科言</a:t>
             </a:r>
             <a:r>
-              <a:rPr lang="zh-CN" altLang="en-US" dirty="0"/>
+              <a:rPr lang="zh-CN" altLang="en-US"/>
               <a:t> </a:t>
             </a:r>
             <a:r>
-              <a:rPr lang="zh-CN" altLang="en-CN" dirty="0"/>
+              <a:rPr lang="zh-CN" altLang="en-CN"/>
               <a:t>刘港澳</a:t>
             </a:r>
-            <a:endParaRPr lang="zh-CN" altLang="en-US" dirty="0"/>
+            <a:endParaRPr lang="zh-CN" altLang="en-US"/>
           </a:p>
         </p:txBody>
       </p:sp>
@@ -4108,56 +4155,27 @@
               <a:noFill/>
             </a:ln>
           </p:spPr>
-          <p:style>
-            <a:lnRef idx="2">
-              <a:schemeClr val="accent1">
-                <a:shade val="50000"/>
-              </a:schemeClr>
-            </a:lnRef>
-            <a:fillRef idx="1">
-              <a:schemeClr val="accent1"/>
-            </a:fillRef>
-            <a:effectRef idx="0">
-              <a:schemeClr val="accent1"/>
-            </a:effectRef>
-            <a:fontRef idx="minor">
-              <a:schemeClr val="lt1"/>
-            </a:fontRef>
-          </p:style>
           <p:txBody>
-            <a:bodyPr rtlCol="0" anchor="ctr"/>
+            <a:bodyPr anchor="ctr"/>
             <a:lstStyle/>
             <a:p>
-              <a:pPr algn="ctr"/>
+              <a:pPr lvl="0" algn="ctr"/>
               <a:r>
-                <a:rPr lang="en-US" altLang="zh-CN" sz="2800" dirty="0">
+                <a:rPr lang="en-US" altLang="en-US" sz="2800">
                   <a:solidFill>
-                    <a:schemeClr val="tx1"/>
+                    <a:srgbClr val="000000"/>
                   </a:solidFill>
                 </a:rPr>
-                <a:t>CLIP-based Image Semantic Search</a:t>
+                <a:t>EmojiSeeker</a:t>
               </a:r>
               <a:r>
-                <a:rPr lang="zh-CN" altLang="en-US" sz="2800">
+                <a:rPr lang="zh-CN" altLang="zh-CN" sz="2800">
                   <a:solidFill>
-                    <a:schemeClr val="tx1"/>
+                    <a:srgbClr val="000000"/>
                   </a:solidFill>
                 </a:rPr>
-                <a:t> </a:t>
+                <a:t>：快速搜表情，轻松聊不停！</a:t>
               </a:r>
-              <a:r>
-                <a:rPr lang="en-US" altLang="zh-CN" sz="2800">
-                  <a:solidFill>
-                    <a:schemeClr val="tx1"/>
-                  </a:solidFill>
-                </a:rPr>
-                <a:t>Engine</a:t>
-              </a:r>
-              <a:endParaRPr lang="zh-CN" altLang="en-US" sz="2800" dirty="0">
-                <a:solidFill>
-                  <a:schemeClr val="tx1"/>
-                </a:solidFill>
-              </a:endParaRPr>
             </a:p>
           </p:txBody>
         </p:sp>
@@ -4207,22 +4225,10 @@
                   <a:solidFill>
                     <a:schemeClr val="accent3"/>
                   </a:solidFill>
+                  <a:prstDash val="solid"/>
+                  <a:miter/>
                 </a:ln>
               </p:spPr>
-              <p:style>
-                <a:lnRef idx="1">
-                  <a:schemeClr val="accent1"/>
-                </a:lnRef>
-                <a:fillRef idx="0">
-                  <a:schemeClr val="accent1"/>
-                </a:fillRef>
-                <a:effectRef idx="0">
-                  <a:schemeClr val="accent1"/>
-                </a:effectRef>
-                <a:fontRef idx="minor">
-                  <a:schemeClr val="tx1"/>
-                </a:fontRef>
-              </p:style>
             </p:cxnSp>
             <p:cxnSp>
               <p:nvCxnSpPr>
@@ -4242,22 +4248,10 @@
                   <a:solidFill>
                     <a:schemeClr val="accent3"/>
                   </a:solidFill>
+                  <a:prstDash val="solid"/>
+                  <a:miter/>
                 </a:ln>
               </p:spPr>
-              <p:style>
-                <a:lnRef idx="1">
-                  <a:schemeClr val="accent1"/>
-                </a:lnRef>
-                <a:fillRef idx="0">
-                  <a:schemeClr val="accent1"/>
-                </a:fillRef>
-                <a:effectRef idx="0">
-                  <a:schemeClr val="accent1"/>
-                </a:effectRef>
-                <a:fontRef idx="minor">
-                  <a:schemeClr val="tx1"/>
-                </a:fontRef>
-              </p:style>
             </p:cxnSp>
           </p:grpSp>
           <p:grpSp>
@@ -4292,22 +4286,10 @@
                   <a:solidFill>
                     <a:schemeClr val="accent3"/>
                   </a:solidFill>
+                  <a:prstDash val="solid"/>
+                  <a:miter/>
                 </a:ln>
               </p:spPr>
-              <p:style>
-                <a:lnRef idx="1">
-                  <a:schemeClr val="accent1"/>
-                </a:lnRef>
-                <a:fillRef idx="0">
-                  <a:schemeClr val="accent1"/>
-                </a:fillRef>
-                <a:effectRef idx="0">
-                  <a:schemeClr val="accent1"/>
-                </a:effectRef>
-                <a:fontRef idx="minor">
-                  <a:schemeClr val="tx1"/>
-                </a:fontRef>
-              </p:style>
             </p:cxnSp>
             <p:cxnSp>
               <p:nvCxnSpPr>
@@ -4327,22 +4309,10 @@
                   <a:solidFill>
                     <a:schemeClr val="accent3"/>
                   </a:solidFill>
+                  <a:prstDash val="solid"/>
+                  <a:miter/>
                 </a:ln>
               </p:spPr>
-              <p:style>
-                <a:lnRef idx="1">
-                  <a:schemeClr val="accent1"/>
-                </a:lnRef>
-                <a:fillRef idx="0">
-                  <a:schemeClr val="accent1"/>
-                </a:fillRef>
-                <a:effectRef idx="0">
-                  <a:schemeClr val="accent1"/>
-                </a:effectRef>
-                <a:fontRef idx="minor">
-                  <a:schemeClr val="tx1"/>
-                </a:fontRef>
-              </p:style>
             </p:cxnSp>
           </p:grpSp>
         </p:grpSp>
@@ -4361,7 +4331,7 @@
 </file>
 
 <file path=ppt/slides/slide2.xml><?xml version="1.0" encoding="utf-8"?>
-<p:sld xmlns:a="http://schemas.openxmlformats.org/drawingml/2006/main" xmlns:r="http://schemas.openxmlformats.org/officeDocument/2006/relationships" xmlns:p="http://schemas.openxmlformats.org/presentationml/2006/main">
+<p:sld xmlns:a14="http://schemas.microsoft.com/office/drawing/2010/main" xmlns:p14="http://schemas.microsoft.com/office/powerpoint/2010/main" xmlns:mc="http://schemas.openxmlformats.org/markup-compatibility/2006" xmlns:p15="http://schemas.microsoft.com/office/powerpoint/2012/main" xmlns:a="http://schemas.openxmlformats.org/drawingml/2006/main" xmlns:r="http://schemas.openxmlformats.org/officeDocument/2006/relationships" xmlns:p="http://schemas.openxmlformats.org/presentationml/2006/main">
   <p:cSld>
     <p:spTree>
       <p:nvGrpSpPr>
@@ -4383,7 +4353,7 @@
           <p:cNvSpPr txBox="1"/>
           <p:nvPr>
             <p:custDataLst>
-              <p:tags r:id="rId2"/>
+              <p:tags r:id="rId1"/>
             </p:custDataLst>
           </p:nvPr>
         </p:nvSpPr>
@@ -4398,12 +4368,12 @@
           <a:noFill/>
         </p:spPr>
         <p:txBody>
-          <a:bodyPr vert="eaVert" wrap="square" lIns="0" tIns="0" rIns="0" bIns="0" rtlCol="0" anchor="ctr" anchorCtr="0">
+          <a:bodyPr vert="eaVert" wrap="square" lIns="0" tIns="0" rIns="0" bIns="0" anchor="ctr" anchorCtr="0">
             <a:spAutoFit/>
           </a:bodyPr>
           <a:lstStyle/>
           <a:p>
-            <a:pPr algn="ctr" defTabSz="866943" fontAlgn="base">
+            <a:pPr algn="ctr" defTabSz="866943">
               <a:spcBef>
                 <a:spcPct val="0"/>
               </a:spcBef>
@@ -4412,16 +4382,15 @@
               </a:spcAft>
             </a:pPr>
             <a:r>
-              <a:rPr lang="zh-CN" altLang="en-US" sz="10903" b="1" dirty="0">
+              <a:rPr lang="zh-CN" altLang="en-US" sz="10903" b="1">
                 <a:solidFill>
                   <a:srgbClr val="000000">
                     <a:lumMod val="50000"/>
                     <a:lumOff val="50000"/>
                   </a:srgbClr>
                 </a:solidFill>
-                <a:latin typeface="Arial" panose="020B0604020202020204" pitchFamily="34" charset="0"/>
-                <a:ea typeface="微软雅黑" panose="020B0503020204020204" pitchFamily="34" charset="-122"/>
-                <a:sym typeface="Arial" panose="020B0604020202020204" pitchFamily="34" charset="0"/>
+                <a:latin typeface="Arial"/>
+                <a:ea typeface="微软雅黑"/>
               </a:rPr>
               <a:t>目录</a:t>
             </a:r>
@@ -4434,7 +4403,7 @@
           <p:cNvSpPr txBox="1"/>
           <p:nvPr>
             <p:custDataLst>
-              <p:tags r:id="rId3"/>
+              <p:tags r:id="rId2"/>
             </p:custDataLst>
           </p:nvPr>
         </p:nvSpPr>
@@ -4454,7 +4423,7 @@
           </a:bodyPr>
           <a:lstStyle/>
           <a:p>
-            <a:pPr algn="ctr" defTabSz="866943" fontAlgn="base">
+            <a:pPr algn="ctr" defTabSz="866943">
               <a:spcBef>
                 <a:spcPct val="0"/>
               </a:spcBef>
@@ -4464,29 +4433,27 @@
               <a:defRPr/>
             </a:pPr>
             <a:r>
-              <a:rPr lang="en-US" altLang="zh-CN" sz="4172" b="1" dirty="0">
+              <a:rPr lang="en-US" altLang="zh-CN" sz="4172" b="1">
                 <a:solidFill>
                   <a:srgbClr val="000000">
                     <a:lumMod val="50000"/>
                     <a:lumOff val="50000"/>
                   </a:srgbClr>
                 </a:solidFill>
-                <a:latin typeface="Arial" panose="020B0604020202020204" pitchFamily="34" charset="0"/>
-                <a:ea typeface="微软雅黑" panose="020B0503020204020204" pitchFamily="34" charset="-122"/>
-                <a:sym typeface="Arial" panose="020B0604020202020204" pitchFamily="34" charset="0"/>
+                <a:latin typeface="Arial"/>
+                <a:ea typeface="微软雅黑"/>
               </a:rPr>
               <a:t>CONTENTS</a:t>
             </a:r>
-            <a:endParaRPr lang="zh-CN" altLang="en-US" sz="4172" b="1" dirty="0">
+            <a:endParaRPr lang="zh-CN" altLang="en-US" sz="4172" b="1">
               <a:solidFill>
                 <a:srgbClr val="000000">
                   <a:lumMod val="50000"/>
                   <a:lumOff val="50000"/>
                 </a:srgbClr>
               </a:solidFill>
-              <a:latin typeface="Arial" panose="020B0604020202020204" pitchFamily="34" charset="0"/>
-              <a:ea typeface="微软雅黑" panose="020B0503020204020204" pitchFamily="34" charset="-122"/>
-              <a:sym typeface="Arial" panose="020B0604020202020204" pitchFamily="34" charset="0"/>
+              <a:latin typeface="Arial"/>
+              <a:ea typeface="微软雅黑"/>
             </a:endParaRPr>
           </a:p>
         </p:txBody>
@@ -4497,7 +4464,7 @@
           <p:cNvSpPr/>
           <p:nvPr>
             <p:custDataLst>
-              <p:tags r:id="rId4"/>
+              <p:tags r:id="rId3"/>
             </p:custDataLst>
           </p:nvPr>
         </p:nvSpPr>
@@ -4512,33 +4479,15 @@
           <a:solidFill>
             <a:schemeClr val="accent1"/>
           </a:solidFill>
-          <a:ln w="3175">
+          <a:ln>
             <a:noFill/>
           </a:ln>
         </p:spPr>
-        <p:style>
-          <a:lnRef idx="2">
-            <a:schemeClr val="accent1">
-              <a:shade val="50000"/>
-            </a:schemeClr>
-          </a:lnRef>
-          <a:fillRef idx="1">
-            <a:schemeClr val="accent1"/>
-          </a:fillRef>
-          <a:effectRef idx="0">
-            <a:schemeClr val="accent1"/>
-          </a:effectRef>
-          <a:fontRef idx="minor">
-            <a:schemeClr val="lt1"/>
-          </a:fontRef>
-        </p:style>
-        <p:txBody>
-          <a:bodyPr wrap="square" lIns="0" tIns="0" rIns="0" bIns="0" rtlCol="0" anchor="ctr">
-            <a:noAutofit/>
-          </a:bodyPr>
+        <p:txBody>
+          <a:bodyPr wrap="square" lIns="0" tIns="0" rIns="0" bIns="0" anchor="ctr"/>
           <a:lstStyle/>
           <a:p>
-            <a:pPr algn="ctr" defTabSz="866943" fontAlgn="base">
+            <a:pPr algn="ctr" defTabSz="866943">
               <a:spcBef>
                 <a:spcPct val="0"/>
               </a:spcBef>
@@ -4547,25 +4496,21 @@
               </a:spcAft>
             </a:pPr>
             <a:r>
-              <a:rPr lang="en-US" altLang="zh-CN" sz="2800" dirty="0">
+              <a:rPr lang="en-US" altLang="zh-CN" sz="2800">
                 <a:solidFill>
                   <a:srgbClr val="FFFFFF"/>
                 </a:solidFill>
-                <a:latin typeface="Impact" panose="020B0806030902050204" pitchFamily="34" charset="0"/>
-                <a:ea typeface="微软雅黑" panose="020B0503020204020204" pitchFamily="34" charset="-122"/>
-                <a:cs typeface="Times New Roman" panose="02020603050405020304" pitchFamily="18" charset="0"/>
-                <a:sym typeface="Arial" panose="020B0604020202020204" pitchFamily="34" charset="0"/>
+                <a:latin typeface="Impact"/>
+                <a:ea typeface="微软雅黑"/>
               </a:rPr>
               <a:t>1</a:t>
             </a:r>
-            <a:endParaRPr lang="zh-CN" altLang="en-US" sz="2800" dirty="0">
+            <a:endParaRPr lang="zh-CN" altLang="en-US" sz="2800">
               <a:solidFill>
                 <a:srgbClr val="FFFFFF"/>
               </a:solidFill>
-              <a:latin typeface="Impact" panose="020B0806030902050204" pitchFamily="34" charset="0"/>
-              <a:ea typeface="微软雅黑" panose="020B0503020204020204" pitchFamily="34" charset="-122"/>
-              <a:cs typeface="Times New Roman" panose="02020603050405020304" pitchFamily="18" charset="0"/>
-              <a:sym typeface="Arial" panose="020B0604020202020204" pitchFamily="34" charset="0"/>
+              <a:latin typeface="Impact"/>
+              <a:ea typeface="微软雅黑"/>
             </a:endParaRPr>
           </a:p>
         </p:txBody>
@@ -4576,7 +4521,7 @@
           <p:cNvSpPr/>
           <p:nvPr>
             <p:custDataLst>
-              <p:tags r:id="rId5"/>
+              <p:tags r:id="rId4"/>
             </p:custDataLst>
           </p:nvPr>
         </p:nvSpPr>
@@ -4720,22 +4665,22 @@
             </a:cxnLst>
             <a:rect l="l" t="t" r="r" b="b"/>
             <a:pathLst>
-              <a:path w="2520280" h="1872208">
+              <a:path w="4988997" h="504818">
                 <a:moveTo>
-                  <a:pt x="0" y="1872208"/>
+                  <a:pt x="0" y="504818"/>
                 </a:moveTo>
                 <a:lnTo>
-                  <a:pt x="2520280" y="1872208"/>
+                  <a:pt x="4988997" y="504818"/>
                 </a:lnTo>
                 <a:lnTo>
-                  <a:pt x="0" y="1872208"/>
+                  <a:pt x="0" y="504818"/>
                 </a:lnTo>
                 <a:close/>
                 <a:moveTo>
                   <a:pt x="0" y="0"/>
                 </a:moveTo>
                 <a:lnTo>
-                  <a:pt x="916" y="0"/>
+                  <a:pt x="1813" y="0"/>
                 </a:lnTo>
                 <a:lnTo>
                   <a:pt x="0" y="0"/>
@@ -4749,37 +4694,17 @@
               <a:lumMod val="50000"/>
             </a:schemeClr>
           </a:solidFill>
-          <a:ln w="3175" cap="sq">
+          <a:ln>
             <a:noFill/>
-            <a:bevel/>
           </a:ln>
         </p:spPr>
-        <p:style>
-          <a:lnRef idx="2">
-            <a:schemeClr val="accent1">
-              <a:shade val="50000"/>
-            </a:schemeClr>
-          </a:lnRef>
-          <a:fillRef idx="1">
-            <a:schemeClr val="accent1"/>
-          </a:fillRef>
-          <a:effectRef idx="0">
-            <a:schemeClr val="accent1"/>
-          </a:effectRef>
-          <a:fontRef idx="minor">
-            <a:schemeClr val="lt1"/>
-          </a:fontRef>
-        </p:style>
-        <p:txBody>
-          <a:bodyPr rot="0" spcFirstLastPara="0" vertOverflow="overflow" horzOverflow="overflow" vert="horz" wrap="square" lIns="0" tIns="0" rIns="0" bIns="0" numCol="1" spcCol="0" rtlCol="0" fromWordArt="0" anchor="ctr" anchorCtr="0" forceAA="0" compatLnSpc="1">
-            <a:prstTxWarp prst="textNoShape">
-              <a:avLst/>
-            </a:prstTxWarp>
+        <p:txBody>
+          <a:bodyPr rot="0" vert="horz" wrap="square" lIns="0" tIns="0" rIns="0" bIns="0" numCol="1" spcCol="0" anchor="ctr" anchorCtr="0">
             <a:spAutoFit/>
           </a:bodyPr>
           <a:lstStyle/>
           <a:p>
-            <a:pPr defTabSz="866943" fontAlgn="base">
+            <a:pPr defTabSz="866943">
               <a:lnSpc>
                 <a:spcPct val="130000"/>
               </a:lnSpc>
@@ -4791,16 +4716,15 @@
               </a:spcAft>
             </a:pPr>
             <a:r>
-              <a:rPr lang="zh-CN" altLang="en-US" sz="2800" dirty="0">
+              <a:rPr lang="zh-CN" altLang="en-US" sz="2800">
                 <a:solidFill>
                   <a:srgbClr val="000000">
                     <a:lumMod val="50000"/>
                     <a:lumOff val="50000"/>
                   </a:srgbClr>
                 </a:solidFill>
-                <a:latin typeface="Arial" panose="020B0604020202020204" pitchFamily="34" charset="0"/>
-                <a:ea typeface="微软雅黑" panose="020B0503020204020204" pitchFamily="34" charset="-122"/>
-                <a:sym typeface="Arial" panose="020B0604020202020204" pitchFamily="34" charset="0"/>
+                <a:latin typeface="Arial"/>
+                <a:ea typeface="微软雅黑"/>
               </a:rPr>
               <a:t>用户痛点分析</a:t>
             </a:r>
@@ -4813,7 +4737,7 @@
           <p:cNvSpPr/>
           <p:nvPr>
             <p:custDataLst>
-              <p:tags r:id="rId6"/>
+              <p:tags r:id="rId5"/>
             </p:custDataLst>
           </p:nvPr>
         </p:nvSpPr>
@@ -4828,33 +4752,15 @@
           <a:solidFill>
             <a:schemeClr val="accent2"/>
           </a:solidFill>
-          <a:ln w="3175">
+          <a:ln>
             <a:noFill/>
           </a:ln>
         </p:spPr>
-        <p:style>
-          <a:lnRef idx="2">
-            <a:schemeClr val="accent1">
-              <a:shade val="50000"/>
-            </a:schemeClr>
-          </a:lnRef>
-          <a:fillRef idx="1">
-            <a:schemeClr val="accent1"/>
-          </a:fillRef>
-          <a:effectRef idx="0">
-            <a:schemeClr val="accent1"/>
-          </a:effectRef>
-          <a:fontRef idx="minor">
-            <a:schemeClr val="lt1"/>
-          </a:fontRef>
-        </p:style>
-        <p:txBody>
-          <a:bodyPr wrap="square" lIns="0" tIns="0" rIns="0" bIns="0" rtlCol="0" anchor="ctr">
-            <a:noAutofit/>
-          </a:bodyPr>
+        <p:txBody>
+          <a:bodyPr wrap="square" lIns="0" tIns="0" rIns="0" bIns="0" anchor="ctr"/>
           <a:lstStyle/>
           <a:p>
-            <a:pPr algn="ctr" defTabSz="866943" fontAlgn="base">
+            <a:pPr algn="ctr" defTabSz="866943">
               <a:spcBef>
                 <a:spcPct val="0"/>
               </a:spcBef>
@@ -4867,21 +4773,17 @@
                 <a:solidFill>
                   <a:srgbClr val="FFFFFF"/>
                 </a:solidFill>
-                <a:latin typeface="Impact" panose="020B0806030902050204" pitchFamily="34" charset="0"/>
-                <a:ea typeface="微软雅黑" panose="020B0503020204020204" pitchFamily="34" charset="-122"/>
-                <a:cs typeface="Times New Roman" panose="02020603050405020304" pitchFamily="18" charset="0"/>
-                <a:sym typeface="Arial" panose="020B0604020202020204" pitchFamily="34" charset="0"/>
+                <a:latin typeface="Impact"/>
+                <a:ea typeface="微软雅黑"/>
               </a:rPr>
               <a:t>2</a:t>
             </a:r>
-            <a:endParaRPr lang="zh-CN" altLang="en-US" sz="2800" dirty="0">
+            <a:endParaRPr lang="zh-CN" altLang="en-US" sz="2800">
               <a:solidFill>
                 <a:srgbClr val="FFFFFF"/>
               </a:solidFill>
-              <a:latin typeface="Impact" panose="020B0806030902050204" pitchFamily="34" charset="0"/>
-              <a:ea typeface="微软雅黑" panose="020B0503020204020204" pitchFamily="34" charset="-122"/>
-              <a:cs typeface="Times New Roman" panose="02020603050405020304" pitchFamily="18" charset="0"/>
-              <a:sym typeface="Arial" panose="020B0604020202020204" pitchFamily="34" charset="0"/>
+              <a:latin typeface="Impact"/>
+              <a:ea typeface="微软雅黑"/>
             </a:endParaRPr>
           </a:p>
         </p:txBody>
@@ -4892,7 +4794,7 @@
           <p:cNvSpPr/>
           <p:nvPr>
             <p:custDataLst>
-              <p:tags r:id="rId7"/>
+              <p:tags r:id="rId6"/>
             </p:custDataLst>
           </p:nvPr>
         </p:nvSpPr>
@@ -5036,22 +4938,22 @@
             </a:cxnLst>
             <a:rect l="l" t="t" r="r" b="b"/>
             <a:pathLst>
-              <a:path w="2520280" h="1872208">
+              <a:path w="5280065" h="504818">
                 <a:moveTo>
-                  <a:pt x="0" y="1872208"/>
+                  <a:pt x="0" y="504818"/>
                 </a:moveTo>
                 <a:lnTo>
-                  <a:pt x="2520280" y="1872208"/>
+                  <a:pt x="5280065" y="504818"/>
                 </a:lnTo>
                 <a:lnTo>
-                  <a:pt x="0" y="1872208"/>
+                  <a:pt x="0" y="504818"/>
                 </a:lnTo>
                 <a:close/>
                 <a:moveTo>
                   <a:pt x="0" y="0"/>
                 </a:moveTo>
                 <a:lnTo>
-                  <a:pt x="916" y="0"/>
+                  <a:pt x="1919" y="0"/>
                 </a:lnTo>
                 <a:lnTo>
                   <a:pt x="0" y="0"/>
@@ -5065,37 +4967,17 @@
               <a:lumMod val="50000"/>
             </a:schemeClr>
           </a:solidFill>
-          <a:ln w="3175" cap="sq">
+          <a:ln>
             <a:noFill/>
-            <a:bevel/>
           </a:ln>
         </p:spPr>
-        <p:style>
-          <a:lnRef idx="2">
-            <a:schemeClr val="accent1">
-              <a:shade val="50000"/>
-            </a:schemeClr>
-          </a:lnRef>
-          <a:fillRef idx="1">
-            <a:schemeClr val="accent1"/>
-          </a:fillRef>
-          <a:effectRef idx="0">
-            <a:schemeClr val="accent1"/>
-          </a:effectRef>
-          <a:fontRef idx="minor">
-            <a:schemeClr val="lt1"/>
-          </a:fontRef>
-        </p:style>
-        <p:txBody>
-          <a:bodyPr rot="0" spcFirstLastPara="0" vertOverflow="overflow" horzOverflow="overflow" vert="horz" wrap="square" lIns="0" tIns="0" rIns="0" bIns="0" numCol="1" spcCol="0" rtlCol="0" fromWordArt="0" anchor="ctr" anchorCtr="0" forceAA="0" compatLnSpc="1">
-            <a:prstTxWarp prst="textNoShape">
-              <a:avLst/>
-            </a:prstTxWarp>
+        <p:txBody>
+          <a:bodyPr rot="0" vert="horz" wrap="square" lIns="0" tIns="0" rIns="0" bIns="0" numCol="1" spcCol="0" anchor="ctr" anchorCtr="0">
             <a:spAutoFit/>
           </a:bodyPr>
           <a:lstStyle/>
           <a:p>
-            <a:pPr defTabSz="866943" fontAlgn="base">
+            <a:pPr defTabSz="866943">
               <a:lnSpc>
                 <a:spcPct val="130000"/>
               </a:lnSpc>
@@ -5107,16 +4989,15 @@
               </a:spcAft>
             </a:pPr>
             <a:r>
-              <a:rPr lang="zh-CN" altLang="en-US" sz="2800" dirty="0">
+              <a:rPr lang="zh-CN" altLang="en-US" sz="2800">
                 <a:solidFill>
                   <a:srgbClr val="000000">
                     <a:lumMod val="50000"/>
                     <a:lumOff val="50000"/>
                   </a:srgbClr>
                 </a:solidFill>
-                <a:latin typeface="Arial" panose="020B0604020202020204" pitchFamily="34" charset="0"/>
-                <a:ea typeface="微软雅黑" panose="020B0503020204020204" pitchFamily="34" charset="-122"/>
-                <a:sym typeface="Arial" panose="020B0604020202020204" pitchFamily="34" charset="0"/>
+                <a:latin typeface="Arial"/>
+                <a:ea typeface="微软雅黑"/>
               </a:rPr>
               <a:t>项目预计功能</a:t>
             </a:r>
@@ -5129,7 +5010,7 @@
           <p:cNvSpPr/>
           <p:nvPr>
             <p:custDataLst>
-              <p:tags r:id="rId8"/>
+              <p:tags r:id="rId7"/>
             </p:custDataLst>
           </p:nvPr>
         </p:nvSpPr>
@@ -5144,33 +5025,15 @@
           <a:solidFill>
             <a:schemeClr val="accent1"/>
           </a:solidFill>
-          <a:ln w="3175">
+          <a:ln>
             <a:noFill/>
           </a:ln>
         </p:spPr>
-        <p:style>
-          <a:lnRef idx="2">
-            <a:schemeClr val="accent1">
-              <a:shade val="50000"/>
-            </a:schemeClr>
-          </a:lnRef>
-          <a:fillRef idx="1">
-            <a:schemeClr val="accent1"/>
-          </a:fillRef>
-          <a:effectRef idx="0">
-            <a:schemeClr val="accent1"/>
-          </a:effectRef>
-          <a:fontRef idx="minor">
-            <a:schemeClr val="lt1"/>
-          </a:fontRef>
-        </p:style>
-        <p:txBody>
-          <a:bodyPr wrap="square" lIns="0" tIns="0" rIns="0" bIns="0" rtlCol="0" anchor="ctr">
-            <a:noAutofit/>
-          </a:bodyPr>
+        <p:txBody>
+          <a:bodyPr wrap="square" lIns="0" tIns="0" rIns="0" bIns="0" anchor="ctr"/>
           <a:lstStyle/>
           <a:p>
-            <a:pPr algn="ctr" defTabSz="866943" fontAlgn="base">
+            <a:pPr algn="ctr" defTabSz="866943">
               <a:spcBef>
                 <a:spcPct val="0"/>
               </a:spcBef>
@@ -5183,21 +5046,17 @@
                 <a:solidFill>
                   <a:srgbClr val="FFFFFF"/>
                 </a:solidFill>
-                <a:latin typeface="Impact" panose="020B0806030902050204" pitchFamily="34" charset="0"/>
-                <a:ea typeface="微软雅黑" panose="020B0503020204020204" pitchFamily="34" charset="-122"/>
-                <a:cs typeface="Times New Roman" panose="02020603050405020304" pitchFamily="18" charset="0"/>
-                <a:sym typeface="Arial" panose="020B0604020202020204" pitchFamily="34" charset="0"/>
+                <a:latin typeface="Impact"/>
+                <a:ea typeface="微软雅黑"/>
               </a:rPr>
               <a:t>3</a:t>
             </a:r>
-            <a:endParaRPr lang="zh-CN" altLang="en-US" sz="2800" dirty="0">
+            <a:endParaRPr lang="zh-CN" altLang="en-US" sz="2800">
               <a:solidFill>
                 <a:srgbClr val="FFFFFF"/>
               </a:solidFill>
-              <a:latin typeface="Impact" panose="020B0806030902050204" pitchFamily="34" charset="0"/>
-              <a:ea typeface="微软雅黑" panose="020B0503020204020204" pitchFamily="34" charset="-122"/>
-              <a:cs typeface="Times New Roman" panose="02020603050405020304" pitchFamily="18" charset="0"/>
-              <a:sym typeface="Arial" panose="020B0604020202020204" pitchFamily="34" charset="0"/>
+              <a:latin typeface="Impact"/>
+              <a:ea typeface="微软雅黑"/>
             </a:endParaRPr>
           </a:p>
         </p:txBody>
@@ -5208,14 +5067,14 @@
           <p:cNvSpPr/>
           <p:nvPr>
             <p:custDataLst>
-              <p:tags r:id="rId9"/>
+              <p:tags r:id="rId8"/>
             </p:custDataLst>
           </p:nvPr>
         </p:nvSpPr>
         <p:spPr>
           <a:xfrm>
-            <a:off x="5473597" y="3473910"/>
-            <a:ext cx="5280065" cy="501869"/>
+            <a:off x="5473597" y="3445444"/>
+            <a:ext cx="5283200" cy="558800"/>
           </a:xfrm>
           <a:custGeom>
             <a:avLst/>
@@ -5352,22 +5211,22 @@
             </a:cxnLst>
             <a:rect l="l" t="t" r="r" b="b"/>
             <a:pathLst>
-              <a:path w="2520280" h="1872208">
+              <a:path w="5280065" h="501869">
                 <a:moveTo>
-                  <a:pt x="0" y="1872208"/>
+                  <a:pt x="0" y="501869"/>
                 </a:moveTo>
                 <a:lnTo>
-                  <a:pt x="2520280" y="1872208"/>
+                  <a:pt x="5280065" y="501869"/>
                 </a:lnTo>
                 <a:lnTo>
-                  <a:pt x="0" y="1872208"/>
+                  <a:pt x="0" y="501869"/>
                 </a:lnTo>
                 <a:close/>
                 <a:moveTo>
                   <a:pt x="0" y="0"/>
                 </a:moveTo>
                 <a:lnTo>
-                  <a:pt x="916" y="0"/>
+                  <a:pt x="1919" y="0"/>
                 </a:lnTo>
                 <a:lnTo>
                   <a:pt x="0" y="0"/>
@@ -5381,37 +5240,17 @@
               <a:lumMod val="50000"/>
             </a:schemeClr>
           </a:solidFill>
-          <a:ln w="3175" cap="sq">
+          <a:ln>
             <a:noFill/>
-            <a:bevel/>
           </a:ln>
         </p:spPr>
-        <p:style>
-          <a:lnRef idx="2">
-            <a:schemeClr val="accent1">
-              <a:shade val="50000"/>
-            </a:schemeClr>
-          </a:lnRef>
-          <a:fillRef idx="1">
-            <a:schemeClr val="accent1"/>
-          </a:fillRef>
-          <a:effectRef idx="0">
-            <a:schemeClr val="accent1"/>
-          </a:effectRef>
-          <a:fontRef idx="minor">
-            <a:schemeClr val="lt1"/>
-          </a:fontRef>
-        </p:style>
-        <p:txBody>
-          <a:bodyPr rot="0" spcFirstLastPara="0" vertOverflow="overflow" horzOverflow="overflow" vert="horz" wrap="square" lIns="0" tIns="0" rIns="0" bIns="0" numCol="1" spcCol="0" rtlCol="0" fromWordArt="0" anchor="ctr" anchorCtr="0" forceAA="0" compatLnSpc="1">
-            <a:prstTxWarp prst="textNoShape">
-              <a:avLst/>
-            </a:prstTxWarp>
+        <p:txBody>
+          <a:bodyPr rot="0" vert="horz" wrap="square" lIns="0" tIns="0" rIns="0" bIns="0" numCol="1" spcCol="0" anchor="ctr" anchorCtr="0">
             <a:spAutoFit/>
           </a:bodyPr>
           <a:lstStyle/>
           <a:p>
-            <a:pPr defTabSz="866943" fontAlgn="base">
+            <a:pPr lvl="0" defTabSz="866943">
               <a:lnSpc>
                 <a:spcPct val="130000"/>
               </a:lnSpc>
@@ -5423,18 +5262,14 @@
               </a:spcAft>
             </a:pPr>
             <a:r>
-              <a:rPr lang="zh-CN" altLang="en-US" sz="2800" dirty="0">
+              <a:rPr lang="zh-CN" altLang="zh-CN" sz="2800">
                 <a:solidFill>
-                  <a:srgbClr val="000000">
-                    <a:lumMod val="50000"/>
-                    <a:lumOff val="50000"/>
-                  </a:srgbClr>
+                  <a:srgbClr val="808080"/>
                 </a:solidFill>
-                <a:latin typeface="Arial" panose="020B0604020202020204" pitchFamily="34" charset="0"/>
-                <a:ea typeface="微软雅黑" panose="020B0503020204020204" pitchFamily="34" charset="-122"/>
-                <a:sym typeface="Arial" panose="020B0604020202020204" pitchFamily="34" charset="0"/>
+                <a:latin typeface="Arial"/>
+                <a:ea typeface="微软雅黑"/>
               </a:rPr>
-              <a:t>整体设计与技术总结</a:t>
+              <a:t>评价与验收标准</a:t>
             </a:r>
           </a:p>
         </p:txBody>
@@ -5445,7 +5280,7 @@
           <p:cNvSpPr/>
           <p:nvPr>
             <p:custDataLst>
-              <p:tags r:id="rId10"/>
+              <p:tags r:id="rId9"/>
             </p:custDataLst>
           </p:nvPr>
         </p:nvSpPr>
@@ -5460,33 +5295,15 @@
           <a:solidFill>
             <a:schemeClr val="accent2"/>
           </a:solidFill>
-          <a:ln w="3175">
+          <a:ln>
             <a:noFill/>
           </a:ln>
         </p:spPr>
-        <p:style>
-          <a:lnRef idx="2">
-            <a:schemeClr val="accent1">
-              <a:shade val="50000"/>
-            </a:schemeClr>
-          </a:lnRef>
-          <a:fillRef idx="1">
-            <a:schemeClr val="accent1"/>
-          </a:fillRef>
-          <a:effectRef idx="0">
-            <a:schemeClr val="accent1"/>
-          </a:effectRef>
-          <a:fontRef idx="minor">
-            <a:schemeClr val="lt1"/>
-          </a:fontRef>
-        </p:style>
-        <p:txBody>
-          <a:bodyPr wrap="square" lIns="0" tIns="0" rIns="0" bIns="0" rtlCol="0" anchor="ctr">
-            <a:noAutofit/>
-          </a:bodyPr>
+        <p:txBody>
+          <a:bodyPr wrap="square" lIns="0" tIns="0" rIns="0" bIns="0" anchor="ctr"/>
           <a:lstStyle/>
           <a:p>
-            <a:pPr algn="ctr" defTabSz="866943" fontAlgn="base">
+            <a:pPr algn="ctr" defTabSz="866943">
               <a:spcBef>
                 <a:spcPct val="0"/>
               </a:spcBef>
@@ -5499,21 +5316,17 @@
                 <a:solidFill>
                   <a:srgbClr val="FFFFFF"/>
                 </a:solidFill>
-                <a:latin typeface="Impact" panose="020B0806030902050204" pitchFamily="34" charset="0"/>
-                <a:ea typeface="微软雅黑" panose="020B0503020204020204" pitchFamily="34" charset="-122"/>
-                <a:cs typeface="Times New Roman" panose="02020603050405020304" pitchFamily="18" charset="0"/>
-                <a:sym typeface="Arial" panose="020B0604020202020204" pitchFamily="34" charset="0"/>
+                <a:latin typeface="Impact"/>
+                <a:ea typeface="微软雅黑"/>
               </a:rPr>
               <a:t>4</a:t>
             </a:r>
-            <a:endParaRPr lang="zh-CN" altLang="en-US" sz="2800" dirty="0">
+            <a:endParaRPr lang="zh-CN" altLang="en-US" sz="2800">
               <a:solidFill>
                 <a:srgbClr val="FFFFFF"/>
               </a:solidFill>
-              <a:latin typeface="Impact" panose="020B0806030902050204" pitchFamily="34" charset="0"/>
-              <a:ea typeface="微软雅黑" panose="020B0503020204020204" pitchFamily="34" charset="-122"/>
-              <a:cs typeface="Times New Roman" panose="02020603050405020304" pitchFamily="18" charset="0"/>
-              <a:sym typeface="Arial" panose="020B0604020202020204" pitchFamily="34" charset="0"/>
+              <a:latin typeface="Impact"/>
+              <a:ea typeface="微软雅黑"/>
             </a:endParaRPr>
           </a:p>
         </p:txBody>
@@ -5524,7 +5337,7 @@
           <p:cNvSpPr/>
           <p:nvPr>
             <p:custDataLst>
-              <p:tags r:id="rId11"/>
+              <p:tags r:id="rId10"/>
             </p:custDataLst>
           </p:nvPr>
         </p:nvSpPr>
@@ -5668,22 +5481,22 @@
             </a:cxnLst>
             <a:rect l="l" t="t" r="r" b="b"/>
             <a:pathLst>
-              <a:path w="2520280" h="1872208">
+              <a:path w="5280065" h="501869">
                 <a:moveTo>
-                  <a:pt x="0" y="1872208"/>
+                  <a:pt x="0" y="501869"/>
                 </a:moveTo>
                 <a:lnTo>
-                  <a:pt x="2520280" y="1872208"/>
+                  <a:pt x="5280065" y="501869"/>
                 </a:lnTo>
                 <a:lnTo>
-                  <a:pt x="0" y="1872208"/>
+                  <a:pt x="0" y="501869"/>
                 </a:lnTo>
                 <a:close/>
                 <a:moveTo>
                   <a:pt x="0" y="0"/>
                 </a:moveTo>
                 <a:lnTo>
-                  <a:pt x="916" y="0"/>
+                  <a:pt x="1919" y="0"/>
                 </a:lnTo>
                 <a:lnTo>
                   <a:pt x="0" y="0"/>
@@ -5697,37 +5510,17 @@
               <a:lumMod val="50000"/>
             </a:schemeClr>
           </a:solidFill>
-          <a:ln w="3175" cap="sq">
+          <a:ln>
             <a:noFill/>
-            <a:bevel/>
           </a:ln>
         </p:spPr>
-        <p:style>
-          <a:lnRef idx="2">
-            <a:schemeClr val="accent1">
-              <a:shade val="50000"/>
-            </a:schemeClr>
-          </a:lnRef>
-          <a:fillRef idx="1">
-            <a:schemeClr val="accent1"/>
-          </a:fillRef>
-          <a:effectRef idx="0">
-            <a:schemeClr val="accent1"/>
-          </a:effectRef>
-          <a:fontRef idx="minor">
-            <a:schemeClr val="lt1"/>
-          </a:fontRef>
-        </p:style>
-        <p:txBody>
-          <a:bodyPr rot="0" spcFirstLastPara="0" vertOverflow="overflow" horzOverflow="overflow" vert="horz" wrap="square" lIns="0" tIns="0" rIns="0" bIns="0" numCol="1" spcCol="0" rtlCol="0" fromWordArt="0" anchor="ctr" anchorCtr="0" forceAA="0" compatLnSpc="1">
-            <a:prstTxWarp prst="textNoShape">
-              <a:avLst/>
-            </a:prstTxWarp>
+        <p:txBody>
+          <a:bodyPr rot="0" vert="horz" wrap="square" lIns="0" tIns="0" rIns="0" bIns="0" numCol="1" spcCol="0" anchor="ctr" anchorCtr="0">
             <a:spAutoFit/>
           </a:bodyPr>
           <a:lstStyle/>
           <a:p>
-            <a:pPr defTabSz="866943" fontAlgn="base">
+            <a:pPr defTabSz="866943">
               <a:lnSpc>
                 <a:spcPct val="130000"/>
               </a:lnSpc>
@@ -5739,16 +5532,15 @@
               </a:spcAft>
             </a:pPr>
             <a:r>
-              <a:rPr lang="zh-CN" altLang="en-US" sz="2800" dirty="0">
+              <a:rPr lang="zh-CN" altLang="en-US" sz="2800">
                 <a:solidFill>
                   <a:srgbClr val="000000">
                     <a:lumMod val="50000"/>
                     <a:lumOff val="50000"/>
                   </a:srgbClr>
                 </a:solidFill>
-                <a:latin typeface="Arial" panose="020B0604020202020204" pitchFamily="34" charset="0"/>
-                <a:ea typeface="微软雅黑" panose="020B0503020204020204" pitchFamily="34" charset="-122"/>
-                <a:sym typeface="Arial" panose="020B0604020202020204" pitchFamily="34" charset="0"/>
+                <a:latin typeface="Arial"/>
+                <a:ea typeface="微软雅黑"/>
               </a:rPr>
               <a:t>开发计划</a:t>
             </a:r>
@@ -5763,7 +5555,7 @@
           </p:cNvSpPr>
           <p:nvPr/>
         </p:nvSpPr>
-        <p:spPr bwMode="auto">
+        <p:spPr>
           <a:xfrm>
             <a:off x="2830059" y="4400495"/>
             <a:ext cx="9361941" cy="2457316"/>
@@ -5797,53 +5589,39 @@
             </a:cxnLst>
             <a:rect l="0" t="0" r="r" b="b"/>
             <a:pathLst>
-              <a:path w="4403" h="1161">
+              <a:path w="9361941" h="2457316">
                 <a:moveTo>
-                  <a:pt x="4403" y="0"/>
+                  <a:pt x="9361941" y="0"/>
                 </a:moveTo>
                 <a:lnTo>
-                  <a:pt x="4403" y="1161"/>
+                  <a:pt x="9361941" y="2457316"/>
                 </a:lnTo>
                 <a:lnTo>
-                  <a:pt x="0" y="1161"/>
+                  <a:pt x="0" y="2457316"/>
                 </a:lnTo>
                 <a:lnTo>
-                  <a:pt x="4403" y="0"/>
+                  <a:pt x="9361941" y="0"/>
                 </a:lnTo>
                 <a:close/>
               </a:path>
             </a:pathLst>
           </a:custGeom>
-          <a:blipFill dpi="0" rotWithShape="1">
-            <a:blip r:embed="rId14" cstate="screen">
-              <a:extLst>
-                <a:ext uri="{28A0092B-C50C-407E-A947-70E740481C1C}">
-                  <a14:useLocalDpi xmlns:a14="http://schemas.microsoft.com/office/drawing/2010/main"/>
-                </a:ext>
-              </a:extLst>
-            </a:blip>
+          <a:blipFill rotWithShape="1">
+            <a:blip r:embed="rId13" cstate="screen"/>
             <a:srcRect/>
             <a:stretch>
               <a:fillRect/>
             </a:stretch>
           </a:blipFill>
-          <a:ln w="0">
+          <a:ln>
             <a:noFill/>
-            <a:prstDash val="solid"/>
-            <a:round/>
-            <a:headEnd/>
-            <a:tailEnd/>
           </a:ln>
         </p:spPr>
         <p:txBody>
-          <a:bodyPr vert="horz" wrap="square" lIns="121913" tIns="60956" rIns="121913" bIns="60956" numCol="1" anchor="t" anchorCtr="0" compatLnSpc="1">
-            <a:prstTxWarp prst="textNoShape">
-              <a:avLst/>
-            </a:prstTxWarp>
-          </a:bodyPr>
+          <a:bodyPr vert="horz" wrap="square" lIns="121913" tIns="60956" rIns="121913" bIns="60956" numCol="1" anchor="t" anchorCtr="0"/>
           <a:lstStyle/>
           <a:p>
-            <a:pPr defTabSz="866943" fontAlgn="base">
+            <a:pPr defTabSz="866943">
               <a:spcBef>
                 <a:spcPct val="0"/>
               </a:spcBef>
@@ -5855,9 +5633,8 @@
               <a:solidFill>
                 <a:srgbClr val="000000"/>
               </a:solidFill>
-              <a:latin typeface="Arial" panose="020B0604020202020204" pitchFamily="34" charset="0"/>
-              <a:ea typeface="微软雅黑" panose="020B0503020204020204" pitchFamily="34" charset="-122"/>
-              <a:sym typeface="Arial" panose="020B0604020202020204" pitchFamily="34" charset="0"/>
+              <a:latin typeface="Arial"/>
+              <a:ea typeface="微软雅黑"/>
             </a:endParaRPr>
           </a:p>
         </p:txBody>
@@ -5870,7 +5647,7 @@
           </p:cNvSpPr>
           <p:nvPr/>
         </p:nvSpPr>
-        <p:spPr bwMode="auto">
+        <p:spPr>
           <a:xfrm>
             <a:off x="0" y="3879825"/>
             <a:ext cx="4992468" cy="2977987"/>
@@ -5904,15 +5681,15 @@
             </a:cxnLst>
             <a:rect l="0" t="0" r="r" b="b"/>
             <a:pathLst>
-              <a:path w="2348" h="1407">
+              <a:path w="4992468" h="2977987">
                 <a:moveTo>
                   <a:pt x="0" y="0"/>
                 </a:moveTo>
                 <a:lnTo>
-                  <a:pt x="2348" y="1407"/>
+                  <a:pt x="4992468" y="2977987"/>
                 </a:lnTo>
                 <a:lnTo>
-                  <a:pt x="0" y="1407"/>
+                  <a:pt x="0" y="2977987"/>
                 </a:lnTo>
                 <a:lnTo>
                   <a:pt x="0" y="0"/>
@@ -5921,36 +5698,22 @@
               </a:path>
             </a:pathLst>
           </a:custGeom>
-          <a:blipFill dpi="0" rotWithShape="1">
-            <a:blip r:embed="rId15" cstate="screen">
-              <a:extLst>
-                <a:ext uri="{28A0092B-C50C-407E-A947-70E740481C1C}">
-                  <a14:useLocalDpi xmlns:a14="http://schemas.microsoft.com/office/drawing/2010/main"/>
-                </a:ext>
-              </a:extLst>
-            </a:blip>
+          <a:blipFill rotWithShape="1">
+            <a:blip r:embed="rId14" cstate="screen"/>
             <a:srcRect/>
             <a:stretch>
               <a:fillRect/>
             </a:stretch>
           </a:blipFill>
-          <a:ln w="0">
+          <a:ln>
             <a:noFill/>
-            <a:prstDash val="solid"/>
-            <a:round/>
-            <a:headEnd/>
-            <a:tailEnd/>
           </a:ln>
         </p:spPr>
         <p:txBody>
-          <a:bodyPr vert="horz" wrap="square" lIns="121913" tIns="60956" rIns="121913" bIns="60956" numCol="1" anchor="t" anchorCtr="0" compatLnSpc="1">
-            <a:prstTxWarp prst="textNoShape">
-              <a:avLst/>
-            </a:prstTxWarp>
-          </a:bodyPr>
+          <a:bodyPr vert="horz" wrap="square" lIns="121913" tIns="60956" rIns="121913" bIns="60956" numCol="1" anchor="t" anchorCtr="0"/>
           <a:lstStyle/>
           <a:p>
-            <a:pPr defTabSz="866943" fontAlgn="base">
+            <a:pPr defTabSz="866943">
               <a:spcBef>
                 <a:spcPct val="0"/>
               </a:spcBef>
@@ -5962,9 +5725,8 @@
               <a:solidFill>
                 <a:srgbClr val="000000"/>
               </a:solidFill>
-              <a:latin typeface="Arial" panose="020B0604020202020204" pitchFamily="34" charset="0"/>
-              <a:ea typeface="微软雅黑" panose="020B0503020204020204" pitchFamily="34" charset="-122"/>
-              <a:sym typeface="Arial" panose="020B0604020202020204" pitchFamily="34" charset="0"/>
+              <a:latin typeface="Arial"/>
+              <a:ea typeface="微软雅黑"/>
             </a:endParaRPr>
           </a:p>
         </p:txBody>
@@ -5978,19 +5740,13 @@
           <p:nvPr/>
         </p:nvPicPr>
         <p:blipFill>
-          <a:blip r:embed="rId16" cstate="screen">
-            <a:extLst>
-              <a:ext uri="{28A0092B-C50C-407E-A947-70E740481C1C}">
-                <a14:useLocalDpi xmlns:a14="http://schemas.microsoft.com/office/drawing/2010/main"/>
-              </a:ext>
-            </a:extLst>
-          </a:blip>
+          <a:blip r:embed="rId15" cstate="screen"/>
           <a:srcRect/>
           <a:stretch>
             <a:fillRect/>
           </a:stretch>
         </p:blipFill>
-        <p:spPr bwMode="auto">
+        <p:spPr>
           <a:xfrm>
             <a:off x="7661174" y="277668"/>
             <a:ext cx="4286912" cy="900000"/>
@@ -6003,13 +5759,7 @@
             <a:noFill/>
           </a:ln>
           <a:extLst>
-            <a:ext uri="{909E8E84-426E-40DD-AFC4-6F175D3DCCD1}">
-              <a14:hiddenFill xmlns:a14="http://schemas.microsoft.com/office/drawing/2010/main">
-                <a:solidFill>
-                  <a:srgbClr val="FFFFFF"/>
-                </a:solidFill>
-              </a14:hiddenFill>
-            </a:ext>
+            <a:ext uri="{909E8E84-426E-40DD-AFC4-6F175D3DCCD1}"/>
             <a:ext uri="{91240B29-F687-4F45-9708-019B960494DF}">
               <a14:hiddenLine xmlns:a14="http://schemas.microsoft.com/office/drawing/2010/main" w="9525">
                 <a:solidFill>
@@ -6039,7 +5789,7 @@
         <p15:prstTrans prst="pageCurlDouble"/>
       </p:transition>
     </mc:Choice>
-    <mc:Fallback xmlns="">
+    <mc:Fallback>
       <p:transition spd="slow" advTm="4000">
         <p:fade/>
       </p:transition>
@@ -6069,7 +5819,7 @@
                             </p:stCondLst>
                             <p:childTnLst>
                               <p:par>
-                                <p:cTn id="5" presetID="2" presetClass="entr" presetSubtype="8" fill="hold" grpId="0" nodeType="afterEffect">
+                                <p:cTn id="5" presetID="2" presetClass="entr" presetSubtype="8" fill="hold" nodeType="afterEffect">
                                   <p:stCondLst>
                                     <p:cond delay="0"/>
                                   </p:stCondLst>
@@ -6103,12 +5853,12 @@
                                         </p:attrNameLst>
                                       </p:cBhvr>
                                       <p:tavLst>
-                                        <p:tav tm="0">
+                                        <p:tav tm="0" fmla="">
                                           <p:val>
                                             <p:strVal val="0-#ppt_w/2"/>
                                           </p:val>
                                         </p:tav>
-                                        <p:tav tm="100000">
+                                        <p:tav tm="100000" fmla="">
                                           <p:val>
                                             <p:strVal val="#ppt_x"/>
                                           </p:val>
@@ -6126,12 +5876,12 @@
                                         </p:attrNameLst>
                                       </p:cBhvr>
                                       <p:tavLst>
-                                        <p:tav tm="0">
+                                        <p:tav tm="0" fmla="">
                                           <p:val>
                                             <p:strVal val="#ppt_y"/>
                                           </p:val>
                                         </p:tav>
-                                        <p:tav tm="100000">
+                                        <p:tav tm="100000" fmla="">
                                           <p:val>
                                             <p:strVal val="#ppt_y"/>
                                           </p:val>
@@ -6147,11 +5897,11 @@
                         <p:par>
                           <p:cTn id="9" fill="hold">
                             <p:stCondLst>
-                              <p:cond delay="500"/>
+                              <p:cond delay="1000"/>
                             </p:stCondLst>
                             <p:childTnLst>
                               <p:par>
-                                <p:cTn id="10" presetID="2" presetClass="entr" presetSubtype="2" fill="hold" grpId="0" nodeType="afterEffect">
+                                <p:cTn id="10" presetID="2" presetClass="entr" presetSubtype="2" fill="hold" nodeType="afterEffect">
                                   <p:stCondLst>
                                     <p:cond delay="0"/>
                                   </p:stCondLst>
@@ -6185,12 +5935,12 @@
                                         </p:attrNameLst>
                                       </p:cBhvr>
                                       <p:tavLst>
-                                        <p:tav tm="0">
+                                        <p:tav tm="0" fmla="">
                                           <p:val>
                                             <p:strVal val="1+#ppt_w/2"/>
                                           </p:val>
                                         </p:tav>
-                                        <p:tav tm="100000">
+                                        <p:tav tm="100000" fmla="">
                                           <p:val>
                                             <p:strVal val="#ppt_x"/>
                                           </p:val>
@@ -6208,12 +5958,12 @@
                                         </p:attrNameLst>
                                       </p:cBhvr>
                                       <p:tavLst>
-                                        <p:tav tm="0">
+                                        <p:tav tm="0" fmla="">
                                           <p:val>
                                             <p:strVal val="#ppt_y"/>
                                           </p:val>
                                         </p:tav>
-                                        <p:tav tm="100000">
+                                        <p:tav tm="100000" fmla="">
                                           <p:val>
                                             <p:strVal val="#ppt_y"/>
                                           </p:val>
@@ -6229,21 +5979,18 @@
                         <p:par>
                           <p:cTn id="14" fill="hold">
                             <p:stCondLst>
-                              <p:cond delay="1000"/>
+                              <p:cond delay="2000"/>
                             </p:stCondLst>
                             <p:childTnLst>
                               <p:par>
-                                <p:cTn id="15" presetID="56" presetClass="entr" presetSubtype="0" fill="hold" grpId="0" nodeType="afterEffect">
+                                <p:cTn id="15" presetID="10" presetClass="entr" presetSubtype="0" fill="hold" nodeType="afterEffect">
                                   <p:stCondLst>
                                     <p:cond delay="0"/>
                                   </p:stCondLst>
-                                  <p:iterate type="lt">
-                                    <p:tmPct val="10000"/>
-                                  </p:iterate>
                                   <p:childTnLst>
                                     <p:set>
                                       <p:cBhvr>
-                                        <p:cTn id="16" dur="1" fill="hold">
+                                        <p:cTn dur="1" fill="hold">
                                           <p:stCondLst>
                                             <p:cond delay="0"/>
                                           </p:stCondLst>
@@ -6259,66 +6006,14 @@
                                         <p:strVal val="visible"/>
                                       </p:to>
                                     </p:set>
-                                    <p:anim by="(-#ppt_w*2)" calcmode="lin" valueType="num">
-                                      <p:cBhvr rctx="PPT">
-                                        <p:cTn id="17" dur="500" autoRev="1" fill="hold">
-                                          <p:stCondLst>
-                                            <p:cond delay="0"/>
-                                          </p:stCondLst>
-                                        </p:cTn>
+                                    <p:animEffect transition="in" filter="fade">
+                                      <p:cBhvr>
+                                        <p:cTn dur="500"/>
                                         <p:tgtEl>
                                           <p:spTgt spid="18"/>
                                         </p:tgtEl>
-                                        <p:attrNameLst>
-                                          <p:attrName>ppt_w</p:attrName>
-                                        </p:attrNameLst>
                                       </p:cBhvr>
-                                    </p:anim>
-                                    <p:anim by="(#ppt_w*0.50)" calcmode="lin" valueType="num">
-                                      <p:cBhvr>
-                                        <p:cTn id="18" dur="500" decel="50000" autoRev="1" fill="hold">
-                                          <p:stCondLst>
-                                            <p:cond delay="0"/>
-                                          </p:stCondLst>
-                                        </p:cTn>
-                                        <p:tgtEl>
-                                          <p:spTgt spid="18"/>
-                                        </p:tgtEl>
-                                        <p:attrNameLst>
-                                          <p:attrName>ppt_x</p:attrName>
-                                        </p:attrNameLst>
-                                      </p:cBhvr>
-                                    </p:anim>
-                                    <p:anim from="(-#ppt_h/2)" to="(#ppt_y)" calcmode="lin" valueType="num">
-                                      <p:cBhvr>
-                                        <p:cTn id="19" dur="1000" fill="hold">
-                                          <p:stCondLst>
-                                            <p:cond delay="0"/>
-                                          </p:stCondLst>
-                                        </p:cTn>
-                                        <p:tgtEl>
-                                          <p:spTgt spid="18"/>
-                                        </p:tgtEl>
-                                        <p:attrNameLst>
-                                          <p:attrName>ppt_y</p:attrName>
-                                        </p:attrNameLst>
-                                      </p:cBhvr>
-                                    </p:anim>
-                                    <p:animRot by="21600000">
-                                      <p:cBhvr>
-                                        <p:cTn id="20" dur="1000" fill="hold">
-                                          <p:stCondLst>
-                                            <p:cond delay="0"/>
-                                          </p:stCondLst>
-                                        </p:cTn>
-                                        <p:tgtEl>
-                                          <p:spTgt spid="18"/>
-                                        </p:tgtEl>
-                                        <p:attrNameLst>
-                                          <p:attrName>r</p:attrName>
-                                        </p:attrNameLst>
-                                      </p:cBhvr>
-                                    </p:animRot>
+                                    </p:animEffect>
                                   </p:childTnLst>
                                 </p:cTn>
                               </p:par>
@@ -6328,21 +6023,18 @@
                         <p:par>
                           <p:cTn id="21" fill="hold">
                             <p:stCondLst>
-                              <p:cond delay="2100"/>
+                              <p:cond delay="2500"/>
                             </p:stCondLst>
                             <p:childTnLst>
                               <p:par>
-                                <p:cTn id="22" presetID="56" presetClass="entr" presetSubtype="0" fill="hold" grpId="0" nodeType="afterEffect">
+                                <p:cTn id="22" presetID="10" presetClass="entr" presetSubtype="0" fill="hold" nodeType="afterEffect">
                                   <p:stCondLst>
                                     <p:cond delay="0"/>
                                   </p:stCondLst>
-                                  <p:iterate type="lt">
-                                    <p:tmPct val="10000"/>
-                                  </p:iterate>
                                   <p:childTnLst>
                                     <p:set>
                                       <p:cBhvr>
-                                        <p:cTn id="23" dur="1" fill="hold">
+                                        <p:cTn dur="1" fill="hold">
                                           <p:stCondLst>
                                             <p:cond delay="0"/>
                                           </p:stCondLst>
@@ -6358,66 +6050,14 @@
                                         <p:strVal val="visible"/>
                                       </p:to>
                                     </p:set>
-                                    <p:anim by="(-#ppt_w*2)" calcmode="lin" valueType="num">
-                                      <p:cBhvr rctx="PPT">
-                                        <p:cTn id="24" dur="500" autoRev="1" fill="hold">
-                                          <p:stCondLst>
-                                            <p:cond delay="0"/>
-                                          </p:stCondLst>
-                                        </p:cTn>
+                                    <p:animEffect transition="in" filter="fade">
+                                      <p:cBhvr>
+                                        <p:cTn dur="500"/>
                                         <p:tgtEl>
                                           <p:spTgt spid="19"/>
                                         </p:tgtEl>
-                                        <p:attrNameLst>
-                                          <p:attrName>ppt_w</p:attrName>
-                                        </p:attrNameLst>
                                       </p:cBhvr>
-                                    </p:anim>
-                                    <p:anim by="(#ppt_w*0.50)" calcmode="lin" valueType="num">
-                                      <p:cBhvr>
-                                        <p:cTn id="25" dur="500" decel="50000" autoRev="1" fill="hold">
-                                          <p:stCondLst>
-                                            <p:cond delay="0"/>
-                                          </p:stCondLst>
-                                        </p:cTn>
-                                        <p:tgtEl>
-                                          <p:spTgt spid="19"/>
-                                        </p:tgtEl>
-                                        <p:attrNameLst>
-                                          <p:attrName>ppt_x</p:attrName>
-                                        </p:attrNameLst>
-                                      </p:cBhvr>
-                                    </p:anim>
-                                    <p:anim from="(-#ppt_h/2)" to="(#ppt_y)" calcmode="lin" valueType="num">
-                                      <p:cBhvr>
-                                        <p:cTn id="26" dur="1000" fill="hold">
-                                          <p:stCondLst>
-                                            <p:cond delay="0"/>
-                                          </p:stCondLst>
-                                        </p:cTn>
-                                        <p:tgtEl>
-                                          <p:spTgt spid="19"/>
-                                        </p:tgtEl>
-                                        <p:attrNameLst>
-                                          <p:attrName>ppt_y</p:attrName>
-                                        </p:attrNameLst>
-                                      </p:cBhvr>
-                                    </p:anim>
-                                    <p:animRot by="21600000">
-                                      <p:cBhvr>
-                                        <p:cTn id="27" dur="1000" fill="hold">
-                                          <p:stCondLst>
-                                            <p:cond delay="0"/>
-                                          </p:stCondLst>
-                                        </p:cTn>
-                                        <p:tgtEl>
-                                          <p:spTgt spid="19"/>
-                                        </p:tgtEl>
-                                        <p:attrNameLst>
-                                          <p:attrName>r</p:attrName>
-                                        </p:attrNameLst>
-                                      </p:cBhvr>
-                                    </p:animRot>
+                                    </p:animEffect>
                                   </p:childTnLst>
                                 </p:cTn>
                               </p:par>
@@ -6427,11 +6067,11 @@
                         <p:par>
                           <p:cTn id="28" fill="hold">
                             <p:stCondLst>
-                              <p:cond delay="3800"/>
+                              <p:cond delay="3000"/>
                             </p:stCondLst>
                             <p:childTnLst>
                               <p:par>
-                                <p:cTn id="29" presetID="53" presetClass="entr" presetSubtype="16" fill="hold" grpId="0" nodeType="afterEffect">
+                                <p:cTn id="29" presetID="53" presetClass="entr" presetSubtype="16" fill="hold" nodeType="afterEffect">
                                   <p:stCondLst>
                                     <p:cond delay="0"/>
                                   </p:stCondLst>
@@ -6465,12 +6105,12 @@
                                         </p:attrNameLst>
                                       </p:cBhvr>
                                       <p:tavLst>
-                                        <p:tav tm="0">
+                                        <p:tav tm="0" fmla="">
                                           <p:val>
                                             <p:fltVal val="0"/>
                                           </p:val>
                                         </p:tav>
-                                        <p:tav tm="100000">
+                                        <p:tav tm="100000" fmla="">
                                           <p:val>
                                             <p:strVal val="#ppt_w"/>
                                           </p:val>
@@ -6488,12 +6128,12 @@
                                         </p:attrNameLst>
                                       </p:cBhvr>
                                       <p:tavLst>
-                                        <p:tav tm="0">
+                                        <p:tav tm="0" fmla="">
                                           <p:val>
                                             <p:fltVal val="0"/>
                                           </p:val>
                                         </p:tav>
-                                        <p:tav tm="100000">
+                                        <p:tav tm="100000" fmla="">
                                           <p:val>
                                             <p:strVal val="#ppt_h"/>
                                           </p:val>
@@ -6517,11 +6157,11 @@
                         <p:par>
                           <p:cTn id="34" fill="hold">
                             <p:stCondLst>
-                              <p:cond delay="4300"/>
+                              <p:cond delay="4500"/>
                             </p:stCondLst>
                             <p:childTnLst>
                               <p:par>
-                                <p:cTn id="35" presetID="53" presetClass="entr" presetSubtype="16" fill="hold" grpId="0" nodeType="afterEffect">
+                                <p:cTn id="35" presetID="53" presetClass="entr" presetSubtype="16" fill="hold" nodeType="afterEffect">
                                   <p:stCondLst>
                                     <p:cond delay="0"/>
                                   </p:stCondLst>
@@ -6555,12 +6195,12 @@
                                         </p:attrNameLst>
                                       </p:cBhvr>
                                       <p:tavLst>
-                                        <p:tav tm="0">
+                                        <p:tav tm="0" fmla="">
                                           <p:val>
                                             <p:fltVal val="0"/>
                                           </p:val>
                                         </p:tav>
-                                        <p:tav tm="100000">
+                                        <p:tav tm="100000" fmla="">
                                           <p:val>
                                             <p:strVal val="#ppt_w"/>
                                           </p:val>
@@ -6578,12 +6218,12 @@
                                         </p:attrNameLst>
                                       </p:cBhvr>
                                       <p:tavLst>
-                                        <p:tav tm="0">
+                                        <p:tav tm="0" fmla="">
                                           <p:val>
                                             <p:fltVal val="0"/>
                                           </p:val>
                                         </p:tav>
-                                        <p:tav tm="100000">
+                                        <p:tav tm="100000" fmla="">
                                           <p:val>
                                             <p:strVal val="#ppt_h"/>
                                           </p:val>
@@ -6607,11 +6247,11 @@
                         <p:par>
                           <p:cTn id="40" fill="hold">
                             <p:stCondLst>
-                              <p:cond delay="4800"/>
+                              <p:cond delay="6000"/>
                             </p:stCondLst>
                             <p:childTnLst>
                               <p:par>
-                                <p:cTn id="41" presetID="53" presetClass="entr" presetSubtype="16" fill="hold" grpId="0" nodeType="afterEffect">
+                                <p:cTn id="41" presetID="53" presetClass="entr" presetSubtype="16" fill="hold" nodeType="afterEffect">
                                   <p:stCondLst>
                                     <p:cond delay="0"/>
                                   </p:stCondLst>
@@ -6645,12 +6285,12 @@
                                         </p:attrNameLst>
                                       </p:cBhvr>
                                       <p:tavLst>
-                                        <p:tav tm="0">
+                                        <p:tav tm="0" fmla="">
                                           <p:val>
                                             <p:fltVal val="0"/>
                                           </p:val>
                                         </p:tav>
-                                        <p:tav tm="100000">
+                                        <p:tav tm="100000" fmla="">
                                           <p:val>
                                             <p:strVal val="#ppt_w"/>
                                           </p:val>
@@ -6668,12 +6308,12 @@
                                         </p:attrNameLst>
                                       </p:cBhvr>
                                       <p:tavLst>
-                                        <p:tav tm="0">
+                                        <p:tav tm="0" fmla="">
                                           <p:val>
                                             <p:fltVal val="0"/>
                                           </p:val>
                                         </p:tav>
-                                        <p:tav tm="100000">
+                                        <p:tav tm="100000" fmla="">
                                           <p:val>
                                             <p:strVal val="#ppt_h"/>
                                           </p:val>
@@ -6697,11 +6337,11 @@
                         <p:par>
                           <p:cTn id="46" fill="hold">
                             <p:stCondLst>
-                              <p:cond delay="5300"/>
+                              <p:cond delay="7500"/>
                             </p:stCondLst>
                             <p:childTnLst>
                               <p:par>
-                                <p:cTn id="47" presetID="53" presetClass="entr" presetSubtype="16" fill="hold" grpId="0" nodeType="afterEffect">
+                                <p:cTn id="47" presetID="53" presetClass="entr" presetSubtype="16" fill="hold" nodeType="afterEffect">
                                   <p:stCondLst>
                                     <p:cond delay="0"/>
                                   </p:stCondLst>
@@ -6735,12 +6375,12 @@
                                         </p:attrNameLst>
                                       </p:cBhvr>
                                       <p:tavLst>
-                                        <p:tav tm="0">
+                                        <p:tav tm="0" fmla="">
                                           <p:val>
                                             <p:fltVal val="0"/>
                                           </p:val>
                                         </p:tav>
-                                        <p:tav tm="100000">
+                                        <p:tav tm="100000" fmla="">
                                           <p:val>
                                             <p:strVal val="#ppt_w"/>
                                           </p:val>
@@ -6758,12 +6398,12 @@
                                         </p:attrNameLst>
                                       </p:cBhvr>
                                       <p:tavLst>
-                                        <p:tav tm="0">
+                                        <p:tav tm="0" fmla="">
                                           <p:val>
                                             <p:fltVal val="0"/>
                                           </p:val>
                                         </p:tav>
-                                        <p:tav tm="100000">
+                                        <p:tav tm="100000" fmla="">
                                           <p:val>
                                             <p:strVal val="#ppt_h"/>
                                           </p:val>
@@ -6787,18 +6427,18 @@
                         <p:par>
                           <p:cTn id="52" fill="hold">
                             <p:stCondLst>
-                              <p:cond delay="5800"/>
+                              <p:cond delay="9000"/>
                             </p:stCondLst>
                             <p:childTnLst>
                               <p:par>
-                                <p:cTn id="53" presetID="22" presetClass="entr" presetSubtype="4" fill="hold" grpId="0" nodeType="afterEffect">
+                                <p:cTn id="53" presetID="10" presetClass="entr" presetSubtype="0" fill="hold" nodeType="afterEffect">
                                   <p:stCondLst>
                                     <p:cond delay="0"/>
                                   </p:stCondLst>
                                   <p:childTnLst>
                                     <p:set>
                                       <p:cBhvr>
-                                        <p:cTn id="54" dur="1" fill="hold">
+                                        <p:cTn dur="1" fill="hold">
                                           <p:stCondLst>
                                             <p:cond delay="0"/>
                                           </p:stCondLst>
@@ -6814,9 +6454,9 @@
                                         <p:strVal val="visible"/>
                                       </p:to>
                                     </p:set>
-                                    <p:animEffect transition="in" filter="wipe(down)">
+                                    <p:animEffect transition="in" filter="fade">
                                       <p:cBhvr>
-                                        <p:cTn id="55" dur="500"/>
+                                        <p:cTn dur="500"/>
                                         <p:tgtEl>
                                           <p:spTgt spid="21"/>
                                         </p:tgtEl>
@@ -6831,18 +6471,18 @@
                         <p:par>
                           <p:cTn id="56" fill="hold">
                             <p:stCondLst>
-                              <p:cond delay="6300"/>
+                              <p:cond delay="9500"/>
                             </p:stCondLst>
                             <p:childTnLst>
                               <p:par>
-                                <p:cTn id="57" presetID="22" presetClass="entr" presetSubtype="4" fill="hold" grpId="0" nodeType="afterEffect">
+                                <p:cTn id="57" presetID="10" presetClass="entr" presetSubtype="0" fill="hold" nodeType="afterEffect">
                                   <p:stCondLst>
                                     <p:cond delay="0"/>
                                   </p:stCondLst>
                                   <p:childTnLst>
                                     <p:set>
                                       <p:cBhvr>
-                                        <p:cTn id="58" dur="1" fill="hold">
+                                        <p:cTn dur="1" fill="hold">
                                           <p:stCondLst>
                                             <p:cond delay="0"/>
                                           </p:stCondLst>
@@ -6858,9 +6498,9 @@
                                         <p:strVal val="visible"/>
                                       </p:to>
                                     </p:set>
-                                    <p:animEffect transition="in" filter="wipe(down)">
+                                    <p:animEffect transition="in" filter="fade">
                                       <p:cBhvr>
-                                        <p:cTn id="59" dur="500"/>
+                                        <p:cTn dur="500"/>
                                         <p:tgtEl>
                                           <p:spTgt spid="23"/>
                                         </p:tgtEl>
@@ -6875,18 +6515,18 @@
                         <p:par>
                           <p:cTn id="60" fill="hold">
                             <p:stCondLst>
-                              <p:cond delay="6800"/>
+                              <p:cond delay="10000"/>
                             </p:stCondLst>
                             <p:childTnLst>
                               <p:par>
-                                <p:cTn id="61" presetID="22" presetClass="entr" presetSubtype="4" fill="hold" grpId="0" nodeType="afterEffect">
+                                <p:cTn id="61" presetID="10" presetClass="entr" presetSubtype="0" fill="hold" nodeType="afterEffect">
                                   <p:stCondLst>
                                     <p:cond delay="0"/>
                                   </p:stCondLst>
                                   <p:childTnLst>
                                     <p:set>
                                       <p:cBhvr>
-                                        <p:cTn id="62" dur="1" fill="hold">
+                                        <p:cTn dur="1" fill="hold">
                                           <p:stCondLst>
                                             <p:cond delay="0"/>
                                           </p:stCondLst>
@@ -6902,9 +6542,9 @@
                                         <p:strVal val="visible"/>
                                       </p:to>
                                     </p:set>
-                                    <p:animEffect transition="in" filter="wipe(down)">
+                                    <p:animEffect transition="in" filter="fade">
                                       <p:cBhvr>
-                                        <p:cTn id="63" dur="500"/>
+                                        <p:cTn dur="500"/>
                                         <p:tgtEl>
                                           <p:spTgt spid="25"/>
                                         </p:tgtEl>
@@ -6919,18 +6559,18 @@
                         <p:par>
                           <p:cTn id="64" fill="hold">
                             <p:stCondLst>
-                              <p:cond delay="7300"/>
+                              <p:cond delay="10500"/>
                             </p:stCondLst>
                             <p:childTnLst>
                               <p:par>
-                                <p:cTn id="65" presetID="22" presetClass="entr" presetSubtype="4" fill="hold" grpId="0" nodeType="afterEffect">
+                                <p:cTn id="65" presetID="10" presetClass="entr" presetSubtype="0" fill="hold" nodeType="afterEffect">
                                   <p:stCondLst>
                                     <p:cond delay="0"/>
                                   </p:stCondLst>
                                   <p:childTnLst>
                                     <p:set>
                                       <p:cBhvr>
-                                        <p:cTn id="66" dur="1" fill="hold">
+                                        <p:cTn dur="1" fill="hold">
                                           <p:stCondLst>
                                             <p:cond delay="0"/>
                                           </p:stCondLst>
@@ -6946,9 +6586,9 @@
                                         <p:strVal val="visible"/>
                                       </p:to>
                                     </p:set>
-                                    <p:animEffect transition="in" filter="wipe(down)">
+                                    <p:animEffect transition="in" filter="fade">
                                       <p:cBhvr>
-                                        <p:cTn id="67" dur="500"/>
+                                        <p:cTn dur="500"/>
                                         <p:tgtEl>
                                           <p:spTgt spid="27"/>
                                         </p:tgtEl>
@@ -6984,26 +6624,12 @@
         </p:cTn>
       </p:par>
     </p:tnLst>
-    <p:bldLst>
-      <p:bldP spid="18" grpId="0"/>
-      <p:bldP spid="19" grpId="0"/>
-      <p:bldP spid="20" grpId="0" animBg="1"/>
-      <p:bldP spid="21" grpId="0" animBg="1"/>
-      <p:bldP spid="22" grpId="0" animBg="1"/>
-      <p:bldP spid="23" grpId="0" animBg="1"/>
-      <p:bldP spid="24" grpId="0" animBg="1"/>
-      <p:bldP spid="25" grpId="0" animBg="1"/>
-      <p:bldP spid="26" grpId="0" animBg="1"/>
-      <p:bldP spid="27" grpId="0" animBg="1"/>
-      <p:bldP spid="17" grpId="0" animBg="1"/>
-      <p:bldP spid="16" grpId="0" animBg="1"/>
-    </p:bldLst>
   </p:timing>
 </p:sld>
 </file>
 
 <file path=ppt/slides/slide3.xml><?xml version="1.0" encoding="utf-8"?>
-<p:sld xmlns:a="http://schemas.openxmlformats.org/drawingml/2006/main" xmlns:r="http://schemas.openxmlformats.org/officeDocument/2006/relationships" xmlns:p="http://schemas.openxmlformats.org/presentationml/2006/main">
+<p:sld xmlns:p14="http://schemas.microsoft.com/office/powerpoint/2010/main" xmlns:a="http://schemas.openxmlformats.org/drawingml/2006/main" xmlns:r="http://schemas.openxmlformats.org/officeDocument/2006/relationships" xmlns:p="http://schemas.openxmlformats.org/presentationml/2006/main">
   <p:cSld>
     <p:spTree>
       <p:nvGrpSpPr>
@@ -7029,13 +6655,17 @@
             <p:ph type="title"/>
           </p:nvPr>
         </p:nvSpPr>
-        <p:spPr/>
+        <p:spPr>
+          <a:prstGeom prst="rect">
+            <a:avLst/>
+          </a:prstGeom>
+        </p:spPr>
         <p:txBody>
           <a:bodyPr/>
           <a:lstStyle/>
           <a:p>
             <a:r>
-              <a:rPr lang="zh-CN" altLang="en-US" dirty="0"/>
+              <a:rPr lang="zh-CN" altLang="en-US"/>
               <a:t>用户痛点分析</a:t>
             </a:r>
           </a:p>
@@ -7043,142 +6673,103 @@
       </p:sp>
       <p:sp>
         <p:nvSpPr>
-          <p:cNvPr id="3" name="内容占位符 2"/>
-          <p:cNvSpPr>
-            <a:spLocks noGrp="1"/>
-          </p:cNvSpPr>
+          <p:cNvPr id="3" name=""/>
+          <p:cNvSpPr txBox="0"/>
           <p:nvPr>
             <p:ph idx="1"/>
           </p:nvPr>
         </p:nvSpPr>
-        <p:spPr/>
-        <p:txBody>
-          <a:bodyPr/>
+        <p:spPr>
+          <a:prstGeom prst="rect">
+            <a:avLst/>
+          </a:prstGeom>
+        </p:spPr>
+        <p:txBody>
+          <a:bodyPr>
+            <a:normAutofit fontScale="100000"/>
+          </a:bodyPr>
           <a:lstStyle/>
           <a:p>
-            <a:r>
-              <a:rPr lang="zh-CN" altLang="en-CN" dirty="0"/>
-              <a:t>增强</a:t>
-            </a:r>
-            <a:r>
-              <a:rPr lang="zh-CN" altLang="en-US" dirty="0"/>
-              <a:t>有图片检索需求的应用体验</a:t>
-            </a:r>
-            <a:endParaRPr lang="en-US" altLang="zh-CN" dirty="0"/>
+            <a:pPr lvl="0"/>
+            <a:r>
+              <a:rPr lang="zh-CN" altLang="zh-CN"/>
+              <a:t>用户：社交媒体的活跃用户</a:t>
+            </a:r>
+            <a:endParaRPr lang="en-US" altLang="en-US"/>
           </a:p>
           <a:p>
             <a:pPr lvl="1"/>
             <a:r>
-              <a:rPr lang="zh-CN" altLang="en-US" dirty="0"/>
-              <a:t>场景：发朋友圈、</a:t>
-            </a:r>
-            <a:r>
-              <a:rPr lang="zh-CN" altLang="en-CN" dirty="0"/>
-              <a:t>聊天时</a:t>
-            </a:r>
-            <a:r>
-              <a:rPr lang="zh-CN" altLang="en-US" dirty="0"/>
-              <a:t>搜索表情包、</a:t>
-            </a:r>
-            <a:r>
-              <a:rPr lang="en-US" altLang="zh-CN" dirty="0"/>
-              <a:t>···</a:t>
+              <a:rPr lang="zh-CN" altLang="zh-CN"/>
+              <a:t>软件功能符合当今青少年的群体画像</a:t>
             </a:r>
           </a:p>
           <a:p>
             <a:pPr lvl="1"/>
             <a:r>
-              <a:rPr lang="zh-CN" altLang="en-US" dirty="0"/>
-              <a:t>正常逐个检索：</a:t>
-            </a:r>
-            <a:r>
-              <a:rPr lang="en-US" altLang="zh-CN" dirty="0"/>
-              <a:t>Time-wasting</a:t>
+              <a:rPr lang="zh-CN" altLang="zh-CN"/>
+              <a:t>具有广泛的用户群基础</a:t>
+            </a:r>
+          </a:p>
+          <a:p>
+            <a:pPr lvl="0"/>
+            <a:r>
+              <a:rPr lang="zh-CN" altLang="zh-CN"/>
+              <a:t>场景：聊天时搜索表情包</a:t>
+            </a:r>
+          </a:p>
+          <a:p>
+            <a:pPr lvl="0"/>
+            <a:r>
+              <a:rPr lang="zh-CN" altLang="zh-CN"/>
+              <a:t>痛点：</a:t>
             </a:r>
           </a:p>
           <a:p>
             <a:pPr lvl="1"/>
             <a:r>
-              <a:rPr lang="zh-CN" altLang="en-US" dirty="0"/>
-              <a:t>语义检索优势：节省时间；保证聊天的即时性，增强用户交互体验</a:t>
-            </a:r>
-            <a:endParaRPr lang="en-US" altLang="zh-CN" dirty="0"/>
-          </a:p>
-          <a:p>
-            <a:r>
-              <a:rPr lang="zh-CN" altLang="en-US" dirty="0"/>
-              <a:t>提供跨模态、多模态检索可能性</a:t>
-            </a:r>
-            <a:endParaRPr lang="en-US" altLang="zh-CN" dirty="0"/>
+              <a:rPr lang="zh-CN" altLang="zh-CN"/>
+              <a:t>本地表情包库大，聊天时手动检索表情的时间过长</a:t>
+            </a:r>
           </a:p>
           <a:p>
             <a:pPr lvl="1"/>
             <a:r>
-              <a:rPr lang="zh-CN" altLang="en-US" dirty="0"/>
-              <a:t>场景：类似</a:t>
-            </a:r>
-            <a:r>
-              <a:rPr lang="en-US" altLang="zh-CN" dirty="0"/>
-              <a:t>Google Image Search</a:t>
-            </a:r>
-            <a:r>
-              <a:rPr lang="zh-CN" altLang="en-US" dirty="0"/>
-              <a:t>，但本地个性化</a:t>
-            </a:r>
-            <a:endParaRPr lang="en-US" altLang="zh-CN" dirty="0"/>
+              <a:rPr lang="zh-CN" altLang="zh-CN"/>
+              <a:t>使用文字或已有表情包检索需要表情的正确率低</a:t>
+            </a:r>
           </a:p>
           <a:p>
             <a:pPr lvl="1"/>
             <a:r>
-              <a:rPr lang="zh-CN" altLang="en-US" dirty="0"/>
-              <a:t>跳出</a:t>
-            </a:r>
-            <a:r>
-              <a:rPr lang="en-US" altLang="zh-CN" dirty="0"/>
-              <a:t>text2image</a:t>
-            </a:r>
-            <a:r>
-              <a:rPr lang="zh-CN" altLang="en-US" dirty="0"/>
-              <a:t>的搜索范式</a:t>
-            </a:r>
-            <a:endParaRPr lang="en-US" altLang="zh-CN" dirty="0"/>
-          </a:p>
-          <a:p>
-            <a:pPr lvl="1"/>
-            <a:r>
-              <a:rPr lang="zh-CN" altLang="en-US" dirty="0"/>
-              <a:t>直接用图片检索数据库中</a:t>
-            </a:r>
-            <a:r>
-              <a:rPr lang="zh-CN" altLang="en-CN" dirty="0"/>
-              <a:t>相近语义</a:t>
-            </a:r>
-            <a:r>
-              <a:rPr lang="zh-CN" altLang="en-US" dirty="0"/>
-              <a:t>的图片，</a:t>
-            </a:r>
-            <a:r>
-              <a:rPr lang="en-US" altLang="zh-CN" dirty="0"/>
-              <a:t>···</a:t>
-            </a:r>
-          </a:p>
-          <a:p>
-            <a:pPr lvl="1"/>
-            <a:r>
-              <a:rPr lang="zh-CN" altLang="en-US" dirty="0"/>
-              <a:t>可应用于电商、视频、直播、问答等各类平台</a:t>
-            </a:r>
-            <a:endParaRPr lang="en-US" altLang="zh-CN" dirty="0"/>
-          </a:p>
-          <a:p>
-            <a:endParaRPr lang="en-US" altLang="zh-CN" dirty="0"/>
-          </a:p>
-          <a:p>
-            <a:pPr lvl="1"/>
-            <a:endParaRPr lang="zh-CN" altLang="en-US" dirty="0"/>
-          </a:p>
-        </p:txBody>
-      </p:sp>
+              <a:rPr lang="zh-CN" altLang="zh-CN"/>
+              <a:t>对即时在线聊天的时效性产生挑战</a:t>
+            </a:r>
+          </a:p>
+        </p:txBody>
+      </p:sp>
+      <p:pic>
+        <p:nvPicPr>
+          <p:cNvPr id="4" name=""/>
+          <p:cNvPicPr>
+            <a:picLocks noChangeAspect="1"/>
+          </p:cNvPicPr>
+          <p:nvPr/>
+        </p:nvPicPr>
+        <p:blipFill>
+          <a:blip r:embed="rId2"/>
+          <a:stretch/>
+        </p:blipFill>
+        <p:spPr>
+          <a:xfrm rot="0" flipH="0" flipV="0">
+            <a:off x="9104676" y="1693333"/>
+            <a:ext cx="1951271" cy="4222750"/>
+          </a:xfrm>
+          <a:prstGeom prst="rect">
+            <a:avLst/>
+          </a:prstGeom>
+        </p:spPr>
+      </p:pic>
     </p:spTree>
     <p:extLst>
       <p:ext uri="{BB962C8B-B14F-4D97-AF65-F5344CB8AC3E}">
@@ -7193,7 +6784,7 @@
 </file>
 
 <file path=ppt/slides/slide4.xml><?xml version="1.0" encoding="utf-8"?>
-<p:sld xmlns:a="http://schemas.openxmlformats.org/drawingml/2006/main" xmlns:r="http://schemas.openxmlformats.org/officeDocument/2006/relationships" xmlns:p="http://schemas.openxmlformats.org/presentationml/2006/main">
+<p:sld xmlns:p14="http://schemas.microsoft.com/office/powerpoint/2010/main" xmlns:a="http://schemas.openxmlformats.org/drawingml/2006/main" xmlns:r="http://schemas.openxmlformats.org/officeDocument/2006/relationships" xmlns:p="http://schemas.openxmlformats.org/presentationml/2006/main">
   <p:cSld>
     <p:spTree>
       <p:nvGrpSpPr>
@@ -7219,14 +6810,18 @@
             <p:ph type="title"/>
           </p:nvPr>
         </p:nvSpPr>
-        <p:spPr/>
+        <p:spPr>
+          <a:prstGeom prst="rect">
+            <a:avLst/>
+          </a:prstGeom>
+        </p:spPr>
         <p:txBody>
           <a:bodyPr/>
           <a:lstStyle/>
           <a:p>
             <a:r>
-              <a:rPr lang="zh-CN" altLang="en-US" dirty="0"/>
-              <a:t>用户痛点分析</a:t>
+              <a:rPr lang="zh-CN" altLang="en-US"/>
+              <a:t>项目预计功能</a:t>
             </a:r>
           </a:p>
         </p:txBody>
@@ -7241,117 +6836,117 @@
             <p:ph idx="1"/>
           </p:nvPr>
         </p:nvSpPr>
-        <p:spPr/>
-        <p:txBody>
-          <a:bodyPr/>
+        <p:spPr>
+          <a:prstGeom prst="rect">
+            <a:avLst/>
+          </a:prstGeom>
+        </p:spPr>
+        <p:txBody>
+          <a:bodyPr>
+            <a:normAutofit fontScale="100000"/>
+          </a:bodyPr>
           <a:lstStyle/>
           <a:p>
-            <a:r>
-              <a:rPr lang="zh-CN" altLang="en-US" dirty="0"/>
-              <a:t>提供无障碍服务</a:t>
-            </a:r>
-            <a:endParaRPr lang="en-US" altLang="zh-CN" dirty="0"/>
+            <a:pPr marL="228600" lvl="0" indent="-228600">
+              <a:buFont typeface="Arial" charset="0"/>
+              <a:buChar char="•"/>
+            </a:pPr>
+            <a:r>
+              <a:rPr lang="zh-CN" altLang="zh-CN"/>
+              <a:t>简便输入：</a:t>
+            </a:r>
+            <a:r>
+              <a:rPr lang="en-US" altLang="en-US"/>
+              <a:t> </a:t>
+            </a:r>
+            <a:r>
+              <a:rPr lang="zh-CN" altLang="zh-CN"/>
+              <a:t>用户只需输入短语、描述或关键词，即可获取相关的表情建议。</a:t>
+            </a:r>
+            <a:endParaRPr lang="en-US" altLang="en-US"/>
+          </a:p>
+          <a:p>
+            <a:pPr marL="228600" lvl="0" indent="-228600">
+              <a:buFont typeface="Arial" charset="0"/>
+              <a:buChar char="•"/>
+            </a:pPr>
+            <a:r>
+              <a:rPr lang="zh-CN" altLang="zh-CN"/>
+              <a:t>智能推荐：</a:t>
+            </a:r>
+            <a:r>
+              <a:rPr lang="en-US" altLang="en-US"/>
+              <a:t> </a:t>
+            </a:r>
+            <a:r>
+              <a:rPr lang="zh-CN" altLang="zh-CN"/>
+              <a:t>基于先进的自然语言处理技术，系统能够智能分析用户输入，提供与情感最匹配的表情建议。</a:t>
+            </a:r>
+          </a:p>
+          <a:p>
+            <a:pPr marL="228600" lvl="0" indent="-228600">
+              <a:buFont typeface="Arial" charset="0"/>
+              <a:buChar char="•"/>
+            </a:pPr>
+            <a:r>
+              <a:rPr lang="zh-CN" altLang="zh-CN"/>
+              <a:t>多样表情：</a:t>
+            </a:r>
+            <a:r>
+              <a:rPr lang="en-US" altLang="en-US"/>
+              <a:t> </a:t>
+            </a:r>
+            <a:r>
+              <a:rPr lang="zh-CN" altLang="zh-CN"/>
+              <a:t>支持多种表情，包括文字表情、动态</a:t>
+            </a:r>
+            <a:r>
+              <a:rPr lang="en-US" altLang="en-US"/>
+              <a:t>GIF</a:t>
+            </a:r>
+            <a:r>
+              <a:rPr lang="zh-CN" altLang="zh-CN"/>
+              <a:t>表情等，以满足用户不同的表达需求。</a:t>
+            </a:r>
+          </a:p>
+          <a:p>
+            <a:pPr marL="228600" lvl="0" indent="-228600">
+              <a:buFont typeface="Arial" charset="0"/>
+              <a:buChar char="•"/>
+            </a:pPr>
+            <a:r>
+              <a:rPr lang="zh-CN" altLang="zh-CN"/>
+              <a:t>图像匹配：用户通过上传图像，即可获得相关的表情建议。</a:t>
+            </a:r>
+          </a:p>
+          <a:p>
+            <a:pPr marL="0" lvl="0" indent="0">
+              <a:buNone/>
+            </a:pPr>
+            <a:endParaRPr lang="en-US" altLang="en-US"/>
           </a:p>
           <a:p>
             <a:pPr lvl="1"/>
-            <a:r>
-              <a:rPr lang="zh-CN" altLang="en-US" dirty="0"/>
-              <a:t>面向视觉障碍用户</a:t>
-            </a:r>
-            <a:endParaRPr lang="en-US" altLang="zh-CN" dirty="0"/>
-          </a:p>
-          <a:p>
-            <a:pPr lvl="1"/>
-            <a:r>
-              <a:rPr lang="zh-CN" altLang="en-US" dirty="0"/>
-              <a:t>根据文字描述搜索</a:t>
-            </a:r>
-            <a:r>
-              <a:rPr lang="en-US" altLang="zh-CN" dirty="0"/>
-              <a:t>/</a:t>
-            </a:r>
-            <a:r>
-              <a:rPr lang="zh-CN" altLang="en-US" dirty="0"/>
-              <a:t>生成对应语义的图片</a:t>
-            </a:r>
-            <a:endParaRPr lang="en-US" altLang="zh-CN" dirty="0"/>
-          </a:p>
-          <a:p>
-            <a:r>
-              <a:rPr lang="zh-CN" altLang="en-US" dirty="0"/>
-              <a:t>辅助创意生成</a:t>
-            </a:r>
-            <a:endParaRPr lang="en-US" altLang="zh-CN" dirty="0"/>
-          </a:p>
-          <a:p>
-            <a:pPr lvl="1"/>
-            <a:r>
-              <a:rPr lang="zh-CN" altLang="en-US" dirty="0"/>
-              <a:t>面向艺术家、设计师等群体</a:t>
-            </a:r>
-            <a:endParaRPr lang="en-US" altLang="zh-CN" dirty="0"/>
-          </a:p>
-          <a:p>
-            <a:pPr lvl="1"/>
-            <a:r>
-              <a:rPr lang="zh-CN" altLang="en-US" dirty="0"/>
-              <a:t>利用基于</a:t>
-            </a:r>
-            <a:r>
-              <a:rPr lang="en-US" altLang="zh-CN" dirty="0"/>
-              <a:t>CLIP</a:t>
-            </a:r>
-            <a:r>
-              <a:rPr lang="zh-CN" altLang="en-US" dirty="0"/>
-              <a:t>开发的</a:t>
-            </a:r>
-            <a:r>
-              <a:rPr lang="en-US" altLang="zh-CN" dirty="0"/>
-              <a:t>DALL-E</a:t>
-            </a:r>
-            <a:r>
-              <a:rPr lang="zh-CN" altLang="en-US" dirty="0"/>
-              <a:t>模型使系统具有生成能力</a:t>
-            </a:r>
-            <a:endParaRPr lang="en-US" altLang="zh-CN" dirty="0"/>
-          </a:p>
-          <a:p>
-            <a:pPr lvl="1"/>
-            <a:r>
-              <a:rPr lang="zh-CN" altLang="en-US" dirty="0"/>
-              <a:t>输入创意性描述得到搜索</a:t>
-            </a:r>
-            <a:r>
-              <a:rPr lang="en-US" altLang="zh-CN" dirty="0"/>
-              <a:t>/</a:t>
-            </a:r>
-            <a:r>
-              <a:rPr lang="zh-CN" altLang="en-US" dirty="0"/>
-              <a:t>生成的对应图像结果</a:t>
-            </a:r>
-            <a:endParaRPr lang="en-US" altLang="zh-CN" dirty="0"/>
-          </a:p>
-          <a:p>
-            <a:pPr lvl="1"/>
-            <a:r>
-              <a:rPr lang="zh-CN" altLang="en-US" dirty="0"/>
-              <a:t>获得设计参考、辅助寻找创作灵感</a:t>
-            </a:r>
-            <a:endParaRPr lang="en-US" altLang="zh-CN" dirty="0"/>
-          </a:p>
-          <a:p>
-            <a:r>
-              <a:rPr lang="en-US" altLang="zh-CN" dirty="0"/>
-              <a:t>···</a:t>
-            </a:r>
-            <a:endParaRPr lang="zh-CN" altLang="en-US" dirty="0"/>
+            <a:endParaRPr lang="en-US" altLang="en-US"/>
+          </a:p>
+          <a:p>
+            <a:pPr lvl="0"/>
+            <a:endParaRPr lang="en-US" altLang="en-US"/>
+          </a:p>
+          <a:p>
+            <a:pPr lvl="0"/>
+            <a:endParaRPr lang="en-US" altLang="en-US"/>
+          </a:p>
+          <a:p>
+            <a:pPr lvl="0"/>
+            <a:endParaRPr lang="zh-CN" altLang="zh-CN"/>
           </a:p>
         </p:txBody>
       </p:sp>
     </p:spTree>
     <p:extLst>
       <p:ext uri="{BB962C8B-B14F-4D97-AF65-F5344CB8AC3E}">
-        <p14:creationId xmlns:p14="http://schemas.microsoft.com/office/powerpoint/2010/main" val="2099233980"/>
+        <p14:creationId xmlns:p14="http://schemas.microsoft.com/office/powerpoint/2010/main" val="2100465425"/>
       </p:ext>
     </p:extLst>
   </p:cSld>
@@ -7362,7 +6957,7 @@
 </file>
 
 <file path=ppt/slides/slide5.xml><?xml version="1.0" encoding="utf-8"?>
-<p:sld xmlns:a="http://schemas.openxmlformats.org/drawingml/2006/main" xmlns:r="http://schemas.openxmlformats.org/officeDocument/2006/relationships" xmlns:p="http://schemas.openxmlformats.org/presentationml/2006/main">
+<p:sld xmlns:p14="http://schemas.microsoft.com/office/powerpoint/2010/main" xmlns:a="http://schemas.openxmlformats.org/drawingml/2006/main" xmlns:r="http://schemas.openxmlformats.org/officeDocument/2006/relationships" xmlns:p="http://schemas.openxmlformats.org/presentationml/2006/main">
   <p:cSld>
     <p:spTree>
       <p:nvGrpSpPr>
@@ -7388,14 +6983,19 @@
             <p:ph type="title"/>
           </p:nvPr>
         </p:nvSpPr>
-        <p:spPr/>
+        <p:spPr>
+          <a:prstGeom prst="rect">
+            <a:avLst/>
+          </a:prstGeom>
+        </p:spPr>
         <p:txBody>
           <a:bodyPr/>
           <a:lstStyle/>
           <a:p>
-            <a:r>
-              <a:rPr lang="zh-CN" altLang="en-US" dirty="0"/>
-              <a:t>项目预计功能</a:t>
+            <a:pPr lvl="0"/>
+            <a:r>
+              <a:rPr lang="zh-CN" altLang="zh-CN"/>
+              <a:t>评价与验收标准</a:t>
             </a:r>
           </a:p>
         </p:txBody>
@@ -7410,139 +7010,55 @@
             <p:ph idx="1"/>
           </p:nvPr>
         </p:nvSpPr>
-        <p:spPr/>
-        <p:txBody>
-          <a:bodyPr/>
+        <p:spPr>
+          <a:prstGeom prst="rect">
+            <a:avLst/>
+          </a:prstGeom>
+        </p:spPr>
+        <p:txBody>
+          <a:bodyPr>
+            <a:normAutofit fontScale="100000"/>
+          </a:bodyPr>
           <a:lstStyle/>
           <a:p>
-            <a:r>
-              <a:rPr lang="zh-CN" altLang="en-US" dirty="0"/>
-              <a:t>跨模态图片语义检索</a:t>
-            </a:r>
-            <a:endParaRPr lang="en-US" altLang="zh-CN" dirty="0"/>
+            <a:pPr lvl="0"/>
+            <a:r>
+              <a:rPr lang="zh-CN" altLang="zh-CN"/>
+              <a:t>评价指标</a:t>
+            </a:r>
           </a:p>
           <a:p>
             <a:pPr lvl="1"/>
             <a:r>
-              <a:rPr lang="zh-CN" altLang="en-US" dirty="0"/>
-              <a:t>输入为自然语言、图片等模态信息</a:t>
-            </a:r>
-            <a:endParaRPr lang="en-US" altLang="zh-CN" dirty="0"/>
+              <a:rPr lang="zh-CN" altLang="zh-CN"/>
+              <a:t>以召回率为标准</a:t>
+            </a:r>
           </a:p>
           <a:p>
             <a:pPr lvl="1"/>
             <a:r>
-              <a:rPr lang="zh-CN" altLang="en-US" dirty="0"/>
-              <a:t>能够处理复杂的查询序列：“一张有着夕阳背景的</a:t>
-            </a:r>
-            <a:r>
-              <a:rPr lang="zh-CN" altLang="en-CN" dirty="0"/>
-              <a:t>吐着舌头的</a:t>
-            </a:r>
-            <a:r>
-              <a:rPr lang="zh-CN" altLang="en-US" dirty="0"/>
-              <a:t>柴犬”</a:t>
-            </a:r>
-            <a:endParaRPr lang="en-US" altLang="zh-CN" dirty="0"/>
+              <a:rPr lang="zh-CN" altLang="zh-CN"/>
+              <a:t>任务需求：真正符合输入语义的图片被筛选出来，返回图片集合中包含用户需求的真值更重要</a:t>
+            </a:r>
           </a:p>
           <a:p>
             <a:pPr lvl="1"/>
             <a:r>
-              <a:rPr lang="zh-CN" altLang="en-US" dirty="0"/>
-              <a:t>返回数据库中匹配程度最高的</a:t>
-            </a:r>
-            <a:r>
-              <a:rPr lang="en-US" altLang="zh-CN" dirty="0"/>
-              <a:t>Top-k</a:t>
-            </a:r>
-            <a:r>
-              <a:rPr lang="zh-CN" altLang="en-US" dirty="0"/>
-              <a:t>图片及其对应</a:t>
-            </a:r>
-            <a:r>
-              <a:rPr lang="en-US" altLang="zh-CN" dirty="0"/>
-              <a:t>score</a:t>
-            </a:r>
-          </a:p>
-          <a:p>
-            <a:r>
-              <a:rPr lang="zh-CN" altLang="en-US" dirty="0"/>
-              <a:t>依据语义生成图片</a:t>
-            </a:r>
-            <a:endParaRPr lang="en-US" altLang="zh-CN" dirty="0"/>
-          </a:p>
-          <a:p>
-            <a:pPr lvl="1"/>
-            <a:r>
-              <a:rPr lang="zh-CN" altLang="en-US" dirty="0"/>
-              <a:t>引入</a:t>
-            </a:r>
-            <a:r>
-              <a:rPr lang="en-US" altLang="zh-CN" dirty="0"/>
-              <a:t>DALL-E</a:t>
-            </a:r>
-            <a:r>
-              <a:rPr lang="zh-CN" altLang="en-US" dirty="0"/>
-              <a:t>的生成功能</a:t>
-            </a:r>
-            <a:endParaRPr lang="en-US" altLang="zh-CN" dirty="0"/>
-          </a:p>
-          <a:p>
-            <a:r>
-              <a:rPr lang="zh-CN" altLang="en-US" dirty="0"/>
-              <a:t>依据搜索结果</a:t>
-            </a:r>
-            <a:r>
-              <a:rPr lang="en-US" altLang="zh-CN" dirty="0"/>
-              <a:t>Finetune</a:t>
-            </a:r>
-          </a:p>
-          <a:p>
-            <a:pPr lvl="1"/>
-            <a:r>
-              <a:rPr lang="zh-CN" altLang="en-US" dirty="0"/>
-              <a:t>存储搜索结果，并根据用户反馈生成新测试情境下的真值</a:t>
-            </a:r>
-            <a:endParaRPr lang="en-US" altLang="zh-CN" dirty="0"/>
-          </a:p>
-          <a:p>
-            <a:pPr lvl="1"/>
-            <a:r>
-              <a:rPr lang="zh-CN" altLang="en-US" dirty="0"/>
-              <a:t>基于</a:t>
-            </a:r>
-            <a:r>
-              <a:rPr lang="zh-CN" altLang="en-CN" dirty="0"/>
-              <a:t>实际使用</a:t>
-            </a:r>
-            <a:r>
-              <a:rPr lang="zh-CN" altLang="en-US" dirty="0"/>
-              <a:t>的新数据做</a:t>
-            </a:r>
-            <a:r>
-              <a:rPr lang="en-US" altLang="zh-CN" dirty="0"/>
-              <a:t>fine-tuning</a:t>
-            </a:r>
-          </a:p>
-          <a:p>
-            <a:pPr lvl="1"/>
-            <a:endParaRPr lang="en-US" altLang="zh-CN" dirty="0"/>
-          </a:p>
-          <a:p>
-            <a:endParaRPr lang="en-US" altLang="zh-CN" dirty="0"/>
-          </a:p>
-          <a:p>
-            <a:endParaRPr lang="en-US" altLang="zh-CN" dirty="0"/>
-          </a:p>
-          <a:p>
-            <a:endParaRPr lang="zh-CN" altLang="en-US" dirty="0"/>
+              <a:rPr lang="zh-CN" altLang="zh-CN"/>
+              <a:t>代价：返回图片的一位命中率不够高，需要返回多张图片，用户完成最终的小范围筛选</a:t>
+            </a:r>
+            <a:endParaRPr lang="en-US" altLang="en-US"/>
+          </a:p>
+          <a:p>
+            <a:pPr lvl="0"/>
+            <a:endParaRPr lang="en-US" altLang="en-US"/>
           </a:p>
         </p:txBody>
       </p:sp>
     </p:spTree>
     <p:extLst>
       <p:ext uri="{BB962C8B-B14F-4D97-AF65-F5344CB8AC3E}">
-        <p14:creationId xmlns:p14="http://schemas.microsoft.com/office/powerpoint/2010/main" val="2100465425"/>
+        <p14:creationId xmlns:p14="http://schemas.microsoft.com/office/powerpoint/2010/main" val="3501940465"/>
       </p:ext>
     </p:extLst>
   </p:cSld>
@@ -7554,6 +7070,369 @@
 
 <file path=ppt/slides/slide6.xml><?xml version="1.0" encoding="utf-8"?>
 <p:sld xmlns:a="http://schemas.openxmlformats.org/drawingml/2006/main" xmlns:r="http://schemas.openxmlformats.org/officeDocument/2006/relationships" xmlns:p="http://schemas.openxmlformats.org/presentationml/2006/main">
+  <p:cSld>
+    <p:bg>
+      <p:bgPr>
+        <a:solidFill>
+          <a:schemeClr val="bg1"/>
+        </a:solidFill>
+      </p:bgPr>
+    </p:bg>
+    <p:spTree>
+      <p:nvGrpSpPr>
+        <p:cNvPr id="1" name=""/>
+        <p:cNvGrpSpPr/>
+        <p:nvPr/>
+      </p:nvGrpSpPr>
+      <p:grpSpPr>
+        <a:xfrm>
+          <a:off x="0" y="0"/>
+          <a:ext cx="0" cy="0"/>
+          <a:chOff x="0" y="0"/>
+          <a:chExt cx="0" cy="0"/>
+        </a:xfrm>
+      </p:grpSpPr>
+      <p:sp>
+        <p:nvSpPr>
+          <p:cNvPr id="2" name="标题 1"/>
+          <p:cNvSpPr>
+            <a:spLocks noGrp="1"/>
+          </p:cNvSpPr>
+          <p:nvPr>
+            <p:ph type="title"/>
+          </p:nvPr>
+        </p:nvSpPr>
+        <p:spPr>
+          <a:xfrm>
+            <a:off x="838200" y="365126"/>
+            <a:ext cx="10515600" cy="1258888"/>
+          </a:xfrm>
+          <a:prstGeom prst="rect">
+            <a:avLst/>
+          </a:prstGeom>
+        </p:spPr>
+        <p:txBody>
+          <a:bodyPr vert="horz" lIns="91440" tIns="45720" rIns="91440" bIns="45720" anchor="ctr">
+            <a:normAutofit fontScale="100000"/>
+          </a:bodyPr>
+          <a:lstStyle>
+            <a:lvl1pPr lvl="0" algn="l" defTabSz="914400">
+              <a:lnSpc>
+                <a:spcPct val="90000"/>
+              </a:lnSpc>
+              <a:spcBef>
+                <a:spcPct val="0"/>
+              </a:spcBef>
+              <a:buNone/>
+              <a:defRPr sz="4400" kern="1200">
+                <a:solidFill>
+                  <a:schemeClr val="tx1"/>
+                </a:solidFill>
+                <a:latin typeface="Arial"/>
+                <a:ea typeface="微软雅黑"/>
+              </a:defRPr>
+            </a:lvl1pPr>
+          </a:lstStyle>
+          <a:p>
+            <a:pPr lvl="0"/>
+            <a:r>
+              <a:rPr lang="zh-CN" altLang="zh-CN"/>
+              <a:t>评价与验收标准</a:t>
+            </a:r>
+          </a:p>
+        </p:txBody>
+      </p:sp>
+      <p:sp>
+        <p:nvSpPr>
+          <p:cNvPr id="3" name="内容占位符 2"/>
+          <p:cNvSpPr>
+            <a:spLocks noGrp="1"/>
+          </p:cNvSpPr>
+          <p:nvPr>
+            <p:ph idx="1"/>
+          </p:nvPr>
+        </p:nvSpPr>
+        <p:spPr>
+          <a:xfrm>
+            <a:off x="838200" y="1825625"/>
+            <a:ext cx="10515600" cy="4351338"/>
+          </a:xfrm>
+          <a:prstGeom prst="rect">
+            <a:avLst/>
+          </a:prstGeom>
+        </p:spPr>
+        <p:txBody>
+          <a:bodyPr vert="horz" lIns="91440" tIns="45720" rIns="91440" bIns="45720">
+            <a:normAutofit fontScale="100000"/>
+          </a:bodyPr>
+          <a:lstStyle>
+            <a:lvl1pPr marL="228600" lvl="0" indent="-228600" algn="l" defTabSz="914400">
+              <a:lnSpc>
+                <a:spcPct val="90000"/>
+              </a:lnSpc>
+              <a:spcBef>
+                <a:spcPts val="1000"/>
+              </a:spcBef>
+              <a:buFont typeface="Arial" charset="0"/>
+              <a:buChar char="•"/>
+              <a:defRPr sz="2800" kern="1200">
+                <a:solidFill>
+                  <a:schemeClr val="tx1"/>
+                </a:solidFill>
+                <a:latin typeface="Arial"/>
+                <a:ea typeface="微软雅黑"/>
+              </a:defRPr>
+            </a:lvl1pPr>
+            <a:lvl2pPr marL="685800" lvl="1" indent="-228600" algn="l" defTabSz="914400">
+              <a:lnSpc>
+                <a:spcPct val="90000"/>
+              </a:lnSpc>
+              <a:spcBef>
+                <a:spcPts val="500"/>
+              </a:spcBef>
+              <a:buFont typeface="Arial" charset="0"/>
+              <a:buChar char="•"/>
+              <a:defRPr sz="2400" kern="1200">
+                <a:solidFill>
+                  <a:schemeClr val="tx1"/>
+                </a:solidFill>
+                <a:latin typeface="Arial"/>
+                <a:ea typeface="微软雅黑"/>
+              </a:defRPr>
+            </a:lvl2pPr>
+            <a:lvl3pPr marL="1143000" lvl="2" indent="-228600" algn="l" defTabSz="914400">
+              <a:lnSpc>
+                <a:spcPct val="90000"/>
+              </a:lnSpc>
+              <a:spcBef>
+                <a:spcPts val="500"/>
+              </a:spcBef>
+              <a:buFont typeface="Arial" charset="0"/>
+              <a:buChar char="•"/>
+              <a:defRPr sz="2000" kern="1200">
+                <a:solidFill>
+                  <a:schemeClr val="tx1"/>
+                </a:solidFill>
+                <a:latin typeface="Arial"/>
+                <a:ea typeface="微软雅黑"/>
+              </a:defRPr>
+            </a:lvl3pPr>
+            <a:lvl4pPr marL="1600200" lvl="3" indent="-228600" algn="l" defTabSz="914400">
+              <a:lnSpc>
+                <a:spcPct val="90000"/>
+              </a:lnSpc>
+              <a:spcBef>
+                <a:spcPts val="500"/>
+              </a:spcBef>
+              <a:buFont typeface="Arial" charset="0"/>
+              <a:buChar char="•"/>
+              <a:defRPr sz="1800" kern="1200">
+                <a:solidFill>
+                  <a:schemeClr val="tx1"/>
+                </a:solidFill>
+                <a:latin typeface="Arial"/>
+                <a:ea typeface="微软雅黑"/>
+              </a:defRPr>
+            </a:lvl4pPr>
+            <a:lvl5pPr marL="2057400" lvl="4" indent="-228600" algn="l" defTabSz="914400">
+              <a:lnSpc>
+                <a:spcPct val="90000"/>
+              </a:lnSpc>
+              <a:spcBef>
+                <a:spcPts val="500"/>
+              </a:spcBef>
+              <a:buFont typeface="Arial" charset="0"/>
+              <a:buChar char="•"/>
+              <a:defRPr sz="1800" kern="1200">
+                <a:solidFill>
+                  <a:schemeClr val="tx1"/>
+                </a:solidFill>
+                <a:latin typeface="Arial"/>
+                <a:ea typeface="微软雅黑"/>
+              </a:defRPr>
+            </a:lvl5pPr>
+            <a:lvl6pPr marL="2514600" lvl="5" indent="-228600" algn="l" defTabSz="914400">
+              <a:lnSpc>
+                <a:spcPct val="90000"/>
+              </a:lnSpc>
+              <a:spcBef>
+                <a:spcPts val="500"/>
+              </a:spcBef>
+              <a:buFont typeface="Arial" charset="0"/>
+              <a:buChar char="•"/>
+              <a:defRPr sz="1800" kern="1200">
+                <a:solidFill>
+                  <a:schemeClr val="tx1"/>
+                </a:solidFill>
+                <a:latin typeface="Arial"/>
+                <a:ea typeface="微软雅黑"/>
+              </a:defRPr>
+            </a:lvl6pPr>
+            <a:lvl7pPr marL="2971800" lvl="6" indent="-228600" algn="l" defTabSz="914400">
+              <a:lnSpc>
+                <a:spcPct val="90000"/>
+              </a:lnSpc>
+              <a:spcBef>
+                <a:spcPts val="500"/>
+              </a:spcBef>
+              <a:buFont typeface="Arial" charset="0"/>
+              <a:buChar char="•"/>
+              <a:defRPr sz="1800" kern="1200">
+                <a:solidFill>
+                  <a:schemeClr val="tx1"/>
+                </a:solidFill>
+                <a:latin typeface="Arial"/>
+                <a:ea typeface="微软雅黑"/>
+              </a:defRPr>
+            </a:lvl7pPr>
+            <a:lvl8pPr marL="3429000" lvl="7" indent="-228600" algn="l" defTabSz="914400">
+              <a:lnSpc>
+                <a:spcPct val="90000"/>
+              </a:lnSpc>
+              <a:spcBef>
+                <a:spcPts val="500"/>
+              </a:spcBef>
+              <a:buFont typeface="Arial" charset="0"/>
+              <a:buChar char="•"/>
+              <a:defRPr sz="1800" kern="1200">
+                <a:solidFill>
+                  <a:schemeClr val="tx1"/>
+                </a:solidFill>
+                <a:latin typeface="Arial"/>
+                <a:ea typeface="微软雅黑"/>
+              </a:defRPr>
+            </a:lvl8pPr>
+            <a:lvl9pPr marL="3886200" lvl="8" indent="-228600" algn="l" defTabSz="914400">
+              <a:lnSpc>
+                <a:spcPct val="90000"/>
+              </a:lnSpc>
+              <a:spcBef>
+                <a:spcPts val="500"/>
+              </a:spcBef>
+              <a:buFont typeface="Arial" charset="0"/>
+              <a:buChar char="•"/>
+              <a:defRPr sz="1800" kern="1200">
+                <a:solidFill>
+                  <a:schemeClr val="tx1"/>
+                </a:solidFill>
+                <a:latin typeface="Arial"/>
+                <a:ea typeface="微软雅黑"/>
+              </a:defRPr>
+            </a:lvl9pPr>
+          </a:lstStyle>
+          <a:p>
+            <a:pPr lvl="0"/>
+            <a:r>
+              <a:rPr lang="zh-CN" altLang="zh-CN"/>
+              <a:t>验收标准</a:t>
+            </a:r>
+          </a:p>
+          <a:p>
+            <a:pPr lvl="1"/>
+            <a:r>
+              <a:rPr lang="zh-CN" altLang="zh-CN"/>
+              <a:t>客观条件</a:t>
+            </a:r>
+          </a:p>
+          <a:p>
+            <a:pPr lvl="2"/>
+            <a:r>
+              <a:rPr lang="zh-CN" altLang="zh-CN"/>
+              <a:t>经过调研，目前还没有使用文字检索表情的成熟软件，只有部分聊天软件附带有类似功能。经过测试，上述软件对应功能的召回率在</a:t>
+            </a:r>
+            <a:r>
+              <a:rPr lang="en-US" altLang="en-US"/>
+              <a:t>75%</a:t>
+            </a:r>
+            <a:r>
+              <a:rPr lang="zh-CN" altLang="zh-CN"/>
+              <a:t>左右，我们的软件召回率预期达到</a:t>
+            </a:r>
+            <a:r>
+              <a:rPr lang="en-US" altLang="en-US"/>
+              <a:t>80%</a:t>
+            </a:r>
+            <a:r>
+              <a:rPr lang="zh-CN" altLang="zh-CN"/>
+              <a:t>以上。</a:t>
+            </a:r>
+          </a:p>
+          <a:p>
+            <a:pPr lvl="2"/>
+            <a:r>
+              <a:rPr lang="zh-CN" altLang="zh-CN"/>
+              <a:t>关注每次</a:t>
+            </a:r>
+            <a:r>
+              <a:rPr lang="en-US" altLang="en-US"/>
+              <a:t>query</a:t>
+            </a:r>
+            <a:r>
+              <a:rPr lang="zh-CN" altLang="zh-CN"/>
+              <a:t>的运行时间，以上述测试过程的统计值作为</a:t>
+            </a:r>
+            <a:r>
+              <a:rPr lang="en-US" altLang="en-US"/>
+              <a:t>baseline</a:t>
+            </a:r>
+            <a:r>
+              <a:rPr lang="zh-CN" altLang="zh-CN"/>
+              <a:t>，若平均时间超过</a:t>
+            </a:r>
+            <a:r>
+              <a:rPr lang="en-US" altLang="en-US"/>
+              <a:t>2s</a:t>
+            </a:r>
+            <a:r>
+              <a:rPr lang="zh-CN" altLang="zh-CN"/>
+              <a:t>，则需要采用策略加速模型推理（运行时间过长的情形由</a:t>
+            </a:r>
+            <a:r>
+              <a:rPr lang="en-US" altLang="en-US"/>
+              <a:t>app</a:t>
+            </a:r>
+            <a:r>
+              <a:rPr lang="zh-CN" altLang="zh-CN"/>
+              <a:t>本身作处理，杀掉进程或采用其他方式）</a:t>
+            </a:r>
+          </a:p>
+          <a:p>
+            <a:pPr lvl="1"/>
+            <a:r>
+              <a:rPr lang="zh-CN" altLang="zh-CN"/>
+              <a:t>主观条件</a:t>
+            </a:r>
+          </a:p>
+          <a:p>
+            <a:pPr lvl="2"/>
+            <a:r>
+              <a:rPr lang="zh-CN" altLang="zh-CN"/>
+              <a:t>提供反馈功能，用户可依据对返回表情的满意程度对本次查询打分</a:t>
+            </a:r>
+          </a:p>
+          <a:p>
+            <a:pPr lvl="2"/>
+            <a:r>
+              <a:rPr lang="zh-CN" altLang="zh-CN"/>
+              <a:t>若软件运行过程中持续得到低分，则需要重训模型或做对应的</a:t>
+            </a:r>
+            <a:r>
+              <a:rPr lang="en-US" altLang="en-US"/>
+              <a:t>fine-tuning</a:t>
+            </a:r>
+          </a:p>
+        </p:txBody>
+      </p:sp>
+    </p:spTree>
+  </p:cSld>
+  <p:clrMapOvr>
+    <a:masterClrMapping/>
+  </p:clrMapOvr>
+</p:sld>
+</file>
+
+<file path=ppt/slides/slide7.xml><?xml version="1.0" encoding="utf-8"?>
+<p:sld xmlns:p14="http://schemas.microsoft.com/office/powerpoint/2010/main" xmlns:a="http://schemas.openxmlformats.org/drawingml/2006/main" xmlns:r="http://schemas.openxmlformats.org/officeDocument/2006/relationships" xmlns:p="http://schemas.openxmlformats.org/presentationml/2006/main">
   <p:cSld>
     <p:spTree>
       <p:nvGrpSpPr>
@@ -7579,14 +7458,18 @@
             <p:ph type="title"/>
           </p:nvPr>
         </p:nvSpPr>
-        <p:spPr/>
+        <p:spPr>
+          <a:prstGeom prst="rect">
+            <a:avLst/>
+          </a:prstGeom>
+        </p:spPr>
         <p:txBody>
           <a:bodyPr/>
           <a:lstStyle/>
           <a:p>
             <a:r>
-              <a:rPr lang="zh-CN" altLang="en-US" dirty="0"/>
-              <a:t>整体设计与技术总结</a:t>
+              <a:rPr lang="zh-CN" altLang="en-US"/>
+              <a:t>开发计划</a:t>
             </a:r>
           </a:p>
         </p:txBody>
@@ -7601,485 +7484,105 @@
             <p:ph idx="1"/>
           </p:nvPr>
         </p:nvSpPr>
-        <p:spPr/>
+        <p:spPr>
+          <a:prstGeom prst="rect">
+            <a:avLst/>
+          </a:prstGeom>
+        </p:spPr>
         <p:txBody>
           <a:bodyPr/>
           <a:lstStyle/>
           <a:p>
             <a:r>
-              <a:rPr lang="en-US" altLang="zh-CN" dirty="0"/>
+              <a:rPr lang="en-US" altLang="zh-CN"/>
+              <a:t>2023.10-2023.11.8</a:t>
+            </a:r>
+            <a:r>
+              <a:rPr lang="zh-CN" altLang="en-US"/>
+              <a:t>：敲定项目内容，完成开题</a:t>
+            </a:r>
+            <a:endParaRPr lang="en-US" altLang="zh-CN"/>
+          </a:p>
+          <a:p>
+            <a:r>
+              <a:rPr lang="en-US" altLang="zh-CN"/>
+              <a:t>2023.11.9-2023.11.26</a:t>
+            </a:r>
+            <a:r>
+              <a:rPr lang="zh-CN" altLang="en-US"/>
+              <a:t>（</a:t>
+            </a:r>
+            <a:r>
+              <a:rPr lang="en-US" altLang="zh-CN"/>
+              <a:t>Week 12</a:t>
+            </a:r>
+            <a:r>
+              <a:rPr lang="zh-CN" altLang="en-US"/>
+              <a:t>）：开发基础搜索引擎版本，使用</a:t>
+            </a:r>
+            <a:r>
+              <a:rPr lang="en-US" altLang="zh-CN"/>
+              <a:t>Pre-trained CLIP</a:t>
+            </a:r>
+            <a:r>
+              <a:rPr lang="zh-CN" altLang="en-US"/>
+              <a:t>模型，搭建</a:t>
+            </a:r>
+            <a:r>
+              <a:rPr lang="en-US" altLang="zh-CN"/>
+              <a:t>App</a:t>
+            </a:r>
+            <a:r>
+              <a:rPr lang="zh-CN" altLang="en-US"/>
+              <a:t>的应用框架</a:t>
+            </a:r>
+            <a:endParaRPr lang="en-US" altLang="zh-CN"/>
+          </a:p>
+          <a:p>
+            <a:r>
+              <a:rPr lang="en-US" altLang="zh-CN"/>
+              <a:t>2023.11.27-2023.12.10</a:t>
+            </a:r>
+            <a:r>
+              <a:rPr lang="zh-CN" altLang="en-US"/>
+              <a:t>（</a:t>
+            </a:r>
+            <a:r>
+              <a:rPr lang="en-US" altLang="zh-CN"/>
+              <a:t>Week 14</a:t>
+            </a:r>
+            <a:r>
+              <a:rPr lang="zh-CN" altLang="en-US"/>
+              <a:t>）：依据需求开发额外功能，引入</a:t>
+            </a:r>
+            <a:r>
+              <a:rPr lang="en-US" altLang="zh-CN"/>
+              <a:t>DALL-E</a:t>
+            </a:r>
+            <a:r>
+              <a:rPr lang="zh-CN" altLang="en-US"/>
+              <a:t>生成模块，搜集并生成面向不同任务的特定数据集，对</a:t>
+            </a:r>
+            <a:r>
+              <a:rPr lang="en-US" altLang="zh-CN"/>
               <a:t>CLIP</a:t>
             </a:r>
             <a:r>
-              <a:rPr lang="zh-CN" altLang="en-US" dirty="0"/>
-              <a:t>：</a:t>
-            </a:r>
-            <a:r>
-              <a:rPr lang="en-US" altLang="zh-CN" dirty="0"/>
-              <a:t>Text Encoder + Image Encoder</a:t>
-            </a:r>
-          </a:p>
-          <a:p>
-            <a:pPr lvl="1"/>
-            <a:r>
-              <a:rPr lang="zh-CN" altLang="en-US" dirty="0"/>
-              <a:t>预训练：</a:t>
-            </a:r>
-            <a:r>
-              <a:rPr lang="zh-CN" altLang="en-CN" dirty="0"/>
-              <a:t>平行语料</a:t>
-            </a:r>
-            <a:r>
-              <a:rPr lang="zh-CN" altLang="en-US" dirty="0"/>
-              <a:t>对比学习</a:t>
-            </a:r>
-            <a:endParaRPr lang="en-US" altLang="zh-CN" dirty="0"/>
-          </a:p>
-          <a:p>
-            <a:pPr lvl="1"/>
-            <a:r>
-              <a:rPr lang="en-US" altLang="zh-CN" dirty="0"/>
-              <a:t>zero-shot</a:t>
-            </a:r>
-            <a:r>
-              <a:rPr lang="zh-CN" altLang="en-US" dirty="0"/>
-              <a:t>投入使用</a:t>
-            </a:r>
-            <a:endParaRPr lang="en-US" altLang="zh-CN" dirty="0"/>
-          </a:p>
-          <a:p>
-            <a:pPr lvl="1"/>
-            <a:r>
-              <a:rPr lang="en-US" altLang="zh-CN" dirty="0"/>
-              <a:t>DALL-E</a:t>
-            </a:r>
-            <a:r>
-              <a:rPr lang="zh-CN" altLang="en-US" dirty="0"/>
-              <a:t>：根据自然语言生成对应</a:t>
-            </a:r>
-            <a:br>
-              <a:rPr lang="en-US" altLang="zh-CN" dirty="0"/>
-            </a:br>
-            <a:r>
-              <a:rPr lang="zh-CN" altLang="en-US" dirty="0"/>
-              <a:t>语义的图片</a:t>
-            </a:r>
-            <a:endParaRPr lang="en-US" altLang="zh-CN" dirty="0"/>
-          </a:p>
-          <a:p>
-            <a:pPr lvl="1"/>
-            <a:r>
-              <a:rPr lang="zh-CN" altLang="en-US" dirty="0"/>
-              <a:t>参数量：</a:t>
-            </a:r>
-            <a:r>
-              <a:rPr lang="en-US" altLang="zh-CN" dirty="0" err="1"/>
-              <a:t>ViT</a:t>
-            </a:r>
-            <a:r>
-              <a:rPr lang="en-US" altLang="zh-CN" dirty="0"/>
-              <a:t>-B</a:t>
-            </a:r>
-            <a:r>
-              <a:rPr lang="zh-CN" altLang="en-US"/>
-              <a:t>基座</a:t>
+              <a:rPr lang="zh-CN" altLang="en-US"/>
+              <a:t>模型做</a:t>
             </a:r>
             <a:r>
               <a:rPr lang="en-US" altLang="zh-CN"/>
-              <a:t>——400M</a:t>
-            </a:r>
-            <a:endParaRPr lang="en-US" altLang="zh-CN" dirty="0"/>
-          </a:p>
-          <a:p>
-            <a:r>
-              <a:rPr lang="zh-CN" altLang="en-US" dirty="0"/>
-              <a:t>框架：在线应用</a:t>
-            </a:r>
-            <a:endParaRPr lang="en-US" altLang="zh-CN" dirty="0"/>
-          </a:p>
-          <a:p>
-            <a:pPr lvl="1"/>
-            <a:r>
-              <a:rPr lang="zh-CN" altLang="en-CN" dirty="0"/>
-              <a:t>使用</a:t>
-            </a:r>
-            <a:r>
-              <a:rPr lang="en-US" altLang="zh-CN" dirty="0" err="1"/>
-              <a:t>Gradio</a:t>
-            </a:r>
-            <a:r>
-              <a:rPr lang="zh-CN" altLang="en-US" dirty="0"/>
-              <a:t>框架</a:t>
-            </a:r>
-            <a:endParaRPr lang="en-US" altLang="zh-CN" dirty="0"/>
-          </a:p>
-          <a:p>
-            <a:pPr lvl="1"/>
-            <a:r>
-              <a:rPr lang="zh-CN" altLang="en-US" dirty="0"/>
-              <a:t>设计对其他应用开放的</a:t>
-            </a:r>
-            <a:r>
-              <a:rPr lang="en-US" altLang="zh-CN" dirty="0" err="1"/>
-              <a:t>api</a:t>
-            </a:r>
-            <a:r>
-              <a:rPr lang="zh-CN" altLang="en-US" dirty="0"/>
-              <a:t>接口</a:t>
-            </a:r>
-            <a:endParaRPr lang="en-US" altLang="zh-CN" dirty="0"/>
-          </a:p>
-          <a:p>
-            <a:pPr lvl="1"/>
-            <a:endParaRPr lang="zh-CN" altLang="en-US" dirty="0"/>
-          </a:p>
-        </p:txBody>
-      </p:sp>
-      <p:pic>
-        <p:nvPicPr>
-          <p:cNvPr id="11" name="Picture 10">
-            <a:extLst>
-              <a:ext uri="{FF2B5EF4-FFF2-40B4-BE49-F238E27FC236}">
-                <a16:creationId xmlns:a16="http://schemas.microsoft.com/office/drawing/2014/main" id="{1F0CE307-8460-DE80-2126-09E1853917ED}"/>
-              </a:ext>
-            </a:extLst>
-          </p:cNvPr>
-          <p:cNvPicPr>
-            <a:picLocks noChangeAspect="1"/>
-          </p:cNvPicPr>
-          <p:nvPr/>
-        </p:nvPicPr>
-        <p:blipFill>
-          <a:blip r:embed="rId2">
-            <a:extLst>
-              <a:ext uri="{28A0092B-C50C-407E-A947-70E740481C1C}">
-                <a14:useLocalDpi xmlns:a14="http://schemas.microsoft.com/office/drawing/2010/main" val="0"/>
-              </a:ext>
-            </a:extLst>
-          </a:blip>
-          <a:stretch>
-            <a:fillRect/>
-          </a:stretch>
-        </p:blipFill>
-        <p:spPr>
-          <a:xfrm>
-            <a:off x="5866493" y="2252663"/>
-            <a:ext cx="6032500" cy="3924300"/>
-          </a:xfrm>
-          <a:prstGeom prst="rect">
-            <a:avLst/>
-          </a:prstGeom>
-        </p:spPr>
-      </p:pic>
-    </p:spTree>
-    <p:extLst>
-      <p:ext uri="{BB962C8B-B14F-4D97-AF65-F5344CB8AC3E}">
-        <p14:creationId xmlns:p14="http://schemas.microsoft.com/office/powerpoint/2010/main" val="3420031471"/>
-      </p:ext>
-    </p:extLst>
-  </p:cSld>
-  <p:clrMapOvr>
-    <a:masterClrMapping/>
-  </p:clrMapOvr>
-</p:sld>
-</file>
-
-<file path=ppt/slides/slide7.xml><?xml version="1.0" encoding="utf-8"?>
-<p:sld xmlns:a="http://schemas.openxmlformats.org/drawingml/2006/main" xmlns:r="http://schemas.openxmlformats.org/officeDocument/2006/relationships" xmlns:p="http://schemas.openxmlformats.org/presentationml/2006/main">
-  <p:cSld>
-    <p:spTree>
-      <p:nvGrpSpPr>
-        <p:cNvPr id="1" name=""/>
-        <p:cNvGrpSpPr/>
-        <p:nvPr/>
-      </p:nvGrpSpPr>
-      <p:grpSpPr>
-        <a:xfrm>
-          <a:off x="0" y="0"/>
-          <a:ext cx="0" cy="0"/>
-          <a:chOff x="0" y="0"/>
-          <a:chExt cx="0" cy="0"/>
-        </a:xfrm>
-      </p:grpSpPr>
-      <p:sp>
-        <p:nvSpPr>
-          <p:cNvPr id="2" name="标题 1"/>
-          <p:cNvSpPr>
-            <a:spLocks noGrp="1"/>
-          </p:cNvSpPr>
-          <p:nvPr>
-            <p:ph type="title"/>
-          </p:nvPr>
-        </p:nvSpPr>
-        <p:spPr/>
-        <p:txBody>
-          <a:bodyPr/>
-          <a:lstStyle/>
-          <a:p>
-            <a:r>
-              <a:rPr lang="zh-CN" altLang="en-US" dirty="0"/>
-              <a:t>整体设计与技术总结</a:t>
-            </a:r>
-          </a:p>
-        </p:txBody>
-      </p:sp>
-      <p:sp>
-        <p:nvSpPr>
-          <p:cNvPr id="3" name="内容占位符 2"/>
-          <p:cNvSpPr>
-            <a:spLocks noGrp="1"/>
-          </p:cNvSpPr>
-          <p:nvPr>
-            <p:ph idx="1"/>
-          </p:nvPr>
-        </p:nvSpPr>
-        <p:spPr/>
-        <p:txBody>
-          <a:bodyPr/>
-          <a:lstStyle/>
-          <a:p>
-            <a:r>
-              <a:rPr lang="en-US" altLang="zh-CN" dirty="0"/>
-              <a:t>Reward Preference: Recall</a:t>
-            </a:r>
-          </a:p>
-          <a:p>
-            <a:pPr lvl="1"/>
-            <a:r>
-              <a:rPr lang="zh-CN" altLang="en-US" dirty="0"/>
-              <a:t>任务需求：真正符合输入语义的图片被筛选出来</a:t>
-            </a:r>
-            <a:endParaRPr lang="en-US" altLang="zh-CN" dirty="0"/>
-          </a:p>
-          <a:p>
-            <a:pPr lvl="1"/>
-            <a:r>
-              <a:rPr lang="zh-CN" altLang="en-US" dirty="0"/>
-              <a:t>代价：返回图片的一位吻合率不够高，需要返回多张图片，用户完成最终的小范围筛选</a:t>
-            </a:r>
-            <a:endParaRPr lang="en-US" altLang="zh-CN" dirty="0"/>
-          </a:p>
-          <a:p>
-            <a:r>
-              <a:rPr lang="en-US" altLang="zh-CN" dirty="0"/>
-              <a:t>Success Criteria</a:t>
-            </a:r>
-          </a:p>
-          <a:p>
-            <a:pPr lvl="1"/>
-            <a:r>
-              <a:rPr lang="zh-CN" altLang="en-US" dirty="0"/>
-              <a:t>提供用户反馈功能，当同类型的</a:t>
-            </a:r>
-            <a:r>
-              <a:rPr lang="en-US" altLang="zh-CN" dirty="0"/>
-              <a:t>query</a:t>
-            </a:r>
-            <a:r>
-              <a:rPr lang="zh-CN" altLang="en-US" dirty="0"/>
-              <a:t>被多次反馈不满意，即搜索结果不符合（如</a:t>
-            </a:r>
-            <a:r>
-              <a:rPr lang="en-US" altLang="zh-CN" dirty="0"/>
-              <a:t>10</a:t>
-            </a:r>
-            <a:r>
-              <a:rPr lang="zh-CN" altLang="en-US" dirty="0"/>
-              <a:t>次）时检查模型出现的问题，做特别的</a:t>
-            </a:r>
-            <a:r>
-              <a:rPr lang="en-US" altLang="zh-CN" dirty="0"/>
               <a:t>fine-tuning</a:t>
             </a:r>
-            <a:r>
-              <a:rPr lang="zh-CN" altLang="en-US" dirty="0"/>
-              <a:t>或暂时打上结果不正确的标签</a:t>
-            </a:r>
-            <a:endParaRPr lang="en-US" altLang="zh-CN" dirty="0"/>
-          </a:p>
-          <a:p>
-            <a:pPr lvl="1"/>
-            <a:r>
-              <a:rPr lang="zh-CN" altLang="en-US" dirty="0"/>
-              <a:t>关注每次</a:t>
-            </a:r>
-            <a:r>
-              <a:rPr lang="en-US" altLang="zh-CN" dirty="0"/>
-              <a:t>query</a:t>
-            </a:r>
-            <a:r>
-              <a:rPr lang="zh-CN" altLang="en-US" dirty="0"/>
-              <a:t>的运行时间，若平均时间超过规定值，则需要采用策略加速模型推理；（运行时间过长的情形由</a:t>
-            </a:r>
-            <a:r>
-              <a:rPr lang="en-US" altLang="zh-CN" dirty="0"/>
-              <a:t>app</a:t>
-            </a:r>
-            <a:r>
-              <a:rPr lang="zh-CN" altLang="en-US" dirty="0"/>
-              <a:t>本身作处理，杀掉进程或采用其他方式）</a:t>
-            </a:r>
-            <a:endParaRPr lang="en-US" altLang="zh-CN" dirty="0"/>
-          </a:p>
-        </p:txBody>
-      </p:sp>
-    </p:spTree>
-    <p:extLst>
-      <p:ext uri="{BB962C8B-B14F-4D97-AF65-F5344CB8AC3E}">
-        <p14:creationId xmlns:p14="http://schemas.microsoft.com/office/powerpoint/2010/main" val="3501940465"/>
-      </p:ext>
-    </p:extLst>
-  </p:cSld>
-  <p:clrMapOvr>
-    <a:masterClrMapping/>
-  </p:clrMapOvr>
-</p:sld>
-</file>
-
-<file path=ppt/slides/slide8.xml><?xml version="1.0" encoding="utf-8"?>
-<p:sld xmlns:a="http://schemas.openxmlformats.org/drawingml/2006/main" xmlns:r="http://schemas.openxmlformats.org/officeDocument/2006/relationships" xmlns:p="http://schemas.openxmlformats.org/presentationml/2006/main">
-  <p:cSld>
-    <p:spTree>
-      <p:nvGrpSpPr>
-        <p:cNvPr id="1" name=""/>
-        <p:cNvGrpSpPr/>
-        <p:nvPr/>
-      </p:nvGrpSpPr>
-      <p:grpSpPr>
-        <a:xfrm>
-          <a:off x="0" y="0"/>
-          <a:ext cx="0" cy="0"/>
-          <a:chOff x="0" y="0"/>
-          <a:chExt cx="0" cy="0"/>
-        </a:xfrm>
-      </p:grpSpPr>
-      <p:sp>
-        <p:nvSpPr>
-          <p:cNvPr id="2" name="标题 1"/>
-          <p:cNvSpPr>
-            <a:spLocks noGrp="1"/>
-          </p:cNvSpPr>
-          <p:nvPr>
-            <p:ph type="title"/>
-          </p:nvPr>
-        </p:nvSpPr>
-        <p:spPr/>
-        <p:txBody>
-          <a:bodyPr/>
-          <a:lstStyle/>
-          <a:p>
-            <a:r>
-              <a:rPr lang="zh-CN" altLang="en-US" dirty="0"/>
-              <a:t>开发计划</a:t>
-            </a:r>
-          </a:p>
-        </p:txBody>
-      </p:sp>
-      <p:sp>
-        <p:nvSpPr>
-          <p:cNvPr id="3" name="内容占位符 2"/>
-          <p:cNvSpPr>
-            <a:spLocks noGrp="1"/>
-          </p:cNvSpPr>
-          <p:nvPr>
-            <p:ph idx="1"/>
-          </p:nvPr>
-        </p:nvSpPr>
-        <p:spPr/>
-        <p:txBody>
-          <a:bodyPr/>
-          <a:lstStyle/>
-          <a:p>
-            <a:r>
-              <a:rPr lang="en-US" altLang="zh-CN" dirty="0"/>
-              <a:t>2023.10-2023.11.8</a:t>
-            </a:r>
-            <a:r>
-              <a:rPr lang="zh-CN" altLang="en-US" dirty="0"/>
-              <a:t>：敲定项目内容，完成开题</a:t>
-            </a:r>
-            <a:endParaRPr lang="en-US" altLang="zh-CN" dirty="0"/>
-          </a:p>
-          <a:p>
-            <a:r>
-              <a:rPr lang="en-US" altLang="zh-CN" dirty="0"/>
-              <a:t>2023.11.9-2023.11.26</a:t>
-            </a:r>
-            <a:r>
-              <a:rPr lang="zh-CN" altLang="en-US" dirty="0"/>
-              <a:t>（</a:t>
-            </a:r>
-            <a:r>
-              <a:rPr lang="en-US" altLang="zh-CN" dirty="0"/>
-              <a:t>Week 12</a:t>
-            </a:r>
-            <a:r>
-              <a:rPr lang="zh-CN" altLang="en-US" dirty="0"/>
-              <a:t>）：开发基础搜索引擎版本，使用</a:t>
-            </a:r>
-            <a:r>
-              <a:rPr lang="en-US" altLang="zh-CN" dirty="0"/>
-              <a:t>Pre-trained CLIP</a:t>
-            </a:r>
-            <a:r>
-              <a:rPr lang="zh-CN" altLang="en-US" dirty="0"/>
-              <a:t>模型，搭建</a:t>
-            </a:r>
-            <a:r>
-              <a:rPr lang="en-US" altLang="zh-CN" dirty="0"/>
-              <a:t>App</a:t>
-            </a:r>
-            <a:r>
-              <a:rPr lang="zh-CN" altLang="en-US" dirty="0"/>
-              <a:t>的应用框架</a:t>
-            </a:r>
-            <a:endParaRPr lang="en-US" altLang="zh-CN" dirty="0"/>
-          </a:p>
-          <a:p>
-            <a:r>
-              <a:rPr lang="en-US" altLang="zh-CN" dirty="0"/>
-              <a:t>2023.11.27-2023.12.10</a:t>
-            </a:r>
-            <a:r>
-              <a:rPr lang="zh-CN" altLang="en-US" dirty="0"/>
-              <a:t>（</a:t>
-            </a:r>
-            <a:r>
-              <a:rPr lang="en-US" altLang="zh-CN" dirty="0"/>
-              <a:t>Week 14</a:t>
-            </a:r>
-            <a:r>
-              <a:rPr lang="zh-CN" altLang="en-US" dirty="0"/>
-              <a:t>）：依据需求开发额外功能，引入</a:t>
-            </a:r>
-            <a:r>
-              <a:rPr lang="en-US" altLang="zh-CN" dirty="0"/>
-              <a:t>DALL-E</a:t>
-            </a:r>
-            <a:r>
-              <a:rPr lang="zh-CN" altLang="en-US" dirty="0"/>
-              <a:t>生成模块，搜集并生成面向不同任务的特定数据集，对</a:t>
-            </a:r>
-            <a:r>
-              <a:rPr lang="en-US" altLang="zh-CN" dirty="0"/>
-              <a:t>CLIP</a:t>
-            </a:r>
-            <a:r>
-              <a:rPr lang="zh-CN" altLang="en-US" dirty="0"/>
-              <a:t>模型做</a:t>
-            </a:r>
-            <a:r>
-              <a:rPr lang="en-US" altLang="zh-CN" dirty="0"/>
-              <a:t>fine-tuning</a:t>
-            </a:r>
-          </a:p>
-          <a:p>
-            <a:r>
-              <a:rPr lang="en-US" altLang="zh-CN" dirty="0"/>
+          </a:p>
+          <a:p>
+            <a:r>
+              <a:rPr lang="en-US" altLang="zh-CN"/>
               <a:t>2023.12.11-</a:t>
             </a:r>
             <a:r>
-              <a:rPr lang="zh-CN" altLang="en-US" dirty="0"/>
+              <a:rPr lang="zh-CN" altLang="en-US"/>
               <a:t>结课：针对出现的问题和需求更改进行调整，准备结题</a:t>
             </a:r>
           </a:p>
@@ -8098,19 +7601,14 @@
 </p:sld>
 </file>
 
-<file path=ppt/slides/slide9.xml><?xml version="1.0" encoding="utf-8"?>
-<p:sld xmlns:a="http://schemas.openxmlformats.org/drawingml/2006/main" xmlns:r="http://schemas.openxmlformats.org/officeDocument/2006/relationships" xmlns:p="http://schemas.openxmlformats.org/presentationml/2006/main">
+<file path=ppt/slides/slide8.xml><?xml version="1.0" encoding="utf-8"?>
+<p:sld xmlns:p14="http://schemas.microsoft.com/office/powerpoint/2010/main" xmlns:a="http://schemas.openxmlformats.org/drawingml/2006/main" xmlns:r="http://schemas.openxmlformats.org/officeDocument/2006/relationships" xmlns:p="http://schemas.openxmlformats.org/presentationml/2006/main">
   <p:cSld>
     <p:bg>
       <p:bgPr>
-        <a:blipFill dpi="0" rotWithShape="1">
-          <a:blip r:embed="rId3" cstate="screen">
+        <a:blipFill rotWithShape="1">
+          <a:blip r:embed="rId2" cstate="screen">
             <a:lum/>
-            <a:extLst>
-              <a:ext uri="{28A0092B-C50C-407E-A947-70E740481C1C}">
-                <a14:useLocalDpi xmlns:a14="http://schemas.microsoft.com/office/drawing/2010/main"/>
-              </a:ext>
-            </a:extLst>
           </a:blip>
           <a:srcRect/>
           <a:stretch>
@@ -8144,12 +7642,16 @@
             <p:ph type="body" idx="1"/>
           </p:nvPr>
         </p:nvSpPr>
-        <p:spPr/>
+        <p:spPr>
+          <a:prstGeom prst="rect">
+            <a:avLst/>
+          </a:prstGeom>
+        </p:spPr>
         <p:txBody>
           <a:bodyPr/>
           <a:lstStyle/>
           <a:p>
-            <a:endParaRPr lang="zh-CN" altLang="en-US" dirty="0"/>
+            <a:endParaRPr lang="zh-CN" altLang="en-US"/>
           </a:p>
         </p:txBody>
       </p:sp>
@@ -8162,13 +7664,7 @@
           <p:nvPr/>
         </p:nvPicPr>
         <p:blipFill>
-          <a:blip r:embed="rId4">
-            <a:extLst>
-              <a:ext uri="{28A0092B-C50C-407E-A947-70E740481C1C}">
-                <a14:useLocalDpi xmlns:a14="http://schemas.microsoft.com/office/drawing/2010/main"/>
-              </a:ext>
-            </a:extLst>
-          </a:blip>
+          <a:blip r:embed="rId3"/>
           <a:stretch>
             <a:fillRect/>
           </a:stretch>
@@ -8754,133 +8250,4 @@
     </a:ext>
   </a:extLst>
 </a:theme>
-</file>
-
-<file path=ppt/theme/themeOverride1.xml><?xml version="1.0" encoding="utf-8"?>
-<a:themeOverride xmlns:a="http://schemas.openxmlformats.org/drawingml/2006/main">
-  <a:clrScheme name="Office">
-    <a:dk1>
-      <a:srgbClr val="000000"/>
-    </a:dk1>
-    <a:lt1>
-      <a:srgbClr val="FFFFFF"/>
-    </a:lt1>
-    <a:dk2>
-      <a:srgbClr val="768395"/>
-    </a:dk2>
-    <a:lt2>
-      <a:srgbClr val="F0F0F0"/>
-    </a:lt2>
-    <a:accent1>
-      <a:srgbClr val="C80E00"/>
-    </a:accent1>
-    <a:accent2>
-      <a:srgbClr val="FE9600"/>
-    </a:accent2>
-    <a:accent3>
-      <a:srgbClr val="0578C9"/>
-    </a:accent3>
-    <a:accent4>
-      <a:srgbClr val="FF7100"/>
-    </a:accent4>
-    <a:accent5>
-      <a:srgbClr val="FE9D00"/>
-    </a:accent5>
-    <a:accent6>
-      <a:srgbClr val="D93700"/>
-    </a:accent6>
-    <a:hlink>
-      <a:srgbClr val="4472C4"/>
-    </a:hlink>
-    <a:folHlink>
-      <a:srgbClr val="BFBFBF"/>
-    </a:folHlink>
-  </a:clrScheme>
-</a:themeOverride>
-</file>
-
-<file path=ppt/theme/themeOverride2.xml><?xml version="1.0" encoding="utf-8"?>
-<a:themeOverride xmlns:a="http://schemas.openxmlformats.org/drawingml/2006/main">
-  <a:clrScheme name="Office">
-    <a:dk1>
-      <a:srgbClr val="000000"/>
-    </a:dk1>
-    <a:lt1>
-      <a:srgbClr val="FFFFFF"/>
-    </a:lt1>
-    <a:dk2>
-      <a:srgbClr val="768395"/>
-    </a:dk2>
-    <a:lt2>
-      <a:srgbClr val="F0F0F0"/>
-    </a:lt2>
-    <a:accent1>
-      <a:srgbClr val="C80E00"/>
-    </a:accent1>
-    <a:accent2>
-      <a:srgbClr val="FE9600"/>
-    </a:accent2>
-    <a:accent3>
-      <a:srgbClr val="0578C9"/>
-    </a:accent3>
-    <a:accent4>
-      <a:srgbClr val="FF7100"/>
-    </a:accent4>
-    <a:accent5>
-      <a:srgbClr val="FE9D00"/>
-    </a:accent5>
-    <a:accent6>
-      <a:srgbClr val="D93700"/>
-    </a:accent6>
-    <a:hlink>
-      <a:srgbClr val="4472C4"/>
-    </a:hlink>
-    <a:folHlink>
-      <a:srgbClr val="BFBFBF"/>
-    </a:folHlink>
-  </a:clrScheme>
-</a:themeOverride>
-</file>
-
-<file path=ppt/theme/themeOverride3.xml><?xml version="1.0" encoding="utf-8"?>
-<a:themeOverride xmlns:a="http://schemas.openxmlformats.org/drawingml/2006/main">
-  <a:clrScheme name="Office">
-    <a:dk1>
-      <a:srgbClr val="000000"/>
-    </a:dk1>
-    <a:lt1>
-      <a:srgbClr val="FFFFFF"/>
-    </a:lt1>
-    <a:dk2>
-      <a:srgbClr val="768395"/>
-    </a:dk2>
-    <a:lt2>
-      <a:srgbClr val="F0F0F0"/>
-    </a:lt2>
-    <a:accent1>
-      <a:srgbClr val="C80E00"/>
-    </a:accent1>
-    <a:accent2>
-      <a:srgbClr val="FE9600"/>
-    </a:accent2>
-    <a:accent3>
-      <a:srgbClr val="0578C9"/>
-    </a:accent3>
-    <a:accent4>
-      <a:srgbClr val="FF7100"/>
-    </a:accent4>
-    <a:accent5>
-      <a:srgbClr val="FE9D00"/>
-    </a:accent5>
-    <a:accent6>
-      <a:srgbClr val="D93700"/>
-    </a:accent6>
-    <a:hlink>
-      <a:srgbClr val="4472C4"/>
-    </a:hlink>
-    <a:folHlink>
-      <a:srgbClr val="BFBFBF"/>
-    </a:folHlink>
-  </a:clrScheme>
-</a:themeOverride>
 </file>